--- a/RQ35314/Entrega RQ35314_transferenciaArchivos.pptx
+++ b/RQ35314/Entrega RQ35314_transferenciaArchivos.pptx
@@ -13,11 +13,11 @@
     <p:sldId id="258" r:id="rId7"/>
     <p:sldId id="259" r:id="rId8"/>
     <p:sldId id="260" r:id="rId9"/>
-    <p:sldId id="269" r:id="rId10"/>
+    <p:sldId id="272" r:id="rId10"/>
     <p:sldId id="262" r:id="rId11"/>
     <p:sldId id="263" r:id="rId12"/>
-    <p:sldId id="264" r:id="rId13"/>
-    <p:sldId id="265" r:id="rId14"/>
+    <p:sldId id="271" r:id="rId13"/>
+    <p:sldId id="270" r:id="rId14"/>
     <p:sldId id="266" r:id="rId15"/>
     <p:sldId id="267" r:id="rId16"/>
   </p:sldIdLst>
@@ -8154,14 +8154,14 @@
       </p:grpSpPr>
       <p:sp>
         <p:nvSpPr>
-          <p:cNvPr id="200" name="CustomShape 1"/>
+          <p:cNvPr id="214" name="CustomShape 1"/>
           <p:cNvSpPr/>
           <p:nvPr/>
         </p:nvSpPr>
         <p:spPr>
           <a:xfrm>
             <a:off x="289440" y="1364040"/>
-            <a:ext cx="2108520" cy="303120"/>
+            <a:ext cx="2107800" cy="302760"/>
           </a:xfrm>
           <a:prstGeom prst="rect">
             <a:avLst/>
@@ -8189,199 +8189,49 @@
           </a:bodyPr>
           <a:lstStyle/>
           <a:p>
-            <a:pPr>
+            <a:pPr marL="0" marR="0" lvl="0" indent="0" algn="l" defTabSz="914400" rtl="0" eaLnBrk="1" fontAlgn="auto" latinLnBrk="0" hangingPunct="1">
               <a:lnSpc>
                 <a:spcPct val="100000"/>
               </a:lnSpc>
+              <a:spcBef>
+                <a:spcPts val="0"/>
+              </a:spcBef>
+              <a:spcAft>
+                <a:spcPts val="0"/>
+              </a:spcAft>
+              <a:buClrTx/>
+              <a:buSzTx/>
+              <a:buFontTx/>
+              <a:buNone/>
+              <a:tabLst/>
+              <a:defRPr/>
             </a:pPr>
             <a:r>
-              <a:rPr lang="es-ES" sz="1400" b="1" strike="noStrike" spc="-1">
+              <a:rPr kumimoji="0" lang="es-ES" sz="1400" b="1" i="0" u="none" strike="noStrike" kern="1200" cap="none" spc="-1" normalizeH="0" baseline="0" noProof="0">
+                <a:ln>
+                  <a:noFill/>
+                </a:ln>
                 <a:solidFill>
                   <a:srgbClr val="3E3E3E"/>
                 </a:solidFill>
+                <a:effectLst/>
+                <a:uLnTx/>
+                <a:uFillTx/>
                 <a:latin typeface="Verdana"/>
                 <a:ea typeface="Verdana"/>
               </a:rPr>
               <a:t>SERVIDOR ORIGEN</a:t>
             </a:r>
-            <a:endParaRPr lang="es-CO" sz="1400" b="0" strike="noStrike" spc="-1">
-              <a:latin typeface="Arial"/>
-            </a:endParaRPr>
-          </a:p>
-        </p:txBody>
-      </p:sp>
-      <p:sp>
-        <p:nvSpPr>
-          <p:cNvPr id="202" name="CustomShape 3"/>
-          <p:cNvSpPr/>
-          <p:nvPr/>
-        </p:nvSpPr>
-        <p:spPr>
-          <a:xfrm>
-            <a:off x="279719" y="187740"/>
-            <a:ext cx="9906840" cy="455760"/>
-          </a:xfrm>
-          <a:prstGeom prst="rect">
-            <a:avLst/>
-          </a:prstGeom>
-          <a:noFill/>
-          <a:ln>
-            <a:noFill/>
-          </a:ln>
-        </p:spPr>
-        <p:style>
-          <a:lnRef idx="0">
-            <a:scrgbClr r="0" g="0" b="0"/>
-          </a:lnRef>
-          <a:fillRef idx="0">
-            <a:scrgbClr r="0" g="0" b="0"/>
-          </a:fillRef>
-          <a:effectRef idx="0">
-            <a:scrgbClr r="0" g="0" b="0"/>
-          </a:effectRef>
-          <a:fontRef idx="minor"/>
-        </p:style>
-        <p:txBody>
-          <a:bodyPr wrap="none" lIns="90000" tIns="45000" rIns="90000" bIns="45000">
-            <a:spAutoFit/>
-          </a:bodyPr>
-          <a:lstStyle/>
-          <a:p>
-            <a:pPr>
-              <a:lnSpc>
-                <a:spcPct val="100000"/>
-              </a:lnSpc>
-            </a:pPr>
-            <a:r>
-              <a:rPr lang="es-ES" sz="2400" b="1" strike="noStrike" spc="-1" dirty="0">
-                <a:solidFill>
-                  <a:srgbClr val="3E3E3E"/>
-                </a:solidFill>
-                <a:latin typeface="Verdana"/>
-                <a:ea typeface="Verdana"/>
-              </a:rPr>
-              <a:t>CREACION DE MONITORES Y MATRIZ DE ESCALAMIENTO</a:t>
-            </a:r>
-            <a:endParaRPr lang="es-CO" sz="2400" b="0" strike="noStrike" spc="-1" dirty="0">
-              <a:latin typeface="Arial"/>
-            </a:endParaRPr>
-          </a:p>
-        </p:txBody>
-      </p:sp>
-      <p:sp>
-        <p:nvSpPr>
-          <p:cNvPr id="203" name="CustomShape 4"/>
-          <p:cNvSpPr/>
-          <p:nvPr/>
-        </p:nvSpPr>
-        <p:spPr>
-          <a:xfrm>
-            <a:off x="290160" y="4037760"/>
-            <a:ext cx="2219760" cy="303120"/>
-          </a:xfrm>
-          <a:prstGeom prst="rect">
-            <a:avLst/>
-          </a:prstGeom>
-          <a:noFill/>
-          <a:ln>
-            <a:noFill/>
-          </a:ln>
-        </p:spPr>
-        <p:style>
-          <a:lnRef idx="0">
-            <a:scrgbClr r="0" g="0" b="0"/>
-          </a:lnRef>
-          <a:fillRef idx="0">
-            <a:scrgbClr r="0" g="0" b="0"/>
-          </a:fillRef>
-          <a:effectRef idx="0">
-            <a:scrgbClr r="0" g="0" b="0"/>
-          </a:effectRef>
-          <a:fontRef idx="minor"/>
-        </p:style>
-        <p:txBody>
-          <a:bodyPr wrap="none" lIns="90000" tIns="45000" rIns="90000" bIns="45000">
-            <a:spAutoFit/>
-          </a:bodyPr>
-          <a:lstStyle/>
-          <a:p>
-            <a:pPr>
-              <a:lnSpc>
-                <a:spcPct val="100000"/>
-              </a:lnSpc>
-            </a:pPr>
-            <a:r>
-              <a:rPr lang="es-ES" sz="1400" b="1" strike="noStrike" spc="-1">
-                <a:solidFill>
-                  <a:srgbClr val="3E3E3E"/>
-                </a:solidFill>
-                <a:latin typeface="Verdana"/>
-                <a:ea typeface="Verdana"/>
-              </a:rPr>
-              <a:t>SERVIDOR DESTINO</a:t>
-            </a:r>
-            <a:endParaRPr lang="es-CO" sz="1400" b="0" strike="noStrike" spc="-1">
-              <a:latin typeface="Arial"/>
-            </a:endParaRPr>
-          </a:p>
-        </p:txBody>
-      </p:sp>
-      <p:sp>
-        <p:nvSpPr>
-          <p:cNvPr id="205" name="CustomShape 6"/>
-          <p:cNvSpPr/>
-          <p:nvPr/>
-        </p:nvSpPr>
-        <p:spPr>
-          <a:xfrm>
-            <a:off x="432720" y="826200"/>
-            <a:ext cx="7554240" cy="868320"/>
-          </a:xfrm>
-          <a:prstGeom prst="rect">
-            <a:avLst/>
-          </a:prstGeom>
-          <a:noFill/>
-          <a:ln>
-            <a:noFill/>
-          </a:ln>
-        </p:spPr>
-        <p:style>
-          <a:lnRef idx="0">
-            <a:scrgbClr r="0" g="0" b="0"/>
-          </a:lnRef>
-          <a:fillRef idx="0">
-            <a:scrgbClr r="0" g="0" b="0"/>
-          </a:fillRef>
-          <a:effectRef idx="0">
-            <a:scrgbClr r="0" g="0" b="0"/>
-          </a:effectRef>
-          <a:fontRef idx="minor"/>
-        </p:style>
-        <p:txBody>
-          <a:bodyPr lIns="90000" tIns="45000" rIns="90000" bIns="45000">
-            <a:noAutofit/>
-          </a:bodyPr>
-          <a:lstStyle/>
-          <a:p>
-            <a:pPr algn="just">
-              <a:lnSpc>
-                <a:spcPct val="90000"/>
-              </a:lnSpc>
-              <a:spcBef>
-                <a:spcPts val="1001"/>
-              </a:spcBef>
-            </a:pPr>
-            <a:r>
-              <a:rPr lang="es-CO" sz="1800" b="0" strike="noStrike" spc="-1">
-                <a:solidFill>
-                  <a:srgbClr val="A6A6A6"/>
-                </a:solidFill>
-                <a:latin typeface="Verdana"/>
-                <a:ea typeface="DejaVu Sans"/>
-              </a:rPr>
-              <a:t>EJEMPLOS……………. Incluir los necesarios</a:t>
-            </a:r>
-            <a:endParaRPr lang="es-CO" sz="1800" b="0" strike="noStrike" spc="-1">
+            <a:endParaRPr kumimoji="0" lang="es-CO" sz="1400" b="0" i="0" u="none" strike="noStrike" kern="1200" cap="none" spc="-1" normalizeH="0" baseline="0" noProof="0">
+              <a:ln>
+                <a:noFill/>
+              </a:ln>
+              <a:solidFill>
+                <a:prstClr val="black"/>
+              </a:solidFill>
+              <a:effectLst/>
+              <a:uLnTx/>
+              <a:uFillTx/>
               <a:latin typeface="Arial"/>
             </a:endParaRPr>
           </a:p>
@@ -8389,21 +8239,9 @@
       </p:sp>
       <p:graphicFrame>
         <p:nvGraphicFramePr>
-          <p:cNvPr id="8" name="Table 2">
-            <a:extLst>
-              <a:ext uri="{FF2B5EF4-FFF2-40B4-BE49-F238E27FC236}">
-                <a16:creationId xmlns:a16="http://schemas.microsoft.com/office/drawing/2014/main" id="{502B08B5-1E5E-4C6F-B832-68C9E9BC86D7}"/>
-              </a:ext>
-            </a:extLst>
-          </p:cNvPr>
+          <p:cNvPr id="215" name="Table 2"/>
           <p:cNvGraphicFramePr/>
-          <p:nvPr>
-            <p:extLst>
-              <p:ext uri="{D42A27DB-BD31-4B8C-83A1-F6EECF244321}">
-                <p14:modId xmlns:p14="http://schemas.microsoft.com/office/powerpoint/2010/main" val="704305112"/>
-              </p:ext>
-            </p:extLst>
-          </p:nvPr>
+          <p:nvPr/>
         </p:nvGraphicFramePr>
         <p:xfrm>
           <a:off x="279719" y="1773000"/>
@@ -8686,7 +8524,7 @@
                         </a:lnSpc>
                       </a:pPr>
                       <a:r>
-                        <a:rPr lang="es-ES" sz="1200" b="0" strike="noStrike" spc="-1" dirty="0">
+                        <a:rPr lang="es-ES" sz="1200" b="0" strike="noStrike" spc="-1">
                           <a:solidFill>
                             <a:srgbClr val="0D0D0D"/>
                           </a:solidFill>
@@ -8694,7 +8532,7 @@
                         </a:rPr>
                         <a:t>No hay Conexión con el Servidor</a:t>
                       </a:r>
-                      <a:endParaRPr lang="es-CO" sz="1200" b="0" strike="noStrike" spc="-1" dirty="0">
+                      <a:endParaRPr lang="es-CO" sz="1200" b="0" strike="noStrike" spc="-1">
                         <a:latin typeface="Arial"/>
                       </a:endParaRPr>
                     </a:p>
@@ -8715,10 +8553,14 @@
                         <a:srgbClr val="000000"/>
                       </a:solidFill>
                     </a:lnT>
-                    <a:lnB w="6480">
-                      <a:solidFill>
-                        <a:srgbClr val="000000"/>
-                      </a:solidFill>
+                    <a:lnB w="6480" cap="flat" cmpd="sng" algn="ctr">
+                      <a:solidFill>
+                        <a:srgbClr val="000000"/>
+                      </a:solidFill>
+                      <a:prstDash val="solid"/>
+                      <a:round/>
+                      <a:headEnd type="none" w="med" len="med"/>
+                      <a:tailEnd type="none" w="med" len="med"/>
                     </a:lnB>
                     <a:noFill/>
                   </a:tcPr>
@@ -8740,7 +8582,7 @@
                           </a:solidFill>
                           <a:latin typeface="Calibri"/>
                         </a:rPr>
-                        <a:t> Daniel Solano</a:t>
+                        <a:t> Jose Luis Rodríguez</a:t>
                       </a:r>
                     </a:p>
                     <a:p>
@@ -8756,11 +8598,8 @@
                           </a:solidFill>
                           <a:latin typeface="Calibri"/>
                         </a:rPr>
-                        <a:t>Jairo Garnica</a:t>
+                        <a:t>Richard Gomez</a:t>
                       </a:r>
-                      <a:endParaRPr lang="es-CO" sz="1200" b="0" strike="noStrike" spc="-1" dirty="0">
-                        <a:latin typeface="Arial"/>
-                      </a:endParaRPr>
                     </a:p>
                   </a:txBody>
                   <a:tcPr marL="9360" marR="9360">
@@ -8808,7 +8647,25 @@
                           </a:solidFill>
                           <a:latin typeface="Calibri"/>
                         </a:rPr>
-                        <a:t> Líder Core TIN</a:t>
+                        <a:t> </a:t>
+                      </a:r>
+                      <a:r>
+                        <a:rPr lang="es-CO" sz="1200" b="0" strike="noStrike" spc="-1" dirty="0" err="1">
+                          <a:solidFill>
+                            <a:srgbClr val="000000"/>
+                          </a:solidFill>
+                          <a:latin typeface="Calibri"/>
+                        </a:rPr>
+                        <a:t>Devops</a:t>
+                      </a:r>
+                      <a:r>
+                        <a:rPr lang="es-CO" sz="1200" b="0" strike="noStrike" spc="-1" dirty="0">
+                          <a:solidFill>
+                            <a:srgbClr val="000000"/>
+                          </a:solidFill>
+                          <a:latin typeface="Calibri"/>
+                        </a:rPr>
+                        <a:t> AWS – dale</a:t>
                       </a:r>
                     </a:p>
                     <a:p>
@@ -8824,11 +8681,8 @@
                           </a:solidFill>
                           <a:latin typeface="Calibri"/>
                         </a:rPr>
-                        <a:t>Líder Desarrollo ATH</a:t>
+                        <a:t>Arquitecto dale</a:t>
                       </a:r>
-                      <a:endParaRPr lang="es-CO" sz="1200" b="0" strike="noStrike" spc="-1" dirty="0">
-                        <a:latin typeface="Arial"/>
-                      </a:endParaRPr>
                     </a:p>
                   </a:txBody>
                   <a:tcPr marL="9360" marR="9360">
@@ -8928,7 +8782,7 @@
                           </a:solidFill>
                           <a:latin typeface="Calibri"/>
                         </a:rPr>
-                        <a:t> 3508523718</a:t>
+                        <a:t> 3162532863</a:t>
                       </a:r>
                     </a:p>
                     <a:p>
@@ -8944,11 +8798,204 @@
                           </a:solidFill>
                           <a:latin typeface="Calibri"/>
                         </a:rPr>
-                        <a:t>3168765660</a:t>
+                        <a:t> 3007783871</a:t>
                       </a:r>
                       <a:endParaRPr lang="es-CO" sz="1200" b="0" strike="noStrike" spc="-1" dirty="0">
                         <a:latin typeface="Arial"/>
                       </a:endParaRPr>
+                    </a:p>
+                  </a:txBody>
+                  <a:tcPr marL="9360" marR="9360">
+                    <a:lnL w="6480">
+                      <a:solidFill>
+                        <a:srgbClr val="000000"/>
+                      </a:solidFill>
+                    </a:lnL>
+                    <a:lnR w="6480">
+                      <a:solidFill>
+                        <a:srgbClr val="000000"/>
+                      </a:solidFill>
+                    </a:lnR>
+                    <a:lnT w="6480">
+                      <a:solidFill>
+                        <a:srgbClr val="000000"/>
+                      </a:solidFill>
+                    </a:lnT>
+                    <a:lnB w="6480" cap="flat" cmpd="sng" algn="ctr">
+                      <a:solidFill>
+                        <a:srgbClr val="000000"/>
+                      </a:solidFill>
+                      <a:prstDash val="solid"/>
+                      <a:round/>
+                      <a:headEnd type="none" w="med" len="med"/>
+                      <a:tailEnd type="none" w="med" len="med"/>
+                    </a:lnB>
+                    <a:noFill/>
+                  </a:tcPr>
+                </a:tc>
+                <a:tc>
+                  <a:txBody>
+                    <a:bodyPr/>
+                    <a:lstStyle/>
+                    <a:p>
+                      <a:pPr>
+                        <a:lnSpc>
+                          <a:spcPct val="100000"/>
+                        </a:lnSpc>
+                      </a:pPr>
+                      <a:r>
+                        <a:rPr lang="es-CO" sz="1200" b="0" strike="noStrike" spc="-1" dirty="0">
+                          <a:solidFill>
+                            <a:srgbClr val="000000"/>
+                          </a:solidFill>
+                          <a:latin typeface="Calibri"/>
+                        </a:rPr>
+                        <a:t> jose.rodriguez@dale.com.co</a:t>
+                      </a:r>
+                    </a:p>
+                    <a:p>
+                      <a:pPr>
+                        <a:lnSpc>
+                          <a:spcPct val="100000"/>
+                        </a:lnSpc>
+                      </a:pPr>
+                      <a:r>
+                        <a:rPr lang="es-CO" sz="1200" b="0" strike="noStrike" spc="-1" dirty="0">
+                          <a:solidFill>
+                            <a:srgbClr val="000000"/>
+                          </a:solidFill>
+                          <a:latin typeface="Calibri"/>
+                        </a:rPr>
+                        <a:t>Richard.gomez@dale.com.co</a:t>
+                      </a:r>
+                    </a:p>
+                  </a:txBody>
+                  <a:tcPr marL="9360" marR="9360">
+                    <a:lnL w="6480">
+                      <a:solidFill>
+                        <a:srgbClr val="000000"/>
+                      </a:solidFill>
+                    </a:lnL>
+                    <a:lnR w="6480">
+                      <a:solidFill>
+                        <a:srgbClr val="000000"/>
+                      </a:solidFill>
+                    </a:lnR>
+                    <a:lnT w="6480">
+                      <a:solidFill>
+                        <a:srgbClr val="000000"/>
+                      </a:solidFill>
+                    </a:lnT>
+                    <a:lnB w="6480" cap="flat" cmpd="sng" algn="ctr">
+                      <a:solidFill>
+                        <a:srgbClr val="000000"/>
+                      </a:solidFill>
+                      <a:prstDash val="solid"/>
+                      <a:round/>
+                      <a:headEnd type="none" w="med" len="med"/>
+                      <a:tailEnd type="none" w="med" len="med"/>
+                    </a:lnB>
+                    <a:noFill/>
+                  </a:tcPr>
+                </a:tc>
+                <a:extLst>
+                  <a:ext uri="{0D108BD9-81ED-4DB2-BD59-A6C34878D82A}">
+                    <a16:rowId xmlns:a16="http://schemas.microsoft.com/office/drawing/2014/main" val="10001"/>
+                  </a:ext>
+                </a:extLst>
+              </a:tr>
+              <a:tr h="379800">
+                <a:tc>
+                  <a:txBody>
+                    <a:bodyPr/>
+                    <a:lstStyle/>
+                    <a:p>
+                      <a:pPr>
+                        <a:lnSpc>
+                          <a:spcPct val="100000"/>
+                        </a:lnSpc>
+                      </a:pPr>
+                      <a:r>
+                        <a:rPr lang="es-ES" sz="1200" b="0" strike="noStrike" spc="-1">
+                          <a:solidFill>
+                            <a:srgbClr val="0D0D0D"/>
+                          </a:solidFill>
+                          <a:latin typeface="Calibri"/>
+                        </a:rPr>
+                        <a:t>No hay Conexión con el Servidor</a:t>
+                      </a:r>
+                      <a:endParaRPr lang="es-CO" sz="1200" b="0" strike="noStrike" spc="-1">
+                        <a:latin typeface="Arial"/>
+                      </a:endParaRPr>
+                    </a:p>
+                  </a:txBody>
+                  <a:tcPr marL="9360" marR="9360">
+                    <a:lnL w="6480">
+                      <a:solidFill>
+                        <a:srgbClr val="000000"/>
+                      </a:solidFill>
+                    </a:lnL>
+                    <a:lnR w="6480" cap="flat" cmpd="sng" algn="ctr">
+                      <a:solidFill>
+                        <a:srgbClr val="000000"/>
+                      </a:solidFill>
+                      <a:prstDash val="solid"/>
+                      <a:round/>
+                      <a:headEnd type="none" w="med" len="med"/>
+                      <a:tailEnd type="none" w="med" len="med"/>
+                    </a:lnR>
+                    <a:lnT w="6480">
+                      <a:solidFill>
+                        <a:srgbClr val="000000"/>
+                      </a:solidFill>
+                    </a:lnT>
+                    <a:lnB w="6480" cap="flat" cmpd="sng" algn="ctr">
+                      <a:solidFill>
+                        <a:srgbClr val="000000"/>
+                      </a:solidFill>
+                      <a:prstDash val="solid"/>
+                      <a:round/>
+                      <a:headEnd type="none" w="med" len="med"/>
+                      <a:tailEnd type="none" w="med" len="med"/>
+                    </a:lnB>
+                    <a:noFill/>
+                  </a:tcPr>
+                </a:tc>
+                <a:tc>
+                  <a:txBody>
+                    <a:bodyPr/>
+                    <a:lstStyle/>
+                    <a:p>
+                      <a:pPr>
+                        <a:lnSpc>
+                          <a:spcPct val="100000"/>
+                        </a:lnSpc>
+                      </a:pPr>
+                      <a:r>
+                        <a:rPr lang="es-CO" sz="1200" b="0" strike="noStrike" spc="-1" dirty="0">
+                          <a:solidFill>
+                            <a:srgbClr val="000000"/>
+                          </a:solidFill>
+                          <a:latin typeface="Calibri"/>
+                        </a:rPr>
+                        <a:t> Jose Luis Rodríguez</a:t>
+                      </a:r>
+                    </a:p>
+                    <a:p>
+                      <a:pPr>
+                        <a:lnSpc>
+                          <a:spcPct val="100000"/>
+                        </a:lnSpc>
+                      </a:pPr>
+                      <a:r>
+                        <a:rPr lang="es-CO" sz="1200" b="0" strike="noStrike" spc="-1" dirty="0">
+                          <a:solidFill>
+                            <a:srgbClr val="000000"/>
+                          </a:solidFill>
+                          <a:latin typeface="Calibri"/>
+                        </a:rPr>
+                        <a:t>Richard Gomez</a:t>
+                      </a:r>
                     </a:p>
                   </a:txBody>
                   <a:tcPr marL="9360" marR="9360">
@@ -8999,126 +9046,14 @@
                         <a:t> </a:t>
                       </a:r>
                       <a:r>
-                        <a:rPr lang="es-CO" sz="1200" b="0" strike="noStrike" spc="-1" dirty="0">
-                          <a:latin typeface="+mn-lt"/>
-                        </a:rPr>
-                        <a:t>proveedor_dsolano@ath.com.co</a:t>
-                      </a:r>
-                    </a:p>
-                    <a:p>
-                      <a:pPr>
-                        <a:lnSpc>
-                          <a:spcPct val="100000"/>
-                        </a:lnSpc>
-                      </a:pPr>
-                      <a:r>
-                        <a:rPr lang="es-CO" sz="1200" b="0" strike="noStrike" spc="-1" dirty="0">
-                          <a:latin typeface="+mn-lt"/>
-                        </a:rPr>
-                        <a:t>jgarnica@ath.com.co</a:t>
-                      </a:r>
-                      <a:endParaRPr lang="es-CO" sz="1200" b="0" strike="noStrike" spc="-1" dirty="0">
-                        <a:latin typeface="Arial"/>
-                      </a:endParaRPr>
-                    </a:p>
-                  </a:txBody>
-                  <a:tcPr marL="9360" marR="9360">
-                    <a:lnL w="6480">
-                      <a:solidFill>
-                        <a:srgbClr val="000000"/>
-                      </a:solidFill>
-                    </a:lnL>
-                    <a:lnR w="6480">
-                      <a:solidFill>
-                        <a:srgbClr val="000000"/>
-                      </a:solidFill>
-                    </a:lnR>
-                    <a:lnT w="6480">
-                      <a:solidFill>
-                        <a:srgbClr val="000000"/>
-                      </a:solidFill>
-                    </a:lnT>
-                    <a:lnB w="6480" cap="flat" cmpd="sng" algn="ctr">
-                      <a:solidFill>
-                        <a:srgbClr val="000000"/>
-                      </a:solidFill>
-                      <a:prstDash val="solid"/>
-                      <a:round/>
-                      <a:headEnd type="none" w="med" len="med"/>
-                      <a:tailEnd type="none" w="med" len="med"/>
-                    </a:lnB>
-                    <a:noFill/>
-                  </a:tcPr>
-                </a:tc>
-                <a:extLst>
-                  <a:ext uri="{0D108BD9-81ED-4DB2-BD59-A6C34878D82A}">
-                    <a16:rowId xmlns:a16="http://schemas.microsoft.com/office/drawing/2014/main" val="10001"/>
-                  </a:ext>
-                </a:extLst>
-              </a:tr>
-              <a:tr h="379800">
-                <a:tc>
-                  <a:txBody>
-                    <a:bodyPr/>
-                    <a:lstStyle/>
-                    <a:p>
-                      <a:pPr>
-                        <a:lnSpc>
-                          <a:spcPct val="100000"/>
-                        </a:lnSpc>
-                      </a:pPr>
-                      <a:r>
-                        <a:rPr lang="es-CO" sz="1200" b="0" strike="noStrike" spc="-1" dirty="0">
+                        <a:rPr lang="es-CO" sz="1200" b="0" strike="noStrike" spc="-1" dirty="0" err="1">
                           <a:solidFill>
-                            <a:srgbClr val="0D0D0D"/>
+                            <a:srgbClr val="000000"/>
                           </a:solidFill>
                           <a:latin typeface="Calibri"/>
                         </a:rPr>
-                        <a:t>No están los archivos</a:t>
+                        <a:t>Devops</a:t>
                       </a:r>
-                      <a:endParaRPr lang="es-CO" sz="1200" b="0" strike="noStrike" spc="-1" dirty="0">
-                        <a:latin typeface="Arial"/>
-                      </a:endParaRPr>
-                    </a:p>
-                  </a:txBody>
-                  <a:tcPr marL="9360" marR="9360">
-                    <a:lnL w="6480">
-                      <a:solidFill>
-                        <a:srgbClr val="000000"/>
-                      </a:solidFill>
-                    </a:lnL>
-                    <a:lnR w="6480" cap="flat" cmpd="sng" algn="ctr">
-                      <a:solidFill>
-                        <a:srgbClr val="000000"/>
-                      </a:solidFill>
-                      <a:prstDash val="solid"/>
-                      <a:round/>
-                      <a:headEnd type="none" w="med" len="med"/>
-                      <a:tailEnd type="none" w="med" len="med"/>
-                    </a:lnR>
-                    <a:lnT w="6480">
-                      <a:solidFill>
-                        <a:srgbClr val="000000"/>
-                      </a:solidFill>
-                    </a:lnT>
-                    <a:lnB w="6480">
-                      <a:solidFill>
-                        <a:srgbClr val="000000"/>
-                      </a:solidFill>
-                    </a:lnB>
-                    <a:noFill/>
-                  </a:tcPr>
-                </a:tc>
-                <a:tc>
-                  <a:txBody>
-                    <a:bodyPr/>
-                    <a:lstStyle/>
-                    <a:p>
-                      <a:pPr>
-                        <a:lnSpc>
-                          <a:spcPct val="100000"/>
-                        </a:lnSpc>
-                      </a:pPr>
                       <a:r>
                         <a:rPr lang="es-CO" sz="1200" b="0" strike="noStrike" spc="-1" dirty="0">
                           <a:solidFill>
@@ -9126,7 +9061,7 @@
                           </a:solidFill>
                           <a:latin typeface="Calibri"/>
                         </a:rPr>
-                        <a:t> Daniel Solano</a:t>
+                        <a:t> AWS – dale</a:t>
                       </a:r>
                     </a:p>
                     <a:p>
@@ -9142,79 +9077,8 @@
                           </a:solidFill>
                           <a:latin typeface="Calibri"/>
                         </a:rPr>
-                        <a:t>Jairo Garnica</a:t>
+                        <a:t>Arquitecto dale</a:t>
                       </a:r>
-                      <a:endParaRPr lang="es-CO" sz="1200" b="0" strike="noStrike" spc="-1" dirty="0">
-                        <a:latin typeface="Arial"/>
-                      </a:endParaRPr>
-                    </a:p>
-                  </a:txBody>
-                  <a:tcPr marL="9360" marR="9360">
-                    <a:lnL w="6480">
-                      <a:solidFill>
-                        <a:srgbClr val="000000"/>
-                      </a:solidFill>
-                    </a:lnL>
-                    <a:lnR w="6480">
-                      <a:solidFill>
-                        <a:srgbClr val="000000"/>
-                      </a:solidFill>
-                    </a:lnR>
-                    <a:lnT w="6480">
-                      <a:solidFill>
-                        <a:srgbClr val="000000"/>
-                      </a:solidFill>
-                    </a:lnT>
-                    <a:lnB w="6480" cap="flat" cmpd="sng" algn="ctr">
-                      <a:solidFill>
-                        <a:srgbClr val="000000"/>
-                      </a:solidFill>
-                      <a:prstDash val="solid"/>
-                      <a:round/>
-                      <a:headEnd type="none" w="med" len="med"/>
-                      <a:tailEnd type="none" w="med" len="med"/>
-                    </a:lnB>
-                    <a:noFill/>
-                  </a:tcPr>
-                </a:tc>
-                <a:tc>
-                  <a:txBody>
-                    <a:bodyPr/>
-                    <a:lstStyle/>
-                    <a:p>
-                      <a:pPr>
-                        <a:lnSpc>
-                          <a:spcPct val="100000"/>
-                        </a:lnSpc>
-                      </a:pPr>
-                      <a:r>
-                        <a:rPr lang="es-CO" sz="1200" b="0" strike="noStrike" spc="-1" dirty="0">
-                          <a:solidFill>
-                            <a:srgbClr val="000000"/>
-                          </a:solidFill>
-                          <a:latin typeface="Calibri"/>
-                        </a:rPr>
-                        <a:t> Líder Core TIN</a:t>
-                      </a:r>
-                    </a:p>
-                    <a:p>
-                      <a:pPr>
-                        <a:lnSpc>
-                          <a:spcPct val="100000"/>
-                        </a:lnSpc>
-                      </a:pPr>
-                      <a:r>
-                        <a:rPr lang="es-CO" sz="1200" b="0" strike="noStrike" spc="-1" dirty="0">
-                          <a:solidFill>
-                            <a:srgbClr val="000000"/>
-                          </a:solidFill>
-                          <a:latin typeface="Calibri"/>
-                        </a:rPr>
-                        <a:t>Líder Desarrollo ATH</a:t>
-                      </a:r>
-                      <a:endParaRPr lang="es-CO" sz="1200" b="0" strike="noStrike" spc="-1" dirty="0">
-                        <a:latin typeface="Arial"/>
-                      </a:endParaRPr>
                     </a:p>
                   </a:txBody>
                   <a:tcPr marL="9360" marR="9360">
@@ -9314,7 +9178,7 @@
                           </a:solidFill>
                           <a:latin typeface="Calibri"/>
                         </a:rPr>
-                        <a:t> 3508523718</a:t>
+                        <a:t> 3162532863</a:t>
                       </a:r>
                     </a:p>
                     <a:p>
@@ -9330,7 +9194,7 @@
                           </a:solidFill>
                           <a:latin typeface="Calibri"/>
                         </a:rPr>
-                        <a:t>3168765660</a:t>
+                        <a:t> 3007783871</a:t>
                       </a:r>
                       <a:endParaRPr lang="es-CO" sz="1200" b="0" strike="noStrike" spc="-1" dirty="0">
                         <a:latin typeface="Arial"/>
@@ -9361,6 +9225,199 @@
                       <a:round/>
                       <a:headEnd type="none" w="med" len="med"/>
                       <a:tailEnd type="none" w="med" len="med"/>
+                    </a:lnB>
+                    <a:noFill/>
+                  </a:tcPr>
+                </a:tc>
+                <a:tc>
+                  <a:txBody>
+                    <a:bodyPr/>
+                    <a:lstStyle/>
+                    <a:p>
+                      <a:pPr>
+                        <a:lnSpc>
+                          <a:spcPct val="100000"/>
+                        </a:lnSpc>
+                      </a:pPr>
+                      <a:r>
+                        <a:rPr lang="es-CO" sz="1200" b="0" strike="noStrike" spc="-1" dirty="0">
+                          <a:solidFill>
+                            <a:srgbClr val="000000"/>
+                          </a:solidFill>
+                          <a:latin typeface="Calibri"/>
+                        </a:rPr>
+                        <a:t> jose.rodriguez@dale.com.co</a:t>
+                      </a:r>
+                    </a:p>
+                    <a:p>
+                      <a:pPr>
+                        <a:lnSpc>
+                          <a:spcPct val="100000"/>
+                        </a:lnSpc>
+                      </a:pPr>
+                      <a:r>
+                        <a:rPr lang="es-CO" sz="1200" b="0" strike="noStrike" spc="-1" dirty="0">
+                          <a:solidFill>
+                            <a:srgbClr val="000000"/>
+                          </a:solidFill>
+                          <a:latin typeface="Calibri"/>
+                        </a:rPr>
+                        <a:t>Richard.gomez@dale.com.co</a:t>
+                      </a:r>
+                    </a:p>
+                  </a:txBody>
+                  <a:tcPr marL="9360" marR="9360">
+                    <a:lnL w="6480">
+                      <a:solidFill>
+                        <a:srgbClr val="000000"/>
+                      </a:solidFill>
+                    </a:lnL>
+                    <a:lnR w="6480">
+                      <a:solidFill>
+                        <a:srgbClr val="000000"/>
+                      </a:solidFill>
+                    </a:lnR>
+                    <a:lnT w="6480">
+                      <a:solidFill>
+                        <a:srgbClr val="000000"/>
+                      </a:solidFill>
+                    </a:lnT>
+                    <a:lnB w="6480" cap="flat" cmpd="sng" algn="ctr">
+                      <a:solidFill>
+                        <a:srgbClr val="000000"/>
+                      </a:solidFill>
+                      <a:prstDash val="solid"/>
+                      <a:round/>
+                      <a:headEnd type="none" w="med" len="med"/>
+                      <a:tailEnd type="none" w="med" len="med"/>
+                    </a:lnB>
+                    <a:noFill/>
+                  </a:tcPr>
+                </a:tc>
+                <a:extLst>
+                  <a:ext uri="{0D108BD9-81ED-4DB2-BD59-A6C34878D82A}">
+                    <a16:rowId xmlns:a16="http://schemas.microsoft.com/office/drawing/2014/main" val="10002"/>
+                  </a:ext>
+                </a:extLst>
+              </a:tr>
+              <a:tr h="379800">
+                <a:tc>
+                  <a:txBody>
+                    <a:bodyPr/>
+                    <a:lstStyle/>
+                    <a:p>
+                      <a:pPr>
+                        <a:lnSpc>
+                          <a:spcPct val="100000"/>
+                        </a:lnSpc>
+                      </a:pPr>
+                      <a:r>
+                        <a:rPr lang="es-ES" sz="1200" b="0" strike="noStrike" spc="-1">
+                          <a:solidFill>
+                            <a:srgbClr val="0D0D0D"/>
+                          </a:solidFill>
+                          <a:latin typeface="Calibri"/>
+                        </a:rPr>
+                        <a:t>No hay Conexión con el Servidor</a:t>
+                      </a:r>
+                      <a:endParaRPr lang="es-CO" sz="1200" b="0" strike="noStrike" spc="-1">
+                        <a:latin typeface="Arial"/>
+                      </a:endParaRPr>
+                    </a:p>
+                  </a:txBody>
+                  <a:tcPr marL="9360" marR="9360">
+                    <a:lnL w="6480">
+                      <a:solidFill>
+                        <a:srgbClr val="000000"/>
+                      </a:solidFill>
+                    </a:lnL>
+                    <a:lnR w="6480" cap="flat" cmpd="sng" algn="ctr">
+                      <a:solidFill>
+                        <a:srgbClr val="000000"/>
+                      </a:solidFill>
+                      <a:prstDash val="solid"/>
+                      <a:round/>
+                      <a:headEnd type="none" w="med" len="med"/>
+                      <a:tailEnd type="none" w="med" len="med"/>
+                    </a:lnR>
+                    <a:lnT w="6480" cap="flat" cmpd="sng" algn="ctr">
+                      <a:solidFill>
+                        <a:srgbClr val="000000"/>
+                      </a:solidFill>
+                      <a:prstDash val="solid"/>
+                      <a:round/>
+                      <a:headEnd type="none" w="med" len="med"/>
+                      <a:tailEnd type="none" w="med" len="med"/>
+                    </a:lnT>
+                    <a:lnB w="6480">
+                      <a:solidFill>
+                        <a:srgbClr val="000000"/>
+                      </a:solidFill>
+                    </a:lnB>
+                    <a:noFill/>
+                  </a:tcPr>
+                </a:tc>
+                <a:tc>
+                  <a:txBody>
+                    <a:bodyPr/>
+                    <a:lstStyle/>
+                    <a:p>
+                      <a:pPr>
+                        <a:lnSpc>
+                          <a:spcPct val="100000"/>
+                        </a:lnSpc>
+                      </a:pPr>
+                      <a:r>
+                        <a:rPr lang="es-CO" sz="1200" b="0" strike="noStrike" spc="-1" dirty="0">
+                          <a:solidFill>
+                            <a:srgbClr val="000000"/>
+                          </a:solidFill>
+                          <a:latin typeface="Calibri"/>
+                        </a:rPr>
+                        <a:t> Jose Luis Rodríguez</a:t>
+                      </a:r>
+                    </a:p>
+                    <a:p>
+                      <a:pPr>
+                        <a:lnSpc>
+                          <a:spcPct val="100000"/>
+                        </a:lnSpc>
+                      </a:pPr>
+                      <a:r>
+                        <a:rPr lang="es-CO" sz="1200" b="0" strike="noStrike" spc="-1" dirty="0">
+                          <a:solidFill>
+                            <a:srgbClr val="000000"/>
+                          </a:solidFill>
+                          <a:latin typeface="Calibri"/>
+                        </a:rPr>
+                        <a:t>Richard Gomez</a:t>
+                      </a:r>
+                    </a:p>
+                  </a:txBody>
+                  <a:tcPr marL="9360" marR="9360">
+                    <a:lnL w="6480">
+                      <a:solidFill>
+                        <a:srgbClr val="000000"/>
+                      </a:solidFill>
+                    </a:lnL>
+                    <a:lnR w="6480">
+                      <a:solidFill>
+                        <a:srgbClr val="000000"/>
+                      </a:solidFill>
+                    </a:lnR>
+                    <a:lnT w="6480" cap="flat" cmpd="sng" algn="ctr">
+                      <a:solidFill>
+                        <a:srgbClr val="000000"/>
+                      </a:solidFill>
+                      <a:prstDash val="solid"/>
+                      <a:round/>
+                      <a:headEnd type="none" w="med" len="med"/>
+                      <a:tailEnd type="none" w="med" len="med"/>
+                    </a:lnT>
+                    <a:lnB w="6480">
+                      <a:solidFill>
+                        <a:srgbClr val="000000"/>
+                      </a:solidFill>
                     </a:lnB>
                     <a:noFill/>
                   </a:tcPr>
@@ -9385,126 +9442,14 @@
                         <a:t> </a:t>
                       </a:r>
                       <a:r>
-                        <a:rPr lang="es-CO" sz="1200" b="0" strike="noStrike" spc="-1" dirty="0">
-                          <a:latin typeface="+mn-lt"/>
-                        </a:rPr>
-                        <a:t>proveedor_dsolano@ath.com.co</a:t>
-                      </a:r>
-                    </a:p>
-                    <a:p>
-                      <a:pPr>
-                        <a:lnSpc>
-                          <a:spcPct val="100000"/>
-                        </a:lnSpc>
-                      </a:pPr>
-                      <a:r>
-                        <a:rPr lang="es-CO" sz="1200" b="0" strike="noStrike" spc="-1" dirty="0">
-                          <a:latin typeface="+mn-lt"/>
-                        </a:rPr>
-                        <a:t>jgarnica@ath.com.co</a:t>
-                      </a:r>
-                      <a:endParaRPr lang="es-CO" sz="1200" b="0" strike="noStrike" spc="-1" dirty="0">
-                        <a:latin typeface="Arial"/>
-                      </a:endParaRPr>
-                    </a:p>
-                  </a:txBody>
-                  <a:tcPr marL="9360" marR="9360">
-                    <a:lnL w="6480">
-                      <a:solidFill>
-                        <a:srgbClr val="000000"/>
-                      </a:solidFill>
-                    </a:lnL>
-                    <a:lnR w="6480">
-                      <a:solidFill>
-                        <a:srgbClr val="000000"/>
-                      </a:solidFill>
-                    </a:lnR>
-                    <a:lnT w="6480">
-                      <a:solidFill>
-                        <a:srgbClr val="000000"/>
-                      </a:solidFill>
-                    </a:lnT>
-                    <a:lnB w="6480" cap="flat" cmpd="sng" algn="ctr">
-                      <a:solidFill>
-                        <a:srgbClr val="000000"/>
-                      </a:solidFill>
-                      <a:prstDash val="solid"/>
-                      <a:round/>
-                      <a:headEnd type="none" w="med" len="med"/>
-                      <a:tailEnd type="none" w="med" len="med"/>
-                    </a:lnB>
-                    <a:noFill/>
-                  </a:tcPr>
-                </a:tc>
-                <a:extLst>
-                  <a:ext uri="{0D108BD9-81ED-4DB2-BD59-A6C34878D82A}">
-                    <a16:rowId xmlns:a16="http://schemas.microsoft.com/office/drawing/2014/main" val="10002"/>
-                  </a:ext>
-                </a:extLst>
-              </a:tr>
-              <a:tr h="379800">
-                <a:tc>
-                  <a:txBody>
-                    <a:bodyPr/>
-                    <a:lstStyle/>
-                    <a:p>
-                      <a:pPr>
-                        <a:lnSpc>
-                          <a:spcPct val="100000"/>
-                        </a:lnSpc>
-                      </a:pPr>
-                      <a:r>
-                        <a:rPr lang="es-ES" sz="1200" b="0" strike="noStrike" spc="-1" dirty="0">
+                        <a:rPr lang="es-CO" sz="1200" b="0" strike="noStrike" spc="-1" dirty="0" err="1">
                           <a:solidFill>
-                            <a:srgbClr val="0D0D0D"/>
+                            <a:srgbClr val="000000"/>
                           </a:solidFill>
                           <a:latin typeface="Calibri"/>
                         </a:rPr>
-                        <a:t>Problema en el cifrado del Archivo</a:t>
+                        <a:t>Devops</a:t>
                       </a:r>
-                      <a:endParaRPr lang="es-CO" sz="1200" b="0" strike="noStrike" spc="-1" dirty="0">
-                        <a:latin typeface="Arial"/>
-                      </a:endParaRPr>
-                    </a:p>
-                  </a:txBody>
-                  <a:tcPr marL="9360" marR="9360">
-                    <a:lnL w="6480">
-                      <a:solidFill>
-                        <a:srgbClr val="000000"/>
-                      </a:solidFill>
-                    </a:lnL>
-                    <a:lnR w="6480" cap="flat" cmpd="sng" algn="ctr">
-                      <a:solidFill>
-                        <a:srgbClr val="000000"/>
-                      </a:solidFill>
-                      <a:prstDash val="solid"/>
-                      <a:round/>
-                      <a:headEnd type="none" w="med" len="med"/>
-                      <a:tailEnd type="none" w="med" len="med"/>
-                    </a:lnR>
-                    <a:lnT w="6480">
-                      <a:solidFill>
-                        <a:srgbClr val="000000"/>
-                      </a:solidFill>
-                    </a:lnT>
-                    <a:lnB w="6480">
-                      <a:solidFill>
-                        <a:srgbClr val="000000"/>
-                      </a:solidFill>
-                    </a:lnB>
-                    <a:noFill/>
-                  </a:tcPr>
-                </a:tc>
-                <a:tc>
-                  <a:txBody>
-                    <a:bodyPr/>
-                    <a:lstStyle/>
-                    <a:p>
-                      <a:pPr>
-                        <a:lnSpc>
-                          <a:spcPct val="100000"/>
-                        </a:lnSpc>
-                      </a:pPr>
                       <a:r>
                         <a:rPr lang="es-CO" sz="1200" b="0" strike="noStrike" spc="-1" dirty="0">
                           <a:solidFill>
@@ -9512,7 +9457,7 @@
                           </a:solidFill>
                           <a:latin typeface="Calibri"/>
                         </a:rPr>
-                        <a:t> Daniel Solano</a:t>
+                        <a:t> AWS – dale</a:t>
                       </a:r>
                     </a:p>
                     <a:p>
@@ -9528,79 +9473,8 @@
                           </a:solidFill>
                           <a:latin typeface="Calibri"/>
                         </a:rPr>
-                        <a:t>Jairo Garnica</a:t>
+                        <a:t>Arquitecto dale</a:t>
                       </a:r>
-                      <a:endParaRPr lang="es-CO" sz="1200" b="0" strike="noStrike" spc="-1" dirty="0">
-                        <a:latin typeface="Arial"/>
-                      </a:endParaRPr>
-                    </a:p>
-                  </a:txBody>
-                  <a:tcPr marL="9360" marR="9360">
-                    <a:lnL w="6480">
-                      <a:solidFill>
-                        <a:srgbClr val="000000"/>
-                      </a:solidFill>
-                    </a:lnL>
-                    <a:lnR w="6480">
-                      <a:solidFill>
-                        <a:srgbClr val="000000"/>
-                      </a:solidFill>
-                    </a:lnR>
-                    <a:lnT w="6480" cap="flat" cmpd="sng" algn="ctr">
-                      <a:solidFill>
-                        <a:srgbClr val="000000"/>
-                      </a:solidFill>
-                      <a:prstDash val="solid"/>
-                      <a:round/>
-                      <a:headEnd type="none" w="med" len="med"/>
-                      <a:tailEnd type="none" w="med" len="med"/>
-                    </a:lnT>
-                    <a:lnB w="6480">
-                      <a:solidFill>
-                        <a:srgbClr val="000000"/>
-                      </a:solidFill>
-                    </a:lnB>
-                    <a:noFill/>
-                  </a:tcPr>
-                </a:tc>
-                <a:tc>
-                  <a:txBody>
-                    <a:bodyPr/>
-                    <a:lstStyle/>
-                    <a:p>
-                      <a:pPr>
-                        <a:lnSpc>
-                          <a:spcPct val="100000"/>
-                        </a:lnSpc>
-                      </a:pPr>
-                      <a:r>
-                        <a:rPr lang="es-CO" sz="1200" b="0" strike="noStrike" spc="-1" dirty="0">
-                          <a:solidFill>
-                            <a:srgbClr val="000000"/>
-                          </a:solidFill>
-                          <a:latin typeface="Calibri"/>
-                        </a:rPr>
-                        <a:t> Líder Core TIN</a:t>
-                      </a:r>
-                    </a:p>
-                    <a:p>
-                      <a:pPr>
-                        <a:lnSpc>
-                          <a:spcPct val="100000"/>
-                        </a:lnSpc>
-                      </a:pPr>
-                      <a:r>
-                        <a:rPr lang="es-CO" sz="1200" b="0" strike="noStrike" spc="-1" dirty="0">
-                          <a:solidFill>
-                            <a:srgbClr val="000000"/>
-                          </a:solidFill>
-                          <a:latin typeface="Calibri"/>
-                        </a:rPr>
-                        <a:t>Líder Desarrollo ATH</a:t>
-                      </a:r>
-                      <a:endParaRPr lang="es-CO" sz="1200" b="0" strike="noStrike" spc="-1" dirty="0">
-                        <a:latin typeface="Arial"/>
-                      </a:endParaRPr>
                     </a:p>
                   </a:txBody>
                   <a:tcPr marL="9360" marR="9360">
@@ -9700,7 +9574,7 @@
                           </a:solidFill>
                           <a:latin typeface="Calibri"/>
                         </a:rPr>
-                        <a:t> 3508523718</a:t>
+                        <a:t> 3162532863</a:t>
                       </a:r>
                     </a:p>
                     <a:p>
@@ -9716,7 +9590,7 @@
                           </a:solidFill>
                           <a:latin typeface="Calibri"/>
                         </a:rPr>
-                        <a:t>3168765660</a:t>
+                        <a:t> 3007783871</a:t>
                       </a:r>
                       <a:endParaRPr lang="es-CO" sz="1200" b="0" strike="noStrike" spc="-1" dirty="0">
                         <a:latin typeface="Arial"/>
@@ -9768,13 +9642,7 @@
                           </a:solidFill>
                           <a:latin typeface="Calibri"/>
                         </a:rPr>
-                        <a:t> </a:t>
-                      </a:r>
-                      <a:r>
-                        <a:rPr lang="es-CO" sz="1200" b="0" strike="noStrike" spc="-1" dirty="0">
-                          <a:latin typeface="+mn-lt"/>
-                        </a:rPr>
-                        <a:t>proveedor_dsolano@ath.com.co</a:t>
+                        <a:t> jose.rodriguez@dale.com.co</a:t>
                       </a:r>
                     </a:p>
                     <a:p>
@@ -9785,13 +9653,13 @@
                       </a:pPr>
                       <a:r>
                         <a:rPr lang="es-CO" sz="1200" b="0" strike="noStrike" spc="-1" dirty="0">
-                          <a:latin typeface="+mn-lt"/>
+                          <a:solidFill>
+                            <a:srgbClr val="000000"/>
+                          </a:solidFill>
+                          <a:latin typeface="Calibri"/>
                         </a:rPr>
-                        <a:t>jgarnica@ath.com.co</a:t>
+                        <a:t>Richard.gomez@dale.com.co</a:t>
                       </a:r>
-                      <a:endParaRPr lang="es-CO" sz="1200" b="0" strike="noStrike" spc="-1" dirty="0">
-                        <a:latin typeface="Arial"/>
-                      </a:endParaRPr>
                     </a:p>
                   </a:txBody>
                   <a:tcPr marL="9360" marR="9360">
@@ -9840,7 +9708,7 @@
                         </a:lnSpc>
                       </a:pPr>
                       <a:r>
-                        <a:rPr lang="es-CO" sz="1200" b="1" strike="noStrike" spc="-1" dirty="0">
+                        <a:rPr lang="es-CO" sz="1200" b="1" strike="noStrike" spc="-1">
                           <a:solidFill>
                             <a:srgbClr val="FF0000"/>
                           </a:solidFill>
@@ -9848,7 +9716,7 @@
                         </a:rPr>
                         <a:t>Otras por definir</a:t>
                       </a:r>
-                      <a:endParaRPr lang="es-CO" sz="1200" b="0" strike="noStrike" spc="-1" dirty="0">
+                      <a:endParaRPr lang="es-CO" sz="1200" b="0" strike="noStrike" spc="-1">
                         <a:latin typeface="Arial"/>
                       </a:endParaRPr>
                     </a:p>
@@ -9864,10 +9732,14 @@
                         <a:srgbClr val="000000"/>
                       </a:solidFill>
                     </a:lnR>
-                    <a:lnT w="6480">
-                      <a:solidFill>
-                        <a:srgbClr val="000000"/>
-                      </a:solidFill>
+                    <a:lnT w="6480" cap="flat" cmpd="sng" algn="ctr">
+                      <a:solidFill>
+                        <a:srgbClr val="000000"/>
+                      </a:solidFill>
+                      <a:prstDash val="solid"/>
+                      <a:round/>
+                      <a:headEnd type="none" w="med" len="med"/>
+                      <a:tailEnd type="none" w="med" len="med"/>
                     </a:lnT>
                     <a:lnB w="6480">
                       <a:solidFill>
@@ -9940,7 +9812,7 @@
                         </a:lnSpc>
                       </a:pPr>
                       <a:r>
-                        <a:rPr lang="es-CO" sz="1200" b="0" strike="noStrike" spc="-1" dirty="0">
+                        <a:rPr lang="es-CO" sz="1200" b="0" strike="noStrike" spc="-1">
                           <a:solidFill>
                             <a:srgbClr val="000000"/>
                           </a:solidFill>
@@ -9948,7 +9820,111 @@
                         </a:rPr>
                         <a:t> </a:t>
                       </a:r>
-                      <a:endParaRPr lang="es-CO" sz="1200" b="0" strike="noStrike" spc="-1" dirty="0">
+                      <a:endParaRPr lang="es-CO" sz="1200" b="0" strike="noStrike" spc="-1">
+                        <a:latin typeface="Arial"/>
+                      </a:endParaRPr>
+                    </a:p>
+                  </a:txBody>
+                  <a:tcPr marL="9360" marR="9360">
+                    <a:lnL w="6480">
+                      <a:solidFill>
+                        <a:srgbClr val="000000"/>
+                      </a:solidFill>
+                    </a:lnL>
+                    <a:lnR w="6480">
+                      <a:solidFill>
+                        <a:srgbClr val="000000"/>
+                      </a:solidFill>
+                    </a:lnR>
+                    <a:lnT w="6480" cap="flat" cmpd="sng" algn="ctr">
+                      <a:solidFill>
+                        <a:srgbClr val="000000"/>
+                      </a:solidFill>
+                      <a:prstDash val="solid"/>
+                      <a:round/>
+                      <a:headEnd type="none" w="med" len="med"/>
+                      <a:tailEnd type="none" w="med" len="med"/>
+                    </a:lnT>
+                    <a:lnB w="6480">
+                      <a:solidFill>
+                        <a:srgbClr val="000000"/>
+                      </a:solidFill>
+                    </a:lnB>
+                    <a:noFill/>
+                  </a:tcPr>
+                </a:tc>
+                <a:tc>
+                  <a:txBody>
+                    <a:bodyPr/>
+                    <a:lstStyle/>
+                    <a:p>
+                      <a:pPr>
+                        <a:lnSpc>
+                          <a:spcPct val="100000"/>
+                        </a:lnSpc>
+                      </a:pPr>
+                      <a:r>
+                        <a:rPr lang="es-CO" sz="1200" b="0" strike="noStrike" spc="-1">
+                          <a:solidFill>
+                            <a:srgbClr val="000000"/>
+                          </a:solidFill>
+                          <a:latin typeface="Calibri"/>
+                        </a:rPr>
+                        <a:t> </a:t>
+                      </a:r>
+                      <a:endParaRPr lang="es-CO" sz="1200" b="0" strike="noStrike" spc="-1">
+                        <a:latin typeface="Arial"/>
+                      </a:endParaRPr>
+                    </a:p>
+                  </a:txBody>
+                  <a:tcPr marL="9360" marR="9360">
+                    <a:lnL w="6480">
+                      <a:solidFill>
+                        <a:srgbClr val="000000"/>
+                      </a:solidFill>
+                    </a:lnL>
+                    <a:lnR w="6480">
+                      <a:solidFill>
+                        <a:srgbClr val="000000"/>
+                      </a:solidFill>
+                    </a:lnR>
+                    <a:lnT w="6480" cap="flat" cmpd="sng" algn="ctr">
+                      <a:solidFill>
+                        <a:srgbClr val="000000"/>
+                      </a:solidFill>
+                      <a:prstDash val="solid"/>
+                      <a:round/>
+                      <a:headEnd type="none" w="med" len="med"/>
+                      <a:tailEnd type="none" w="med" len="med"/>
+                    </a:lnT>
+                    <a:lnB w="6480">
+                      <a:solidFill>
+                        <a:srgbClr val="000000"/>
+                      </a:solidFill>
+                    </a:lnB>
+                    <a:noFill/>
+                  </a:tcPr>
+                </a:tc>
+                <a:tc>
+                  <a:txBody>
+                    <a:bodyPr/>
+                    <a:lstStyle/>
+                    <a:p>
+                      <a:pPr>
+                        <a:lnSpc>
+                          <a:spcPct val="100000"/>
+                        </a:lnSpc>
+                      </a:pPr>
+                      <a:r>
+                        <a:rPr lang="es-CO" sz="1200" b="0" strike="noStrike" spc="-1">
+                          <a:solidFill>
+                            <a:srgbClr val="000000"/>
+                          </a:solidFill>
+                          <a:latin typeface="Calibri"/>
+                        </a:rPr>
+                        <a:t> </a:t>
+                      </a:r>
+                      <a:endParaRPr lang="es-CO" sz="1200" b="0" strike="noStrike" spc="-1">
                         <a:latin typeface="Arial"/>
                       </a:endParaRPr>
                     </a:p>
@@ -10033,110 +10009,6 @@
                     <a:noFill/>
                   </a:tcPr>
                 </a:tc>
-                <a:tc>
-                  <a:txBody>
-                    <a:bodyPr/>
-                    <a:lstStyle/>
-                    <a:p>
-                      <a:pPr>
-                        <a:lnSpc>
-                          <a:spcPct val="100000"/>
-                        </a:lnSpc>
-                      </a:pPr>
-                      <a:r>
-                        <a:rPr lang="es-CO" sz="1200" b="0" strike="noStrike" spc="-1" dirty="0">
-                          <a:solidFill>
-                            <a:srgbClr val="000000"/>
-                          </a:solidFill>
-                          <a:latin typeface="Calibri"/>
-                        </a:rPr>
-                        <a:t> </a:t>
-                      </a:r>
-                      <a:endParaRPr lang="es-CO" sz="1200" b="0" strike="noStrike" spc="-1" dirty="0">
-                        <a:latin typeface="Arial"/>
-                      </a:endParaRPr>
-                    </a:p>
-                  </a:txBody>
-                  <a:tcPr marL="9360" marR="9360">
-                    <a:lnL w="6480">
-                      <a:solidFill>
-                        <a:srgbClr val="000000"/>
-                      </a:solidFill>
-                    </a:lnL>
-                    <a:lnR w="6480">
-                      <a:solidFill>
-                        <a:srgbClr val="000000"/>
-                      </a:solidFill>
-                    </a:lnR>
-                    <a:lnT w="6480" cap="flat" cmpd="sng" algn="ctr">
-                      <a:solidFill>
-                        <a:srgbClr val="000000"/>
-                      </a:solidFill>
-                      <a:prstDash val="solid"/>
-                      <a:round/>
-                      <a:headEnd type="none" w="med" len="med"/>
-                      <a:tailEnd type="none" w="med" len="med"/>
-                    </a:lnT>
-                    <a:lnB w="6480">
-                      <a:solidFill>
-                        <a:srgbClr val="000000"/>
-                      </a:solidFill>
-                    </a:lnB>
-                    <a:noFill/>
-                  </a:tcPr>
-                </a:tc>
-                <a:tc>
-                  <a:txBody>
-                    <a:bodyPr/>
-                    <a:lstStyle/>
-                    <a:p>
-                      <a:pPr>
-                        <a:lnSpc>
-                          <a:spcPct val="100000"/>
-                        </a:lnSpc>
-                      </a:pPr>
-                      <a:r>
-                        <a:rPr lang="es-CO" sz="1200" b="0" strike="noStrike" spc="-1" dirty="0">
-                          <a:solidFill>
-                            <a:srgbClr val="000000"/>
-                          </a:solidFill>
-                          <a:latin typeface="Calibri"/>
-                        </a:rPr>
-                        <a:t> </a:t>
-                      </a:r>
-                      <a:endParaRPr lang="es-CO" sz="1200" b="0" strike="noStrike" spc="-1" dirty="0">
-                        <a:latin typeface="Arial"/>
-                      </a:endParaRPr>
-                    </a:p>
-                  </a:txBody>
-                  <a:tcPr marL="9360" marR="9360">
-                    <a:lnL w="6480">
-                      <a:solidFill>
-                        <a:srgbClr val="000000"/>
-                      </a:solidFill>
-                    </a:lnL>
-                    <a:lnR w="6480">
-                      <a:solidFill>
-                        <a:srgbClr val="000000"/>
-                      </a:solidFill>
-                    </a:lnR>
-                    <a:lnT w="6480" cap="flat" cmpd="sng" algn="ctr">
-                      <a:solidFill>
-                        <a:srgbClr val="000000"/>
-                      </a:solidFill>
-                      <a:prstDash val="solid"/>
-                      <a:round/>
-                      <a:headEnd type="none" w="med" len="med"/>
-                      <a:tailEnd type="none" w="med" len="med"/>
-                    </a:lnT>
-                    <a:lnB w="6480">
-                      <a:solidFill>
-                        <a:srgbClr val="000000"/>
-                      </a:solidFill>
-                    </a:lnB>
-                    <a:noFill/>
-                  </a:tcPr>
-                </a:tc>
                 <a:extLst>
                   <a:ext uri="{0D108BD9-81ED-4DB2-BD59-A6C34878D82A}">
                     <a16:rowId xmlns:a16="http://schemas.microsoft.com/office/drawing/2014/main" val="10004"/>
@@ -10147,23 +10019,181 @@
           </a:graphicData>
         </a:graphic>
       </p:graphicFrame>
+      <p:sp>
+        <p:nvSpPr>
+          <p:cNvPr id="216" name="CustomShape 3"/>
+          <p:cNvSpPr/>
+          <p:nvPr/>
+        </p:nvSpPr>
+        <p:spPr>
+          <a:xfrm>
+            <a:off x="485280" y="343800"/>
+            <a:ext cx="9906120" cy="455400"/>
+          </a:xfrm>
+          <a:prstGeom prst="rect">
+            <a:avLst/>
+          </a:prstGeom>
+          <a:noFill/>
+          <a:ln>
+            <a:noFill/>
+          </a:ln>
+        </p:spPr>
+        <p:style>
+          <a:lnRef idx="0">
+            <a:scrgbClr r="0" g="0" b="0"/>
+          </a:lnRef>
+          <a:fillRef idx="0">
+            <a:scrgbClr r="0" g="0" b="0"/>
+          </a:fillRef>
+          <a:effectRef idx="0">
+            <a:scrgbClr r="0" g="0" b="0"/>
+          </a:effectRef>
+          <a:fontRef idx="minor"/>
+        </p:style>
+        <p:txBody>
+          <a:bodyPr wrap="none" lIns="90000" tIns="45000" rIns="90000" bIns="45000">
+            <a:spAutoFit/>
+          </a:bodyPr>
+          <a:lstStyle/>
+          <a:p>
+            <a:pPr marL="0" marR="0" lvl="0" indent="0" algn="l" defTabSz="914400" rtl="0" eaLnBrk="1" fontAlgn="auto" latinLnBrk="0" hangingPunct="1">
+              <a:lnSpc>
+                <a:spcPct val="100000"/>
+              </a:lnSpc>
+              <a:spcBef>
+                <a:spcPts val="0"/>
+              </a:spcBef>
+              <a:spcAft>
+                <a:spcPts val="0"/>
+              </a:spcAft>
+              <a:buClrTx/>
+              <a:buSzTx/>
+              <a:buFontTx/>
+              <a:buNone/>
+              <a:tabLst/>
+              <a:defRPr/>
+            </a:pPr>
+            <a:r>
+              <a:rPr kumimoji="0" lang="es-ES" sz="2400" b="1" i="0" u="none" strike="noStrike" kern="1200" cap="none" spc="-1" normalizeH="0" baseline="0" noProof="0">
+                <a:ln>
+                  <a:noFill/>
+                </a:ln>
+                <a:solidFill>
+                  <a:srgbClr val="3E3E3E"/>
+                </a:solidFill>
+                <a:effectLst/>
+                <a:uLnTx/>
+                <a:uFillTx/>
+                <a:latin typeface="Verdana"/>
+                <a:ea typeface="Verdana"/>
+              </a:rPr>
+              <a:t>CREACION DE MONITORES Y MATRIZ DE ESCALAMIENTO</a:t>
+            </a:r>
+            <a:endParaRPr kumimoji="0" lang="es-CO" sz="2400" b="0" i="0" u="none" strike="noStrike" kern="1200" cap="none" spc="-1" normalizeH="0" baseline="0" noProof="0">
+              <a:ln>
+                <a:noFill/>
+              </a:ln>
+              <a:solidFill>
+                <a:prstClr val="black"/>
+              </a:solidFill>
+              <a:effectLst/>
+              <a:uLnTx/>
+              <a:uFillTx/>
+              <a:latin typeface="Arial"/>
+            </a:endParaRPr>
+          </a:p>
+        </p:txBody>
+      </p:sp>
+      <p:sp>
+        <p:nvSpPr>
+          <p:cNvPr id="217" name="CustomShape 4"/>
+          <p:cNvSpPr/>
+          <p:nvPr/>
+        </p:nvSpPr>
+        <p:spPr>
+          <a:xfrm>
+            <a:off x="290160" y="4037760"/>
+            <a:ext cx="2219040" cy="302760"/>
+          </a:xfrm>
+          <a:prstGeom prst="rect">
+            <a:avLst/>
+          </a:prstGeom>
+          <a:noFill/>
+          <a:ln>
+            <a:noFill/>
+          </a:ln>
+        </p:spPr>
+        <p:style>
+          <a:lnRef idx="0">
+            <a:scrgbClr r="0" g="0" b="0"/>
+          </a:lnRef>
+          <a:fillRef idx="0">
+            <a:scrgbClr r="0" g="0" b="0"/>
+          </a:fillRef>
+          <a:effectRef idx="0">
+            <a:scrgbClr r="0" g="0" b="0"/>
+          </a:effectRef>
+          <a:fontRef idx="minor"/>
+        </p:style>
+        <p:txBody>
+          <a:bodyPr wrap="none" lIns="90000" tIns="45000" rIns="90000" bIns="45000">
+            <a:spAutoFit/>
+          </a:bodyPr>
+          <a:lstStyle/>
+          <a:p>
+            <a:pPr marL="0" marR="0" lvl="0" indent="0" algn="l" defTabSz="914400" rtl="0" eaLnBrk="1" fontAlgn="auto" latinLnBrk="0" hangingPunct="1">
+              <a:lnSpc>
+                <a:spcPct val="100000"/>
+              </a:lnSpc>
+              <a:spcBef>
+                <a:spcPts val="0"/>
+              </a:spcBef>
+              <a:spcAft>
+                <a:spcPts val="0"/>
+              </a:spcAft>
+              <a:buClrTx/>
+              <a:buSzTx/>
+              <a:buFontTx/>
+              <a:buNone/>
+              <a:tabLst/>
+              <a:defRPr/>
+            </a:pPr>
+            <a:r>
+              <a:rPr kumimoji="0" lang="es-ES" sz="1400" b="1" i="0" u="none" strike="noStrike" kern="1200" cap="none" spc="-1" normalizeH="0" baseline="0" noProof="0">
+                <a:ln>
+                  <a:noFill/>
+                </a:ln>
+                <a:solidFill>
+                  <a:srgbClr val="3E3E3E"/>
+                </a:solidFill>
+                <a:effectLst/>
+                <a:uLnTx/>
+                <a:uFillTx/>
+                <a:latin typeface="Verdana"/>
+                <a:ea typeface="Verdana"/>
+              </a:rPr>
+              <a:t>SERVIDOR DESTINO</a:t>
+            </a:r>
+            <a:endParaRPr kumimoji="0" lang="es-CO" sz="1400" b="0" i="0" u="none" strike="noStrike" kern="1200" cap="none" spc="-1" normalizeH="0" baseline="0" noProof="0">
+              <a:ln>
+                <a:noFill/>
+              </a:ln>
+              <a:solidFill>
+                <a:prstClr val="black"/>
+              </a:solidFill>
+              <a:effectLst/>
+              <a:uLnTx/>
+              <a:uFillTx/>
+              <a:latin typeface="Arial"/>
+            </a:endParaRPr>
+          </a:p>
+        </p:txBody>
+      </p:sp>
       <p:graphicFrame>
         <p:nvGraphicFramePr>
-          <p:cNvPr id="9" name="Table 5">
-            <a:extLst>
-              <a:ext uri="{FF2B5EF4-FFF2-40B4-BE49-F238E27FC236}">
-                <a16:creationId xmlns:a16="http://schemas.microsoft.com/office/drawing/2014/main" id="{1050AD15-1949-4112-9148-ECE8D9865BAC}"/>
-              </a:ext>
-            </a:extLst>
-          </p:cNvPr>
+          <p:cNvPr id="218" name="Table 5"/>
           <p:cNvGraphicFramePr/>
-          <p:nvPr>
-            <p:extLst>
-              <p:ext uri="{D42A27DB-BD31-4B8C-83A1-F6EECF244321}">
-                <p14:modId xmlns:p14="http://schemas.microsoft.com/office/powerpoint/2010/main" val="1300987690"/>
-              </p:ext>
-            </p:extLst>
-          </p:nvPr>
+          <p:nvPr/>
         </p:nvGraphicFramePr>
         <p:xfrm>
           <a:off x="279719" y="4345560"/>
@@ -11706,6 +11736,91 @@
           </a:graphicData>
         </a:graphic>
       </p:graphicFrame>
+      <p:sp>
+        <p:nvSpPr>
+          <p:cNvPr id="219" name="CustomShape 6"/>
+          <p:cNvSpPr/>
+          <p:nvPr/>
+        </p:nvSpPr>
+        <p:spPr>
+          <a:xfrm>
+            <a:off x="432720" y="826200"/>
+            <a:ext cx="7553520" cy="867600"/>
+          </a:xfrm>
+          <a:prstGeom prst="rect">
+            <a:avLst/>
+          </a:prstGeom>
+          <a:noFill/>
+          <a:ln>
+            <a:noFill/>
+          </a:ln>
+        </p:spPr>
+        <p:style>
+          <a:lnRef idx="0">
+            <a:scrgbClr r="0" g="0" b="0"/>
+          </a:lnRef>
+          <a:fillRef idx="0">
+            <a:scrgbClr r="0" g="0" b="0"/>
+          </a:fillRef>
+          <a:effectRef idx="0">
+            <a:scrgbClr r="0" g="0" b="0"/>
+          </a:effectRef>
+          <a:fontRef idx="minor"/>
+        </p:style>
+        <p:txBody>
+          <a:bodyPr lIns="90000" tIns="45000" rIns="90000" bIns="45000">
+            <a:noAutofit/>
+          </a:bodyPr>
+          <a:lstStyle/>
+          <a:p>
+            <a:pPr marL="0" marR="0" lvl="0" indent="0" algn="just" defTabSz="914400" rtl="0" eaLnBrk="1" fontAlgn="auto" latinLnBrk="0" hangingPunct="1">
+              <a:lnSpc>
+                <a:spcPct val="90000"/>
+              </a:lnSpc>
+              <a:spcBef>
+                <a:spcPts val="1001"/>
+              </a:spcBef>
+              <a:spcAft>
+                <a:spcPts val="0"/>
+              </a:spcAft>
+              <a:buClrTx/>
+              <a:buSzTx/>
+              <a:buFontTx/>
+              <a:buNone/>
+              <a:tabLst/>
+              <a:defRPr/>
+            </a:pPr>
+            <a:r>
+              <a:rPr kumimoji="0" lang="es-CO" sz="1800" b="0" i="0" u="none" strike="noStrike" kern="1200" cap="none" spc="-1" normalizeH="0" baseline="0" noProof="0">
+                <a:ln>
+                  <a:noFill/>
+                </a:ln>
+                <a:solidFill>
+                  <a:srgbClr val="A6A6A6"/>
+                </a:solidFill>
+                <a:effectLst/>
+                <a:uLnTx/>
+                <a:uFillTx/>
+                <a:latin typeface="Verdana"/>
+                <a:ea typeface="DejaVu Sans"/>
+              </a:rPr>
+              <a:t>EJEMPLOS……………. Incluir los necesarios</a:t>
+            </a:r>
+            <a:endParaRPr kumimoji="0" lang="es-CO" sz="1800" b="0" i="0" u="none" strike="noStrike" kern="1200" cap="none" spc="-1" normalizeH="0" baseline="0" noProof="0">
+              <a:ln>
+                <a:noFill/>
+              </a:ln>
+              <a:solidFill>
+                <a:prstClr val="black"/>
+              </a:solidFill>
+              <a:effectLst/>
+              <a:uLnTx/>
+              <a:uFillTx/>
+              <a:latin typeface="Arial"/>
+            </a:endParaRPr>
+          </a:p>
+        </p:txBody>
+      </p:sp>
     </p:spTree>
   </p:cSld>
   <p:clrMapOvr>
@@ -11856,7 +11971,7 @@
         <p:spPr>
           <a:xfrm>
             <a:off x="1708920" y="2368440"/>
-            <a:ext cx="8438760" cy="5907856"/>
+            <a:ext cx="8438760" cy="6184855"/>
           </a:xfrm>
           <a:prstGeom prst="rect">
             <a:avLst/>
@@ -11892,64 +12007,19 @@
               </a:lnSpc>
             </a:pPr>
             <a:r>
-              <a:rPr lang="es-ES" sz="1800" b="0" strike="noStrike" spc="-1" dirty="0">
+              <a:rPr lang="es-ES" u="sng" spc="-1" dirty="0">
                 <a:solidFill>
-                  <a:srgbClr val="808080"/>
+                  <a:srgbClr val="5F5F5F"/>
                 </a:solidFill>
-                <a:latin typeface="Verdana"/>
-                <a:ea typeface="DejaVu Sans"/>
+                <a:latin typeface="Calibri"/>
               </a:rPr>
-              <a:t>-Ejecutar el flujo manual.</a:t>
+              <a:t>1.Ejecutar los flujo manuales.</a:t>
             </a:r>
-          </a:p>
-          <a:p>
-            <a:pPr>
-              <a:lnSpc>
-                <a:spcPct val="100000"/>
-              </a:lnSpc>
-            </a:pPr>
-            <a:endParaRPr lang="es-ES" spc="-1" dirty="0">
+            <a:endParaRPr lang="es-CO" u="sng" spc="-1" dirty="0">
               <a:solidFill>
-                <a:srgbClr val="808080"/>
+                <a:srgbClr val="5F5F5F"/>
               </a:solidFill>
-              <a:latin typeface="Verdana"/>
-            </a:endParaRPr>
-          </a:p>
-          <a:p>
-            <a:pPr>
-              <a:lnSpc>
-                <a:spcPct val="100000"/>
-              </a:lnSpc>
-            </a:pPr>
-            <a:r>
-              <a:rPr lang="es-ES" sz="1800" b="0" strike="noStrike" spc="-1" dirty="0">
-                <a:solidFill>
-                  <a:srgbClr val="808080"/>
-                </a:solidFill>
-                <a:latin typeface="Verdana"/>
-              </a:rPr>
-              <a:t>-Se debe remitir a través de correo cifrado la información al Banco,</a:t>
-            </a:r>
-            <a:r>
-              <a:rPr lang="es-ES" spc="-1" dirty="0">
-                <a:solidFill>
-                  <a:srgbClr val="808080"/>
-                </a:solidFill>
-                <a:latin typeface="Verdana"/>
-              </a:rPr>
-              <a:t> al contacto definido</a:t>
-            </a:r>
-            <a:r>
-              <a:rPr lang="es-ES" sz="1800" b="0" strike="noStrike" spc="-1" dirty="0">
-                <a:solidFill>
-                  <a:srgbClr val="808080"/>
-                </a:solidFill>
-                <a:latin typeface="Verdana"/>
-              </a:rPr>
-              <a:t>.</a:t>
-            </a:r>
-            <a:endParaRPr lang="es-CO" sz="1800" b="0" strike="noStrike" spc="-1" dirty="0">
-              <a:latin typeface="Arial"/>
+              <a:latin typeface="Calibri"/>
             </a:endParaRPr>
           </a:p>
           <a:p>
@@ -11961,23 +12031,6 @@
             <a:endParaRPr lang="es-CO" sz="1800" b="0" strike="noStrike" spc="-1" dirty="0">
               <a:latin typeface="Arial"/>
             </a:endParaRPr>
-          </a:p>
-          <a:p>
-            <a:pPr>
-              <a:lnSpc>
-                <a:spcPct val="100000"/>
-              </a:lnSpc>
-            </a:pPr>
-            <a:r>
-              <a:rPr lang="es-ES" sz="1800" b="0" strike="noStrike" spc="-1" dirty="0">
-                <a:solidFill>
-                  <a:srgbClr val="808080"/>
-                </a:solidFill>
-                <a:latin typeface="Verdana"/>
-                <a:ea typeface="DejaVu Sans"/>
-              </a:rPr>
-              <a:t>RQ35314_Archivos_DaleCashBack_S3_Banco_manual</a:t>
-            </a:r>
           </a:p>
           <a:p>
             <a:pPr>
@@ -12097,6 +12150,48 @@
               </a:rPr>
               <a:t>RQ35314_Archivos_ResDiferencias_S3_Banco_manual</a:t>
             </a:r>
+          </a:p>
+          <a:p>
+            <a:pPr>
+              <a:lnSpc>
+                <a:spcPct val="100000"/>
+              </a:lnSpc>
+            </a:pPr>
+            <a:endParaRPr lang="es-ES" spc="-1" dirty="0">
+              <a:solidFill>
+                <a:srgbClr val="808080"/>
+              </a:solidFill>
+              <a:latin typeface="Verdana"/>
+              <a:ea typeface="DejaVu Sans"/>
+            </a:endParaRPr>
+          </a:p>
+          <a:p>
+            <a:r>
+              <a:rPr lang="es-ES" u="sng" spc="-1" dirty="0">
+                <a:solidFill>
+                  <a:srgbClr val="5F5F5F"/>
+                </a:solidFill>
+                <a:latin typeface="Calibri"/>
+              </a:rPr>
+              <a:t>2. En caso que falle la transmisión la entidad Banco de Bogotá accede como contingencia por un usuario creado para dicho proceso en la plataforma de AWS y descarga el archivo de allí de forma manual. </a:t>
+            </a:r>
+            <a:endParaRPr lang="es-CO" sz="1800" b="0" strike="noStrike" spc="-1" dirty="0">
+              <a:latin typeface="Arial"/>
+            </a:endParaRPr>
+          </a:p>
+          <a:p>
+            <a:pPr>
+              <a:lnSpc>
+                <a:spcPct val="100000"/>
+              </a:lnSpc>
+            </a:pPr>
+            <a:endParaRPr lang="es-ES" sz="1800" b="0" strike="noStrike" spc="-1" dirty="0">
+              <a:solidFill>
+                <a:srgbClr val="808080"/>
+              </a:solidFill>
+              <a:latin typeface="Verdana"/>
+              <a:ea typeface="DejaVu Sans"/>
+            </a:endParaRPr>
           </a:p>
           <a:p>
             <a:pPr>
@@ -13765,7 +13860,7 @@
         <p:spPr>
           <a:xfrm>
             <a:off x="1958040" y="1957320"/>
-            <a:ext cx="8323920" cy="1568206"/>
+            <a:ext cx="8323920" cy="2306870"/>
           </a:xfrm>
           <a:prstGeom prst="rect">
             <a:avLst/>
@@ -13793,33 +13888,20 @@
           </a:bodyPr>
           <a:lstStyle/>
           <a:p>
-            <a:pPr algn="just"/>
+            <a:pPr algn="just">
+              <a:lnSpc>
+                <a:spcPct val="100000"/>
+              </a:lnSpc>
+            </a:pPr>
             <a:r>
-              <a:rPr lang="es-CO" sz="2400" spc="-1" dirty="0">
+              <a:rPr lang="es-CO" sz="2400" b="0" strike="noStrike" spc="-1" dirty="0">
                 <a:solidFill>
                   <a:srgbClr val="A6A6A6"/>
                 </a:solidFill>
                 <a:latin typeface="Verdana"/>
+                <a:ea typeface="DejaVu Sans"/>
               </a:rPr>
-              <a:t>Transmitir el archivo de conciliación para dale que genera la Transmisión de Archivos (AWS - GAW - BBOG) para las Transferencias Inmediatas a través de </a:t>
-            </a:r>
-            <a:r>
-              <a:rPr lang="es-CO" sz="2400" spc="-1" dirty="0" err="1">
-                <a:solidFill>
-                  <a:srgbClr val="A6A6A6"/>
-                </a:solidFill>
-                <a:latin typeface="Verdana"/>
-              </a:rPr>
-              <a:t>xCom</a:t>
-            </a:r>
-            <a:r>
-              <a:rPr lang="es-CO" sz="2400" spc="-1" dirty="0">
-                <a:solidFill>
-                  <a:srgbClr val="A6A6A6"/>
-                </a:solidFill>
-                <a:latin typeface="Verdana"/>
-              </a:rPr>
-              <a:t> hacia Banco de Bogotá</a:t>
+              <a:t>Transmitir los archivos que genera ASD propios de su operación, que son basado en el </a:t>
             </a:r>
             <a:r>
               <a:rPr lang="es-CO" sz="2400" spc="-1" dirty="0">
@@ -13829,7 +13911,27 @@
                 <a:latin typeface="Verdana"/>
                 <a:ea typeface="DejaVu Sans"/>
               </a:rPr>
-              <a:t>, como destino final. </a:t>
+              <a:t>flujo transaccional para la funcionalidad de </a:t>
+            </a:r>
+            <a:r>
+              <a:rPr lang="es-CO" sz="2400" spc="-1" dirty="0" err="1">
+                <a:solidFill>
+                  <a:srgbClr val="A6A6A6"/>
+                </a:solidFill>
+                <a:latin typeface="Verdana"/>
+                <a:ea typeface="DejaVu Sans"/>
+              </a:rPr>
+              <a:t>TransfiYa</a:t>
+            </a:r>
+            <a:r>
+              <a:rPr lang="es-CO" sz="2400" spc="-1" dirty="0">
+                <a:solidFill>
+                  <a:srgbClr val="A6A6A6"/>
+                </a:solidFill>
+                <a:latin typeface="Verdana"/>
+                <a:ea typeface="DejaVu Sans"/>
+              </a:rPr>
+              <a:t> o Transferencias Inmediatas, que van desde la plataforma de dale ubicada en AWS al Banco de Bogotá, como destino final. </a:t>
             </a:r>
             <a:endParaRPr lang="es-CO" sz="2400" b="0" strike="noStrike" spc="-1" dirty="0">
               <a:latin typeface="Arial"/>
@@ -13915,7 +14017,7 @@
                 <a:latin typeface="Verdana"/>
                 <a:ea typeface="Arial"/>
               </a:rPr>
-              <a:t>Se requiere realizar la transmisión de archivos desde la plataforma Core TIN ubicada en ATH donde se dejan estos archivos de forma encriptada, de allí se transmiten al XCOM de ATH </a:t>
+              <a:t>Se requiere realizar la transmisión de archivos desde la plataforma de AWS donde dale aloja sus archivos de forma encriptada, de allí se transmiten al XCOM de ATH </a:t>
             </a:r>
             <a:r>
               <a:rPr lang="es-CO" sz="2400" spc="-1" dirty="0">
@@ -14062,21 +14164,48 @@
           </a:bodyPr>
           <a:lstStyle/>
           <a:p>
-            <a:pPr>
+            <a:pPr marL="0" marR="0" lvl="0" indent="0" algn="l" defTabSz="914400" rtl="0" eaLnBrk="1" fontAlgn="auto" latinLnBrk="0" hangingPunct="1">
               <a:lnSpc>
                 <a:spcPct val="90000"/>
               </a:lnSpc>
+              <a:spcBef>
+                <a:spcPts val="0"/>
+              </a:spcBef>
+              <a:spcAft>
+                <a:spcPts val="0"/>
+              </a:spcAft>
+              <a:buClrTx/>
+              <a:buSzTx/>
+              <a:buFontTx/>
+              <a:buNone/>
+              <a:tabLst/>
+              <a:defRPr/>
             </a:pPr>
             <a:r>
-              <a:rPr lang="es-ES" sz="2400" b="0" strike="noStrike" spc="-1" dirty="0">
+              <a:rPr kumimoji="0" lang="es-ES" sz="2400" b="0" i="0" u="none" strike="noStrike" kern="1200" cap="none" spc="-1" normalizeH="0" baseline="0" noProof="0" dirty="0">
+                <a:ln>
+                  <a:noFill/>
+                </a:ln>
                 <a:solidFill>
                   <a:srgbClr val="000000"/>
                 </a:solidFill>
+                <a:effectLst/>
+                <a:uLnTx/>
+                <a:uFillTx/>
                 <a:latin typeface="Verdana"/>
               </a:rPr>
               <a:t>3. Flujo de recepción y envió de archivos.</a:t>
             </a:r>
-            <a:endParaRPr lang="es-CO" sz="2400" b="0" strike="noStrike" spc="-1" dirty="0">
+            <a:endParaRPr kumimoji="0" lang="es-CO" sz="2400" b="0" i="0" u="none" strike="noStrike" kern="1200" cap="none" spc="-1" normalizeH="0" baseline="0" noProof="0" dirty="0">
+              <a:ln>
+                <a:noFill/>
+              </a:ln>
+              <a:solidFill>
+                <a:prstClr val="black"/>
+              </a:solidFill>
+              <a:effectLst/>
+              <a:uLnTx/>
+              <a:uFillTx/>
               <a:latin typeface="Arial"/>
             </a:endParaRPr>
           </a:p>
@@ -14221,8 +14350,35 @@
           <a:bodyPr rtlCol="0" anchor="ctr"/>
           <a:lstStyle/>
           <a:p>
-            <a:pPr algn="ctr"/>
-            <a:endParaRPr lang="es-CO"/>
+            <a:pPr marL="0" marR="0" lvl="0" indent="0" algn="ctr" defTabSz="914400" rtl="0" eaLnBrk="1" fontAlgn="auto" latinLnBrk="0" hangingPunct="1">
+              <a:lnSpc>
+                <a:spcPct val="100000"/>
+              </a:lnSpc>
+              <a:spcBef>
+                <a:spcPts val="0"/>
+              </a:spcBef>
+              <a:spcAft>
+                <a:spcPts val="0"/>
+              </a:spcAft>
+              <a:buClrTx/>
+              <a:buSzTx/>
+              <a:buFontTx/>
+              <a:buNone/>
+              <a:tabLst/>
+              <a:defRPr/>
+            </a:pPr>
+            <a:endParaRPr kumimoji="0" lang="es-CO" sz="1800" b="0" i="0" u="none" strike="noStrike" kern="1200" cap="none" spc="0" normalizeH="0" baseline="0" noProof="0">
+              <a:ln>
+                <a:noFill/>
+              </a:ln>
+              <a:solidFill>
+                <a:prstClr val="white"/>
+              </a:solidFill>
+              <a:effectLst/>
+              <a:uLnTx/>
+              <a:uFillTx/>
+              <a:latin typeface="Arial"/>
+            </a:endParaRPr>
           </a:p>
         </p:txBody>
       </p:sp>
@@ -14269,36 +14425,6 @@
       </p:cxnSp>
       <p:pic>
         <p:nvPicPr>
-          <p:cNvPr id="8" name="Imagen 7">
-            <a:extLst>
-              <a:ext uri="{FF2B5EF4-FFF2-40B4-BE49-F238E27FC236}">
-                <a16:creationId xmlns:a16="http://schemas.microsoft.com/office/drawing/2014/main" id="{18FFCADE-FD88-4327-B289-AD12C777319D}"/>
-              </a:ext>
-            </a:extLst>
-          </p:cNvPr>
-          <p:cNvPicPr>
-            <a:picLocks noChangeAspect="1"/>
-          </p:cNvPicPr>
-          <p:nvPr/>
-        </p:nvPicPr>
-        <p:blipFill>
-          <a:blip r:embed="rId3"/>
-          <a:stretch>
-            <a:fillRect/>
-          </a:stretch>
-        </p:blipFill>
-        <p:spPr>
-          <a:xfrm>
-            <a:off x="524656" y="1174055"/>
-            <a:ext cx="2718336" cy="817258"/>
-          </a:xfrm>
-          <a:prstGeom prst="rect">
-            <a:avLst/>
-          </a:prstGeom>
-        </p:spPr>
-      </p:pic>
-      <p:pic>
-        <p:nvPicPr>
           <p:cNvPr id="9" name="Imagen 8">
             <a:extLst>
               <a:ext uri="{FF2B5EF4-FFF2-40B4-BE49-F238E27FC236}">
@@ -14312,7 +14438,7 @@
           <p:nvPr/>
         </p:nvPicPr>
         <p:blipFill>
-          <a:blip r:embed="rId4"/>
+          <a:blip r:embed="rId3"/>
           <a:stretch>
             <a:fillRect/>
           </a:stretch>
@@ -14383,7 +14509,7 @@
           <p:nvPr/>
         </p:nvPicPr>
         <p:blipFill>
-          <a:blip r:embed="rId5"/>
+          <a:blip r:embed="rId4"/>
           <a:stretch>
             <a:fillRect/>
           </a:stretch>
@@ -14413,7 +14539,7 @@
           <p:nvPr/>
         </p:nvPicPr>
         <p:blipFill>
-          <a:blip r:embed="rId6"/>
+          <a:blip r:embed="rId5"/>
           <a:stretch>
             <a:fillRect/>
           </a:stretch>
@@ -14456,10 +14582,37 @@
           </a:bodyPr>
           <a:lstStyle/>
           <a:p>
-            <a:pPr algn="just"/>
+            <a:pPr marL="0" marR="0" lvl="0" indent="0" algn="just" defTabSz="914400" rtl="0" eaLnBrk="1" fontAlgn="auto" latinLnBrk="0" hangingPunct="1">
+              <a:lnSpc>
+                <a:spcPct val="100000"/>
+              </a:lnSpc>
+              <a:spcBef>
+                <a:spcPts val="0"/>
+              </a:spcBef>
+              <a:spcAft>
+                <a:spcPts val="0"/>
+              </a:spcAft>
+              <a:buClrTx/>
+              <a:buSzTx/>
+              <a:buFontTx/>
+              <a:buNone/>
+              <a:tabLst/>
+              <a:defRPr/>
+            </a:pPr>
             <a:r>
-              <a:rPr lang="es-CO" dirty="0"/>
-              <a:t>Se genera archivo cifrado desde la BD del AWS bajo proceso automático. </a:t>
+              <a:rPr kumimoji="0" lang="es-CO" sz="1800" b="0" i="0" u="none" strike="noStrike" kern="1200" cap="none" spc="0" normalizeH="0" baseline="0" noProof="0" dirty="0">
+                <a:ln>
+                  <a:noFill/>
+                </a:ln>
+                <a:solidFill>
+                  <a:prstClr val="black"/>
+                </a:solidFill>
+                <a:effectLst/>
+                <a:uLnTx/>
+                <a:uFillTx/>
+                <a:latin typeface="Arial"/>
+              </a:rPr>
+              <a:t>Se genera archivo cifrado desde la plataforma en AWS de dale. </a:t>
             </a:r>
           </a:p>
         </p:txBody>
@@ -14508,9 +14661,36 @@
           <a:bodyPr rtlCol="0" anchor="ctr"/>
           <a:lstStyle/>
           <a:p>
-            <a:pPr algn="ctr"/>
+            <a:pPr marL="0" marR="0" lvl="0" indent="0" algn="ctr" defTabSz="914400" rtl="0" eaLnBrk="1" fontAlgn="auto" latinLnBrk="0" hangingPunct="1">
+              <a:lnSpc>
+                <a:spcPct val="100000"/>
+              </a:lnSpc>
+              <a:spcBef>
+                <a:spcPts val="0"/>
+              </a:spcBef>
+              <a:spcAft>
+                <a:spcPts val="0"/>
+              </a:spcAft>
+              <a:buClrTx/>
+              <a:buSzTx/>
+              <a:buFontTx/>
+              <a:buNone/>
+              <a:tabLst/>
+              <a:defRPr/>
+            </a:pPr>
             <a:r>
-              <a:rPr lang="es-CO" dirty="0"/>
+              <a:rPr kumimoji="0" lang="es-CO" sz="1800" b="0" i="0" u="none" strike="noStrike" kern="1200" cap="none" spc="0" normalizeH="0" baseline="0" noProof="0" dirty="0">
+                <a:ln>
+                  <a:noFill/>
+                </a:ln>
+                <a:solidFill>
+                  <a:prstClr val="white"/>
+                </a:solidFill>
+                <a:effectLst/>
+                <a:uLnTx/>
+                <a:uFillTx/>
+                <a:latin typeface="Arial"/>
+              </a:rPr>
               <a:t>1</a:t>
             </a:r>
           </a:p>
@@ -14601,9 +14781,36 @@
           <a:bodyPr rtlCol="0" anchor="ctr"/>
           <a:lstStyle/>
           <a:p>
-            <a:pPr algn="ctr"/>
+            <a:pPr marL="0" marR="0" lvl="0" indent="0" algn="ctr" defTabSz="914400" rtl="0" eaLnBrk="1" fontAlgn="auto" latinLnBrk="0" hangingPunct="1">
+              <a:lnSpc>
+                <a:spcPct val="100000"/>
+              </a:lnSpc>
+              <a:spcBef>
+                <a:spcPts val="0"/>
+              </a:spcBef>
+              <a:spcAft>
+                <a:spcPts val="0"/>
+              </a:spcAft>
+              <a:buClrTx/>
+              <a:buSzTx/>
+              <a:buFontTx/>
+              <a:buNone/>
+              <a:tabLst/>
+              <a:defRPr/>
+            </a:pPr>
             <a:r>
-              <a:rPr lang="es-CO" dirty="0"/>
+              <a:rPr kumimoji="0" lang="es-CO" sz="1800" b="0" i="0" u="none" strike="noStrike" kern="1200" cap="none" spc="0" normalizeH="0" baseline="0" noProof="0" dirty="0">
+                <a:ln>
+                  <a:noFill/>
+                </a:ln>
+                <a:solidFill>
+                  <a:prstClr val="white"/>
+                </a:solidFill>
+                <a:effectLst/>
+                <a:uLnTx/>
+                <a:uFillTx/>
+                <a:latin typeface="Arial"/>
+              </a:rPr>
               <a:t>2</a:t>
             </a:r>
           </a:p>
@@ -14684,17 +14891,66 @@
           </a:bodyPr>
           <a:lstStyle/>
           <a:p>
-            <a:pPr algn="just"/>
+            <a:pPr marL="0" marR="0" lvl="0" indent="0" algn="just" defTabSz="914400" rtl="0" eaLnBrk="1" fontAlgn="auto" latinLnBrk="0" hangingPunct="1">
+              <a:lnSpc>
+                <a:spcPct val="100000"/>
+              </a:lnSpc>
+              <a:spcBef>
+                <a:spcPts val="0"/>
+              </a:spcBef>
+              <a:spcAft>
+                <a:spcPts val="0"/>
+              </a:spcAft>
+              <a:buClrTx/>
+              <a:buSzTx/>
+              <a:buFontTx/>
+              <a:buNone/>
+              <a:tabLst/>
+              <a:defRPr/>
+            </a:pPr>
             <a:r>
-              <a:rPr lang="es-CO" dirty="0"/>
+              <a:rPr kumimoji="0" lang="es-CO" sz="1800" b="0" i="0" u="none" strike="noStrike" kern="1200" cap="none" spc="0" normalizeH="0" baseline="0" noProof="0" dirty="0">
+                <a:ln>
+                  <a:noFill/>
+                </a:ln>
+                <a:solidFill>
+                  <a:prstClr val="black"/>
+                </a:solidFill>
+                <a:effectLst/>
+                <a:uLnTx/>
+                <a:uFillTx/>
+                <a:latin typeface="Arial"/>
+              </a:rPr>
               <a:t>Se trae el archivo cifrado que deja la plataforma en la ruta y se lleva a ruta de </a:t>
             </a:r>
             <a:r>
-              <a:rPr lang="es-CO" dirty="0" err="1"/>
+              <a:rPr kumimoji="0" lang="es-CO" sz="1800" b="0" i="0" u="none" strike="noStrike" kern="1200" cap="none" spc="0" normalizeH="0" baseline="0" noProof="0" dirty="0" err="1">
+                <a:ln>
+                  <a:noFill/>
+                </a:ln>
+                <a:solidFill>
+                  <a:prstClr val="black"/>
+                </a:solidFill>
+                <a:effectLst/>
+                <a:uLnTx/>
+                <a:uFillTx/>
+                <a:latin typeface="Arial"/>
+              </a:rPr>
               <a:t>Xcom</a:t>
             </a:r>
             <a:r>
-              <a:rPr lang="es-CO" dirty="0"/>
+              <a:rPr kumimoji="0" lang="es-CO" sz="1800" b="0" i="0" u="none" strike="noStrike" kern="1200" cap="none" spc="0" normalizeH="0" baseline="0" noProof="0" dirty="0">
+                <a:ln>
+                  <a:noFill/>
+                </a:ln>
+                <a:solidFill>
+                  <a:prstClr val="black"/>
+                </a:solidFill>
+                <a:effectLst/>
+                <a:uLnTx/>
+                <a:uFillTx/>
+                <a:latin typeface="Arial"/>
+              </a:rPr>
               <a:t> de ATH, disponible en servidor de ICBS</a:t>
             </a:r>
           </a:p>
@@ -14715,11 +14971,11 @@
           <p:nvPr/>
         </p:nvPicPr>
         <p:blipFill>
-          <a:blip r:embed="rId7">
+          <a:blip r:embed="rId6">
             <a:extLst>
               <a:ext uri="{BEBA8EAE-BF5A-486C-A8C5-ECC9F3942E4B}">
                 <a14:imgProps xmlns:a14="http://schemas.microsoft.com/office/drawing/2010/main">
-                  <a14:imgLayer r:embed="rId8">
+                  <a14:imgLayer r:embed="rId7">
                     <a14:imgEffect>
                       <a14:brightnessContrast bright="20000" contrast="40000"/>
                     </a14:imgEffect>
@@ -14804,7 +15060,7 @@
         <p:spPr>
           <a:xfrm>
             <a:off x="6210544" y="3922567"/>
-            <a:ext cx="2569057" cy="2031325"/>
+            <a:ext cx="2569057" cy="1754326"/>
           </a:xfrm>
           <a:prstGeom prst="rect">
             <a:avLst/>
@@ -14817,18 +15073,67 @@
           </a:bodyPr>
           <a:lstStyle/>
           <a:p>
-            <a:pPr algn="just"/>
+            <a:pPr marL="0" marR="0" lvl="0" indent="0" algn="just" defTabSz="914400" rtl="0" eaLnBrk="1" fontAlgn="auto" latinLnBrk="0" hangingPunct="1">
+              <a:lnSpc>
+                <a:spcPct val="100000"/>
+              </a:lnSpc>
+              <a:spcBef>
+                <a:spcPts val="0"/>
+              </a:spcBef>
+              <a:spcAft>
+                <a:spcPts val="0"/>
+              </a:spcAft>
+              <a:buClrTx/>
+              <a:buSzTx/>
+              <a:buFontTx/>
+              <a:buNone/>
+              <a:tabLst/>
+              <a:defRPr/>
+            </a:pPr>
             <a:r>
-              <a:rPr lang="es-CO" dirty="0"/>
+              <a:rPr kumimoji="0" lang="es-CO" sz="1800" b="0" i="0" u="none" strike="noStrike" kern="1200" cap="none" spc="0" normalizeH="0" baseline="0" noProof="0" dirty="0">
+                <a:ln>
+                  <a:noFill/>
+                </a:ln>
+                <a:solidFill>
+                  <a:prstClr val="black"/>
+                </a:solidFill>
+                <a:effectLst/>
+                <a:uLnTx/>
+                <a:uFillTx/>
+                <a:latin typeface="Arial"/>
+              </a:rPr>
               <a:t>Se aloja el archivo cifrado que trae </a:t>
             </a:r>
             <a:r>
-              <a:rPr lang="es-CO" dirty="0" err="1"/>
+              <a:rPr kumimoji="0" lang="es-CO" sz="1800" b="0" i="0" u="none" strike="noStrike" kern="1200" cap="none" spc="0" normalizeH="0" baseline="0" noProof="0" dirty="0" err="1">
+                <a:ln>
+                  <a:noFill/>
+                </a:ln>
+                <a:solidFill>
+                  <a:prstClr val="black"/>
+                </a:solidFill>
+                <a:effectLst/>
+                <a:uLnTx/>
+                <a:uFillTx/>
+                <a:latin typeface="Arial"/>
+              </a:rPr>
               <a:t>GoAnyWhere</a:t>
             </a:r>
             <a:r>
-              <a:rPr lang="es-CO" dirty="0"/>
-              <a:t> desde el Core TIN para que desde aquí se transmita al Banco de Bogotá. </a:t>
+              <a:rPr kumimoji="0" lang="es-CO" sz="1800" b="0" i="0" u="none" strike="noStrike" kern="1200" cap="none" spc="0" normalizeH="0" baseline="0" noProof="0" dirty="0">
+                <a:ln>
+                  <a:noFill/>
+                </a:ln>
+                <a:solidFill>
+                  <a:prstClr val="black"/>
+                </a:solidFill>
+                <a:effectLst/>
+                <a:uLnTx/>
+                <a:uFillTx/>
+                <a:latin typeface="Arial"/>
+              </a:rPr>
+              <a:t> desde AWS para que desde aquí se transmita al Banco de Bogotá. </a:t>
             </a:r>
           </a:p>
         </p:txBody>
@@ -14907,9 +15212,36 @@
           <a:bodyPr rtlCol="0" anchor="ctr"/>
           <a:lstStyle/>
           <a:p>
-            <a:pPr algn="ctr"/>
+            <a:pPr marL="0" marR="0" lvl="0" indent="0" algn="ctr" defTabSz="914400" rtl="0" eaLnBrk="1" fontAlgn="auto" latinLnBrk="0" hangingPunct="1">
+              <a:lnSpc>
+                <a:spcPct val="100000"/>
+              </a:lnSpc>
+              <a:spcBef>
+                <a:spcPts val="0"/>
+              </a:spcBef>
+              <a:spcAft>
+                <a:spcPts val="0"/>
+              </a:spcAft>
+              <a:buClrTx/>
+              <a:buSzTx/>
+              <a:buFontTx/>
+              <a:buNone/>
+              <a:tabLst/>
+              <a:defRPr/>
+            </a:pPr>
             <a:r>
-              <a:rPr lang="es-CO" dirty="0"/>
+              <a:rPr kumimoji="0" lang="es-CO" sz="1800" b="0" i="0" u="none" strike="noStrike" kern="1200" cap="none" spc="0" normalizeH="0" baseline="0" noProof="0" dirty="0">
+                <a:ln>
+                  <a:noFill/>
+                </a:ln>
+                <a:solidFill>
+                  <a:prstClr val="white"/>
+                </a:solidFill>
+                <a:effectLst/>
+                <a:uLnTx/>
+                <a:uFillTx/>
+                <a:latin typeface="Arial"/>
+              </a:rPr>
               <a:t>3</a:t>
             </a:r>
           </a:p>
@@ -14930,7 +15262,7 @@
           <p:nvPr/>
         </p:nvPicPr>
         <p:blipFill>
-          <a:blip r:embed="rId9"/>
+          <a:blip r:embed="rId8"/>
           <a:stretch>
             <a:fillRect/>
           </a:stretch>
@@ -14960,7 +15292,7 @@
           <p:nvPr/>
         </p:nvPicPr>
         <p:blipFill>
-          <a:blip r:embed="rId10"/>
+          <a:blip r:embed="rId9"/>
           <a:stretch>
             <a:fillRect/>
           </a:stretch>
@@ -15003,14 +15335,52 @@
           </a:bodyPr>
           <a:lstStyle/>
           <a:p>
-            <a:pPr algn="just"/>
+            <a:pPr marL="0" marR="0" lvl="0" indent="0" algn="just" defTabSz="914400" rtl="0" eaLnBrk="1" fontAlgn="auto" latinLnBrk="0" hangingPunct="1">
+              <a:lnSpc>
+                <a:spcPct val="100000"/>
+              </a:lnSpc>
+              <a:spcBef>
+                <a:spcPts val="0"/>
+              </a:spcBef>
+              <a:spcAft>
+                <a:spcPts val="0"/>
+              </a:spcAft>
+              <a:buClrTx/>
+              <a:buSzTx/>
+              <a:buFontTx/>
+              <a:buNone/>
+              <a:tabLst/>
+              <a:defRPr/>
+            </a:pPr>
             <a:r>
-              <a:rPr lang="es-CO"/>
-              <a:t>Descifra </a:t>
+              <a:rPr kumimoji="0" lang="es-CO" sz="1800" b="0" i="0" u="none" strike="noStrike" kern="1200" cap="none" spc="0" normalizeH="0" baseline="0" noProof="0" dirty="0" err="1">
+                <a:ln>
+                  <a:noFill/>
+                </a:ln>
+                <a:solidFill>
+                  <a:prstClr val="black"/>
+                </a:solidFill>
+                <a:effectLst/>
+                <a:uLnTx/>
+                <a:uFillTx/>
+                <a:latin typeface="Arial"/>
+              </a:rPr>
+              <a:t>Descrifra</a:t>
             </a:r>
             <a:r>
-              <a:rPr lang="es-CO" dirty="0"/>
-              <a:t>y carga archivo que se remite</a:t>
+              <a:rPr kumimoji="0" lang="es-CO" sz="1800" b="0" i="0" u="none" strike="noStrike" kern="1200" cap="none" spc="0" normalizeH="0" baseline="0" noProof="0" dirty="0">
+                <a:ln>
+                  <a:noFill/>
+                </a:ln>
+                <a:solidFill>
+                  <a:prstClr val="black"/>
+                </a:solidFill>
+                <a:effectLst/>
+                <a:uLnTx/>
+                <a:uFillTx/>
+                <a:latin typeface="Arial"/>
+              </a:rPr>
+              <a:t> y carga archivo que se remite</a:t>
             </a:r>
           </a:p>
         </p:txBody>
@@ -15059,18 +15429,75 @@
           <a:bodyPr rtlCol="0" anchor="ctr"/>
           <a:lstStyle/>
           <a:p>
-            <a:pPr algn="ctr"/>
+            <a:pPr marL="0" marR="0" lvl="0" indent="0" algn="ctr" defTabSz="914400" rtl="0" eaLnBrk="1" fontAlgn="auto" latinLnBrk="0" hangingPunct="1">
+              <a:lnSpc>
+                <a:spcPct val="100000"/>
+              </a:lnSpc>
+              <a:spcBef>
+                <a:spcPts val="0"/>
+              </a:spcBef>
+              <a:spcAft>
+                <a:spcPts val="0"/>
+              </a:spcAft>
+              <a:buClrTx/>
+              <a:buSzTx/>
+              <a:buFontTx/>
+              <a:buNone/>
+              <a:tabLst/>
+              <a:defRPr/>
+            </a:pPr>
             <a:r>
-              <a:rPr lang="es-CO" dirty="0"/>
+              <a:rPr kumimoji="0" lang="es-CO" sz="1800" b="0" i="0" u="none" strike="noStrike" kern="1200" cap="none" spc="0" normalizeH="0" baseline="0" noProof="0" dirty="0">
+                <a:ln>
+                  <a:noFill/>
+                </a:ln>
+                <a:solidFill>
+                  <a:prstClr val="white"/>
+                </a:solidFill>
+                <a:effectLst/>
+                <a:uLnTx/>
+                <a:uFillTx/>
+                <a:latin typeface="Arial"/>
+              </a:rPr>
               <a:t>4</a:t>
             </a:r>
           </a:p>
         </p:txBody>
       </p:sp>
+      <p:pic>
+        <p:nvPicPr>
+          <p:cNvPr id="4" name="Imagen 3">
+            <a:extLst>
+              <a:ext uri="{FF2B5EF4-FFF2-40B4-BE49-F238E27FC236}">
+                <a16:creationId xmlns:a16="http://schemas.microsoft.com/office/drawing/2014/main" id="{9C82BDC5-5824-456A-BE11-0C5A1FFAD3BD}"/>
+              </a:ext>
+            </a:extLst>
+          </p:cNvPr>
+          <p:cNvPicPr>
+            <a:picLocks noChangeAspect="1"/>
+          </p:cNvPicPr>
+          <p:nvPr/>
+        </p:nvPicPr>
+        <p:blipFill>
+          <a:blip r:embed="rId10"/>
+          <a:stretch>
+            <a:fillRect/>
+          </a:stretch>
+        </p:blipFill>
+        <p:spPr>
+          <a:xfrm>
+            <a:off x="753785" y="1180442"/>
+            <a:ext cx="2235738" cy="777648"/>
+          </a:xfrm>
+          <a:prstGeom prst="rect">
+            <a:avLst/>
+          </a:prstGeom>
+        </p:spPr>
+      </p:pic>
     </p:spTree>
     <p:extLst>
       <p:ext uri="{BB962C8B-B14F-4D97-AF65-F5344CB8AC3E}">
-        <p14:creationId xmlns:p14="http://schemas.microsoft.com/office/powerpoint/2010/main" val="2459089585"/>
+        <p14:creationId xmlns:p14="http://schemas.microsoft.com/office/powerpoint/2010/main" val="962323686"/>
       </p:ext>
     </p:extLst>
   </p:cSld>
@@ -15104,14 +15531,14 @@
           <p:nvPr>
             <p:extLst>
               <p:ext uri="{D42A27DB-BD31-4B8C-83A1-F6EECF244321}">
-                <p14:modId xmlns:p14="http://schemas.microsoft.com/office/powerpoint/2010/main" val="3717197077"/>
+                <p14:modId xmlns:p14="http://schemas.microsoft.com/office/powerpoint/2010/main" val="3487009151"/>
               </p:ext>
             </p:extLst>
           </p:nvPr>
         </p:nvGraphicFramePr>
         <p:xfrm>
           <a:off x="301320" y="455760"/>
-          <a:ext cx="5859360" cy="1963883"/>
+          <a:ext cx="5859360" cy="2072640"/>
         </p:xfrm>
         <a:graphic>
           <a:graphicData uri="http://schemas.openxmlformats.org/drawingml/2006/table">
@@ -15164,10 +15591,14 @@
                         <a:srgbClr val="B2B2B2"/>
                       </a:solidFill>
                     </a:lnL>
-                    <a:lnR w="6480">
+                    <a:lnR w="6480" cap="flat" cmpd="sng" algn="ctr">
                       <a:solidFill>
                         <a:srgbClr val="B2B2B2"/>
                       </a:solidFill>
+                      <a:prstDash val="solid"/>
+                      <a:round/>
+                      <a:headEnd type="none" w="med" len="med"/>
+                      <a:tailEnd type="none" w="med" len="med"/>
                     </a:lnR>
                     <a:lnT w="6480">
                       <a:solidFill>
@@ -15199,7 +15630,7 @@
                           <a:ea typeface="+mn-ea"/>
                           <a:cs typeface="+mn-cs"/>
                         </a:rPr>
-                        <a:t>Core Transferencias Inmediatas ATH</a:t>
+                        <a:t>Aval Soluciones Digitales</a:t>
                       </a:r>
                       <a:endParaRPr lang="es-CO" sz="1100" dirty="0"/>
                     </a:p>
@@ -15265,10 +15696,14 @@
                         <a:srgbClr val="B2B2B2"/>
                       </a:solidFill>
                     </a:lnL>
-                    <a:lnR w="6480">
+                    <a:lnR w="6480" cap="flat" cmpd="sng" algn="ctr">
                       <a:solidFill>
                         <a:srgbClr val="B2B2B2"/>
                       </a:solidFill>
+                      <a:prstDash val="solid"/>
+                      <a:round/>
+                      <a:headEnd type="none" w="med" len="med"/>
+                      <a:tailEnd type="none" w="med" len="med"/>
                     </a:lnR>
                     <a:lnT w="6480">
                       <a:solidFill>
@@ -15297,19 +15732,10 @@
                       </a:pPr>
                       <a:r>
                         <a:rPr lang="es-CO" sz="1100" b="0" strike="noStrike" spc="-1" dirty="0">
-                          <a:latin typeface="+mn-lt"/>
+                          <a:latin typeface="Arial"/>
                         </a:rPr>
-                        <a:t>XCOM-</a:t>
+                        <a:t>prod-k7-conciliación – AWS dale</a:t>
                       </a:r>
-                      <a:r>
-                        <a:rPr lang="es-CO" sz="1100" b="0" strike="noStrike" spc="-1" dirty="0" err="1">
-                          <a:latin typeface="+mn-lt"/>
-                        </a:rPr>
-                        <a:t>eICBS</a:t>
-                      </a:r>
-                      <a:endParaRPr lang="es-CO" sz="1100" b="0" strike="noStrike" spc="-1" dirty="0">
-                        <a:latin typeface="Arial"/>
-                      </a:endParaRPr>
                     </a:p>
                   </a:txBody>
                   <a:tcPr marL="9360" marR="9360">
@@ -15373,10 +15799,14 @@
                         <a:srgbClr val="B2B2B2"/>
                       </a:solidFill>
                     </a:lnL>
-                    <a:lnR w="6480">
+                    <a:lnR w="6480" cap="flat" cmpd="sng" algn="ctr">
                       <a:solidFill>
                         <a:srgbClr val="B2B2B2"/>
                       </a:solidFill>
+                      <a:prstDash val="solid"/>
+                      <a:round/>
+                      <a:headEnd type="none" w="med" len="med"/>
+                      <a:tailEnd type="none" w="med" len="med"/>
                     </a:lnR>
                     <a:lnT w="6480">
                       <a:solidFill>
@@ -15398,20 +15828,10 @@
                     <a:bodyPr/>
                     <a:lstStyle/>
                     <a:p>
-                      <a:pPr>
-                        <a:lnSpc>
-                          <a:spcPct val="100000"/>
-                        </a:lnSpc>
-                      </a:pPr>
                       <a:r>
-                        <a:rPr lang="es-CO" sz="1100" b="0" strike="noStrike" spc="-1" dirty="0">
-                          <a:latin typeface="+mn-lt"/>
-                        </a:rPr>
-                        <a:t>10.130.2.120</a:t>
+                        <a:rPr lang="es-CO" sz="1100" dirty="0"/>
+                        <a:t>https://484287559954.signin.aws.amazon.com/console</a:t>
                       </a:r>
-                      <a:endParaRPr lang="es-CO" sz="1100" b="0" strike="noStrike" spc="-1" dirty="0">
-                        <a:latin typeface="Arial"/>
-                      </a:endParaRPr>
                     </a:p>
                   </a:txBody>
                   <a:tcPr marL="9360" marR="9360">
@@ -15475,10 +15895,14 @@
                         <a:srgbClr val="B2B2B2"/>
                       </a:solidFill>
                     </a:lnL>
-                    <a:lnR w="6480">
+                    <a:lnR w="6480" cap="flat" cmpd="sng" algn="ctr">
                       <a:solidFill>
                         <a:srgbClr val="B2B2B2"/>
                       </a:solidFill>
+                      <a:prstDash val="solid"/>
+                      <a:round/>
+                      <a:headEnd type="none" w="med" len="med"/>
+                      <a:tailEnd type="none" w="med" len="med"/>
                     </a:lnR>
                     <a:lnT w="6480">
                       <a:solidFill>
@@ -15500,23 +15924,10 @@
                     <a:bodyPr/>
                     <a:lstStyle/>
                     <a:p>
-                      <a:pPr>
-                        <a:lnSpc>
-                          <a:spcPct val="100000"/>
-                        </a:lnSpc>
-                      </a:pPr>
                       <a:r>
-                        <a:rPr lang="es-CO" sz="1100" b="0" strike="noStrike" spc="-1" dirty="0">
-                          <a:solidFill>
-                            <a:srgbClr val="000000"/>
-                          </a:solidFill>
-                          <a:latin typeface="Calibri"/>
-                        </a:rPr>
-                        <a:t>TCP/IP</a:t>
+                        <a:rPr lang="es-CO" sz="1100" dirty="0"/>
+                        <a:t>TCP</a:t>
                       </a:r>
-                      <a:endParaRPr lang="es-CO" sz="1100" b="0" strike="noStrike" spc="-1" dirty="0">
-                        <a:latin typeface="Arial"/>
-                      </a:endParaRPr>
                     </a:p>
                   </a:txBody>
                   <a:tcPr marL="9360" marR="9360">
@@ -15580,10 +15991,14 @@
                         <a:srgbClr val="B2B2B2"/>
                       </a:solidFill>
                     </a:lnL>
-                    <a:lnR w="6480">
+                    <a:lnR w="6480" cap="flat" cmpd="sng" algn="ctr">
                       <a:solidFill>
                         <a:srgbClr val="B2B2B2"/>
                       </a:solidFill>
+                      <a:prstDash val="solid"/>
+                      <a:round/>
+                      <a:headEnd type="none" w="med" len="med"/>
+                      <a:tailEnd type="none" w="med" len="med"/>
                     </a:lnR>
                     <a:lnT w="6480">
                       <a:solidFill>
@@ -15672,10 +16087,14 @@
                         <a:srgbClr val="B2B2B2"/>
                       </a:solidFill>
                     </a:lnL>
-                    <a:lnR w="6480">
+                    <a:lnR w="6480" cap="flat" cmpd="sng" algn="ctr">
                       <a:solidFill>
                         <a:srgbClr val="B2B2B2"/>
                       </a:solidFill>
+                      <a:prstDash val="solid"/>
+                      <a:round/>
+                      <a:headEnd type="none" w="med" len="med"/>
+                      <a:tailEnd type="none" w="med" len="med"/>
                     </a:lnR>
                     <a:lnT w="6480">
                       <a:solidFill>
@@ -15697,20 +16116,19 @@
                     <a:bodyPr/>
                     <a:lstStyle/>
                     <a:p>
-                      <a:pPr>
-                        <a:lnSpc>
-                          <a:spcPct val="100000"/>
-                        </a:lnSpc>
-                      </a:pPr>
                       <a:r>
-                        <a:rPr lang="es-CO" sz="1100" b="0" strike="noStrike" spc="-1" dirty="0">
+                        <a:rPr lang="es-ES" sz="1100" kern="1200" dirty="0">
+                          <a:solidFill>
+                            <a:schemeClr val="tx1"/>
+                          </a:solidFill>
+                          <a:effectLst/>
                           <a:latin typeface="+mn-lt"/>
+                          <a:ea typeface="+mn-ea"/>
+                          <a:cs typeface="+mn-cs"/>
                         </a:rPr>
-                        <a:t>8002</a:t>
+                        <a:t>443</a:t>
                       </a:r>
-                      <a:endParaRPr lang="es-CO" sz="1100" b="0" strike="noStrike" spc="-1" dirty="0">
-                        <a:latin typeface="Arial"/>
-                      </a:endParaRPr>
+                      <a:endParaRPr lang="es-CO" sz="1100" dirty="0"/>
                     </a:p>
                   </a:txBody>
                   <a:tcPr marL="9360" marR="9360">
@@ -15774,10 +16192,14 @@
                         <a:srgbClr val="B2B2B2"/>
                       </a:solidFill>
                     </a:lnL>
-                    <a:lnR w="6480">
+                    <a:lnR w="6480" cap="flat" cmpd="sng" algn="ctr">
                       <a:solidFill>
                         <a:srgbClr val="B2B2B2"/>
                       </a:solidFill>
+                      <a:prstDash val="solid"/>
+                      <a:round/>
+                      <a:headEnd type="none" w="med" len="med"/>
+                      <a:tailEnd type="none" w="med" len="med"/>
                     </a:lnR>
                     <a:lnT w="6480">
                       <a:solidFill>
@@ -15811,7 +16233,7 @@
                           </a:solidFill>
                           <a:latin typeface="Calibri"/>
                         </a:rPr>
-                        <a:t> </a:t>
+                        <a:t> k7_ath_transfer</a:t>
                       </a:r>
                       <a:endParaRPr lang="es-CO" sz="1100" b="0" strike="noStrike" spc="-1" dirty="0">
                         <a:latin typeface="Arial"/>
@@ -15859,14 +16281,14 @@
           <p:nvPr>
             <p:extLst>
               <p:ext uri="{D42A27DB-BD31-4B8C-83A1-F6EECF244321}">
-                <p14:modId xmlns:p14="http://schemas.microsoft.com/office/powerpoint/2010/main" val="2907534266"/>
+                <p14:modId xmlns:p14="http://schemas.microsoft.com/office/powerpoint/2010/main" val="289763422"/>
               </p:ext>
             </p:extLst>
           </p:nvPr>
         </p:nvGraphicFramePr>
         <p:xfrm>
           <a:off x="269640" y="2644726"/>
-          <a:ext cx="11782080" cy="3013533"/>
+          <a:ext cx="11782080" cy="3038291"/>
         </p:xfrm>
         <a:graphic>
           <a:graphicData uri="http://schemas.openxmlformats.org/drawingml/2006/table">
@@ -17783,7 +18205,7 @@
                   </a:ext>
                 </a:extLst>
               </a:tr>
-              <a:tr h="323557">
+              <a:tr h="348315">
                 <a:tc>
                   <a:txBody>
                     <a:bodyPr/>
@@ -18566,53 +18988,39 @@
                     <a:bodyPr/>
                     <a:lstStyle/>
                     <a:p>
-                      <a:pPr algn="l" fontAlgn="ctr"/>
+                      <a:pPr marL="0" algn="l" defTabSz="914400" rtl="0" eaLnBrk="1" fontAlgn="ctr" latinLnBrk="0" hangingPunct="1"/>
                       <a:r>
-                        <a:rPr lang="es-419" sz="1100" b="0" i="0" u="none" strike="noStrike" dirty="0" err="1">
+                        <a:rPr lang="es-419" sz="1100" b="0" i="0" u="none" strike="noStrike" kern="1200" dirty="0" err="1">
                           <a:solidFill>
                             <a:srgbClr val="000000"/>
                           </a:solidFill>
                           <a:effectLst/>
                           <a:latin typeface="Calibri" panose="020F0502020204030204" pitchFamily="34" charset="0"/>
+                          <a:ea typeface="+mn-ea"/>
+                          <a:cs typeface="+mn-cs"/>
                         </a:rPr>
                         <a:t>RES_CONCILIACIONYYYYMMDD.csv.gpg</a:t>
                       </a:r>
-                      <a:endParaRPr lang="es-419" sz="1100" b="0" i="0" u="none" strike="noStrike" dirty="0">
+                      <a:endParaRPr lang="es-419" sz="1100" b="0" i="0" u="none" strike="noStrike" kern="1200" dirty="0">
                         <a:solidFill>
                           <a:srgbClr val="000000"/>
                         </a:solidFill>
                         <a:effectLst/>
                         <a:latin typeface="Calibri" panose="020F0502020204030204" pitchFamily="34" charset="0"/>
+                        <a:ea typeface="+mn-ea"/>
+                        <a:cs typeface="+mn-cs"/>
                       </a:endParaRPr>
                     </a:p>
                     <a:p>
-                      <a:pPr algn="l" fontAlgn="ctr"/>
-                      <a:r>
-                        <a:rPr lang="es-419" sz="1100" b="0" i="0" u="none" strike="noStrike" dirty="0" err="1">
-                          <a:solidFill>
-                            <a:srgbClr val="000000"/>
-                          </a:solidFill>
-                          <a:effectLst/>
-                          <a:latin typeface="Calibri" panose="020F0502020204030204" pitchFamily="34" charset="0"/>
-                        </a:rPr>
-                        <a:t>DALE_CASHBACK_tx_DDMMYYYY.txt.gpg</a:t>
-                      </a:r>
-                      <a:endParaRPr lang="es-419" sz="1100" b="0" i="0" u="none" strike="noStrike" dirty="0">
+                      <a:pPr marL="0" algn="l" defTabSz="914400" rtl="0" eaLnBrk="1" fontAlgn="ctr" latinLnBrk="0" hangingPunct="1"/>
+                      <a:endParaRPr lang="es-419" sz="1100" b="0" i="0" u="none" strike="noStrike" kern="1200" dirty="0">
                         <a:solidFill>
                           <a:srgbClr val="000000"/>
                         </a:solidFill>
                         <a:effectLst/>
                         <a:latin typeface="Calibri" panose="020F0502020204030204" pitchFamily="34" charset="0"/>
-                      </a:endParaRPr>
-                    </a:p>
-                    <a:p>
-                      <a:pPr algn="l" fontAlgn="ctr"/>
-                      <a:endParaRPr lang="es-419" sz="1100" b="0" i="0" u="none" strike="noStrike" dirty="0">
-                        <a:solidFill>
-                          <a:srgbClr val="000000"/>
-                        </a:solidFill>
-                        <a:effectLst/>
-                        <a:latin typeface="Calibri" panose="020F0502020204030204" pitchFamily="34" charset="0"/>
+                        <a:ea typeface="+mn-ea"/>
+                        <a:cs typeface="+mn-cs"/>
                       </a:endParaRPr>
                     </a:p>
                   </a:txBody>
@@ -18645,48 +19053,23 @@
                     <a:bodyPr/>
                     <a:lstStyle/>
                     <a:p>
-                      <a:pPr algn="l">
+                      <a:pPr marL="0" algn="l" defTabSz="914400" rtl="0" eaLnBrk="1" fontAlgn="ctr" latinLnBrk="0" hangingPunct="1">
                         <a:lnSpc>
                           <a:spcPct val="100000"/>
                         </a:lnSpc>
                       </a:pPr>
                       <a:r>
-                        <a:rPr lang="es-CO" sz="1100" b="0" strike="noStrike" spc="-1" dirty="0">
+                        <a:rPr lang="es-CO" sz="1100" b="0" i="0" u="none" strike="noStrike" kern="1200" dirty="0">
                           <a:solidFill>
                             <a:srgbClr val="000000"/>
                           </a:solidFill>
-                          <a:latin typeface="Calibri"/>
+                          <a:effectLst/>
+                          <a:latin typeface="Calibri" panose="020F0502020204030204" pitchFamily="34" charset="0"/>
+                          <a:ea typeface="+mn-ea"/>
+                          <a:cs typeface="+mn-cs"/>
                         </a:rPr>
                         <a:t> staging-k7-novo-conciliacion/salida/posteo</a:t>
                       </a:r>
-                    </a:p>
-                    <a:p>
-                      <a:pPr algn="l">
-                        <a:lnSpc>
-                          <a:spcPct val="100000"/>
-                        </a:lnSpc>
-                      </a:pPr>
-                      <a:r>
-                        <a:rPr lang="es-CO" sz="1100" b="0" strike="noStrike" spc="-1" dirty="0">
-                          <a:latin typeface="+mn-lt"/>
-                        </a:rPr>
-                        <a:t>staging-k7-novo-conciliacion/salida/</a:t>
-                      </a:r>
-                      <a:r>
-                        <a:rPr lang="es-CO" sz="1100" b="0" strike="noStrike" spc="-1" dirty="0" err="1">
-                          <a:latin typeface="+mn-lt"/>
-                        </a:rPr>
-                        <a:t>compensacion</a:t>
-                      </a:r>
-                      <a:r>
-                        <a:rPr lang="es-CO" sz="1100" b="0" strike="noStrike" spc="-1" dirty="0">
-                          <a:latin typeface="+mn-lt"/>
-                        </a:rPr>
-                        <a:t>/</a:t>
-                      </a:r>
-                      <a:endParaRPr lang="es-CO" sz="1100" b="0" strike="noStrike" spc="-1" dirty="0">
-                        <a:latin typeface="Arial"/>
-                      </a:endParaRPr>
                     </a:p>
                   </a:txBody>
                   <a:tcPr marL="9360" marR="9360">
@@ -18726,23 +19109,23 @@
                     <a:bodyPr/>
                     <a:lstStyle/>
                     <a:p>
-                      <a:pPr>
+                      <a:pPr marL="0" algn="l" defTabSz="914400" rtl="0" eaLnBrk="1" fontAlgn="ctr" latinLnBrk="0" hangingPunct="1">
                         <a:lnSpc>
                           <a:spcPct val="100000"/>
                         </a:lnSpc>
                       </a:pPr>
                       <a:r>
-                        <a:rPr lang="es-CO" sz="1100" b="0" strike="noStrike" spc="-1" dirty="0">
+                        <a:rPr lang="es-CO" sz="1100" b="0" i="0" u="none" strike="noStrike" kern="1200" dirty="0">
                           <a:solidFill>
                             <a:srgbClr val="000000"/>
                           </a:solidFill>
-                          <a:latin typeface="Calibri"/>
+                          <a:effectLst/>
+                          <a:latin typeface="Calibri" panose="020F0502020204030204" pitchFamily="34" charset="0"/>
+                          <a:ea typeface="+mn-ea"/>
+                          <a:cs typeface="+mn-cs"/>
                         </a:rPr>
                         <a:t>Si </a:t>
                       </a:r>
-                      <a:endParaRPr lang="es-CO" sz="1100" b="0" strike="noStrike" spc="-1" dirty="0">
-                        <a:latin typeface="Arial"/>
-                      </a:endParaRPr>
                     </a:p>
                   </a:txBody>
                   <a:tcPr marL="9360" marR="9360">
@@ -18778,23 +19161,23 @@
                     <a:bodyPr/>
                     <a:lstStyle/>
                     <a:p>
-                      <a:pPr>
+                      <a:pPr marL="0" algn="l" defTabSz="914400" rtl="0" eaLnBrk="1" fontAlgn="ctr" latinLnBrk="0" hangingPunct="1">
                         <a:lnSpc>
                           <a:spcPct val="100000"/>
                         </a:lnSpc>
                       </a:pPr>
                       <a:r>
-                        <a:rPr lang="es-CO" sz="1100" b="0" strike="noStrike" spc="-1" dirty="0">
+                        <a:rPr lang="es-CO" sz="1100" b="0" i="0" u="none" strike="noStrike" kern="1200" dirty="0">
                           <a:solidFill>
                             <a:srgbClr val="000000"/>
                           </a:solidFill>
-                          <a:latin typeface="Calibri"/>
+                          <a:effectLst/>
+                          <a:latin typeface="Calibri" panose="020F0502020204030204" pitchFamily="34" charset="0"/>
+                          <a:ea typeface="+mn-ea"/>
+                          <a:cs typeface="+mn-cs"/>
                         </a:rPr>
                         <a:t> SI</a:t>
                       </a:r>
-                      <a:endParaRPr lang="es-CO" sz="1100" b="0" strike="noStrike" spc="-1" dirty="0">
-                        <a:latin typeface="Arial"/>
-                      </a:endParaRPr>
                     </a:p>
                   </a:txBody>
                   <a:tcPr marL="9360" marR="9360">
@@ -18830,23 +19213,23 @@
                     <a:bodyPr/>
                     <a:lstStyle/>
                     <a:p>
-                      <a:pPr>
+                      <a:pPr marL="0" algn="l" defTabSz="914400" rtl="0" eaLnBrk="1" fontAlgn="ctr" latinLnBrk="0" hangingPunct="1">
                         <a:lnSpc>
                           <a:spcPct val="100000"/>
                         </a:lnSpc>
                       </a:pPr>
                       <a:r>
-                        <a:rPr lang="es-CO" sz="1100" b="0" strike="noStrike" spc="-1" dirty="0">
+                        <a:rPr lang="es-CO" sz="1100" b="0" i="0" u="none" strike="noStrike" kern="1200" dirty="0">
                           <a:solidFill>
                             <a:srgbClr val="000000"/>
                           </a:solidFill>
-                          <a:latin typeface="Calibri"/>
+                          <a:effectLst/>
+                          <a:latin typeface="Calibri" panose="020F0502020204030204" pitchFamily="34" charset="0"/>
+                          <a:ea typeface="+mn-ea"/>
+                          <a:cs typeface="+mn-cs"/>
                         </a:rPr>
                         <a:t>N/A porqué GAW no descifra</a:t>
                       </a:r>
-                      <a:endParaRPr lang="es-CO" sz="1100" b="0" strike="noStrike" spc="-1" dirty="0">
-                        <a:latin typeface="Arial"/>
-                      </a:endParaRPr>
                     </a:p>
                   </a:txBody>
                   <a:tcPr marL="9360" marR="9360">
@@ -18882,23 +19265,23 @@
                     <a:bodyPr/>
                     <a:lstStyle/>
                     <a:p>
-                      <a:pPr>
+                      <a:pPr marL="0" algn="l" defTabSz="914400" rtl="0" eaLnBrk="1" fontAlgn="ctr" latinLnBrk="0" hangingPunct="1">
                         <a:lnSpc>
                           <a:spcPct val="100000"/>
                         </a:lnSpc>
                       </a:pPr>
                       <a:r>
-                        <a:rPr lang="es-CO" sz="1100" b="0" strike="noStrike" spc="-1" dirty="0">
+                        <a:rPr lang="es-CO" sz="1100" b="0" i="0" u="none" strike="noStrike" kern="1200" dirty="0">
                           <a:solidFill>
                             <a:srgbClr val="000000"/>
                           </a:solidFill>
-                          <a:latin typeface="Calibri"/>
+                          <a:effectLst/>
+                          <a:latin typeface="Calibri" panose="020F0502020204030204" pitchFamily="34" charset="0"/>
+                          <a:ea typeface="+mn-ea"/>
+                          <a:cs typeface="+mn-cs"/>
                         </a:rPr>
                         <a:t> N/A</a:t>
                       </a:r>
-                      <a:endParaRPr lang="es-CO" sz="1100" b="0" strike="noStrike" spc="-1" dirty="0">
-                        <a:latin typeface="Arial"/>
-                      </a:endParaRPr>
                     </a:p>
                   </a:txBody>
                   <a:tcPr marL="9360" marR="9360">
@@ -18934,42 +19317,54 @@
                     <a:bodyPr/>
                     <a:lstStyle/>
                     <a:p>
-                      <a:pPr>
+                      <a:pPr marL="0" algn="l" defTabSz="914400" rtl="0" eaLnBrk="1" fontAlgn="ctr" latinLnBrk="0" hangingPunct="1">
                         <a:lnSpc>
                           <a:spcPct val="100000"/>
                         </a:lnSpc>
                       </a:pPr>
                       <a:r>
-                        <a:rPr lang="es-CO" sz="1100" b="0" strike="noStrike" spc="-1" dirty="0">
+                        <a:rPr lang="es-CO" sz="1100" b="0" i="0" u="none" strike="noStrike" kern="1200" dirty="0">
                           <a:solidFill>
                             <a:srgbClr val="000000"/>
                           </a:solidFill>
-                          <a:latin typeface="Calibri"/>
+                          <a:effectLst/>
+                          <a:latin typeface="Calibri" panose="020F0502020204030204" pitchFamily="34" charset="0"/>
+                          <a:ea typeface="+mn-ea"/>
+                          <a:cs typeface="+mn-cs"/>
                         </a:rPr>
                         <a:t> Si</a:t>
                       </a:r>
                     </a:p>
                     <a:p>
-                      <a:pPr>
+                      <a:pPr marL="0" algn="l" defTabSz="914400" rtl="0" eaLnBrk="1" fontAlgn="ctr" latinLnBrk="0" hangingPunct="1">
                         <a:lnSpc>
                           <a:spcPct val="100000"/>
                         </a:lnSpc>
                       </a:pPr>
-                      <a:endParaRPr lang="es-CO" sz="1100" b="0" strike="noStrike" spc="-1" dirty="0">
+                      <a:endParaRPr lang="es-CO" sz="1100" b="0" i="0" u="none" strike="noStrike" kern="1200" dirty="0">
                         <a:solidFill>
                           <a:srgbClr val="000000"/>
                         </a:solidFill>
-                        <a:latin typeface="Calibri"/>
+                        <a:effectLst/>
+                        <a:latin typeface="Calibri" panose="020F0502020204030204" pitchFamily="34" charset="0"/>
+                        <a:ea typeface="+mn-ea"/>
+                        <a:cs typeface="+mn-cs"/>
                       </a:endParaRPr>
                     </a:p>
                     <a:p>
-                      <a:pPr>
+                      <a:pPr marL="0" algn="l" defTabSz="914400" rtl="0" eaLnBrk="1" fontAlgn="ctr" latinLnBrk="0" hangingPunct="1">
                         <a:lnSpc>
                           <a:spcPct val="100000"/>
                         </a:lnSpc>
                       </a:pPr>
-                      <a:endParaRPr lang="es-CO" sz="1100" b="0" strike="noStrike" spc="-1" dirty="0">
-                        <a:latin typeface="Arial"/>
+                      <a:endParaRPr lang="es-CO" sz="1100" b="0" i="0" u="none" strike="noStrike" kern="1200" dirty="0">
+                        <a:solidFill>
+                          <a:srgbClr val="000000"/>
+                        </a:solidFill>
+                        <a:effectLst/>
+                        <a:latin typeface="Calibri" panose="020F0502020204030204" pitchFamily="34" charset="0"/>
+                        <a:ea typeface="+mn-ea"/>
+                        <a:cs typeface="+mn-cs"/>
                       </a:endParaRPr>
                     </a:p>
                   </a:txBody>
@@ -19908,7 +20303,7 @@
           <p:nvPr>
             <p:extLst>
               <p:ext uri="{D42A27DB-BD31-4B8C-83A1-F6EECF244321}">
-                <p14:modId xmlns:p14="http://schemas.microsoft.com/office/powerpoint/2010/main" val="2110431386"/>
+                <p14:modId xmlns:p14="http://schemas.microsoft.com/office/powerpoint/2010/main" val="3806722966"/>
               </p:ext>
             </p:extLst>
           </p:nvPr>
@@ -21202,26 +21597,6 @@
                           <a:latin typeface="Calibri" panose="020F0502020204030204" pitchFamily="34" charset="0"/>
                         </a:rPr>
                         <a:t>RES_CONCILIACIONYYYYMMDD.csv.gpg</a:t>
-                      </a:r>
-                      <a:endParaRPr lang="es-419" sz="1100" b="0" i="0" u="none" strike="noStrike" dirty="0">
-                        <a:solidFill>
-                          <a:srgbClr val="000000"/>
-                        </a:solidFill>
-                        <a:effectLst/>
-                        <a:latin typeface="Calibri" panose="020F0502020204030204" pitchFamily="34" charset="0"/>
-                      </a:endParaRPr>
-                    </a:p>
-                    <a:p>
-                      <a:pPr algn="l" fontAlgn="ctr"/>
-                      <a:r>
-                        <a:rPr lang="es-419" sz="1100" b="0" i="0" u="none" strike="noStrike" dirty="0" err="1">
-                          <a:solidFill>
-                            <a:srgbClr val="000000"/>
-                          </a:solidFill>
-                          <a:effectLst/>
-                          <a:latin typeface="Calibri" panose="020F0502020204030204" pitchFamily="34" charset="0"/>
-                        </a:rPr>
-                        <a:t>DALE_CASHBACK_tx_DDMMYYYY.txt.gpg</a:t>
                       </a:r>
                       <a:endParaRPr lang="es-419" sz="1100" b="0" i="0" u="none" strike="noStrike" dirty="0">
                         <a:solidFill>
@@ -21473,1058 +21848,16 @@
           <a:chExt cx="0" cy="0"/>
         </a:xfrm>
       </p:grpSpPr>
-      <p:graphicFrame>
-        <p:nvGraphicFramePr>
-          <p:cNvPr id="196" name="Table 1"/>
-          <p:cNvGraphicFramePr/>
-          <p:nvPr>
-            <p:extLst>
-              <p:ext uri="{D42A27DB-BD31-4B8C-83A1-F6EECF244321}">
-                <p14:modId xmlns:p14="http://schemas.microsoft.com/office/powerpoint/2010/main" val="2446919709"/>
-              </p:ext>
-            </p:extLst>
-          </p:nvPr>
-        </p:nvGraphicFramePr>
-        <p:xfrm>
-          <a:off x="659520" y="1249560"/>
-          <a:ext cx="11032560" cy="2922480"/>
-        </p:xfrm>
-        <a:graphic>
-          <a:graphicData uri="http://schemas.openxmlformats.org/drawingml/2006/table">
-            <a:tbl>
-              <a:tblPr/>
-              <a:tblGrid>
-                <a:gridCol w="1847520">
-                  <a:extLst>
-                    <a:ext uri="{9D8B030D-6E8A-4147-A177-3AD203B41FA5}">
-                      <a16:colId xmlns:a16="http://schemas.microsoft.com/office/drawing/2014/main" val="20000"/>
-                    </a:ext>
-                  </a:extLst>
-                </a:gridCol>
-                <a:gridCol w="2074680">
-                  <a:extLst>
-                    <a:ext uri="{9D8B030D-6E8A-4147-A177-3AD203B41FA5}">
-                      <a16:colId xmlns:a16="http://schemas.microsoft.com/office/drawing/2014/main" val="20001"/>
-                    </a:ext>
-                  </a:extLst>
-                </a:gridCol>
-                <a:gridCol w="2193480">
-                  <a:extLst>
-                    <a:ext uri="{9D8B030D-6E8A-4147-A177-3AD203B41FA5}">
-                      <a16:colId xmlns:a16="http://schemas.microsoft.com/office/drawing/2014/main" val="20002"/>
-                    </a:ext>
-                  </a:extLst>
-                </a:gridCol>
-                <a:gridCol w="3387600">
-                  <a:extLst>
-                    <a:ext uri="{9D8B030D-6E8A-4147-A177-3AD203B41FA5}">
-                      <a16:colId xmlns:a16="http://schemas.microsoft.com/office/drawing/2014/main" val="20003"/>
-                    </a:ext>
-                  </a:extLst>
-                </a:gridCol>
-                <a:gridCol w="1529280">
-                  <a:extLst>
-                    <a:ext uri="{9D8B030D-6E8A-4147-A177-3AD203B41FA5}">
-                      <a16:colId xmlns:a16="http://schemas.microsoft.com/office/drawing/2014/main" val="20004"/>
-                    </a:ext>
-                  </a:extLst>
-                </a:gridCol>
-              </a:tblGrid>
-              <a:tr h="584280">
-                <a:tc>
-                  <a:txBody>
-                    <a:bodyPr/>
-                    <a:lstStyle/>
-                    <a:p>
-                      <a:pPr>
-                        <a:lnSpc>
-                          <a:spcPct val="100000"/>
-                        </a:lnSpc>
-                      </a:pPr>
-                      <a:r>
-                        <a:rPr lang="es-CO" sz="1600" b="0" strike="noStrike" spc="-1">
-                          <a:solidFill>
-                            <a:srgbClr val="0D0D0D"/>
-                          </a:solidFill>
-                          <a:latin typeface="Calibri"/>
-                        </a:rPr>
-                        <a:t>Días de Ejecución : </a:t>
-                      </a:r>
-                      <a:endParaRPr lang="es-CO" sz="1600" b="0" strike="noStrike" spc="-1">
-                        <a:latin typeface="Arial"/>
-                      </a:endParaRPr>
-                    </a:p>
-                  </a:txBody>
-                  <a:tcPr marL="9360" marR="9360">
-                    <a:lnL w="2880">
-                      <a:solidFill>
-                        <a:srgbClr val="595959"/>
-                      </a:solidFill>
-                    </a:lnL>
-                    <a:lnR w="2880">
-                      <a:solidFill>
-                        <a:srgbClr val="595959"/>
-                      </a:solidFill>
-                    </a:lnR>
-                    <a:lnT w="2880">
-                      <a:solidFill>
-                        <a:srgbClr val="595959"/>
-                      </a:solidFill>
-                    </a:lnT>
-                    <a:lnB w="2880">
-                      <a:solidFill>
-                        <a:srgbClr val="595959"/>
-                      </a:solidFill>
-                    </a:lnB>
-                    <a:solidFill>
-                      <a:srgbClr val="70AD47"/>
-                    </a:solidFill>
-                  </a:tcPr>
-                </a:tc>
-                <a:tc gridSpan="2">
-                  <a:txBody>
-                    <a:bodyPr/>
-                    <a:lstStyle/>
-                    <a:p>
-                      <a:pPr>
-                        <a:lnSpc>
-                          <a:spcPct val="100000"/>
-                        </a:lnSpc>
-                      </a:pPr>
-                      <a:r>
-                        <a:rPr lang="es-ES" sz="1200" b="0" strike="noStrike" spc="-1">
-                          <a:solidFill>
-                            <a:srgbClr val="000000"/>
-                          </a:solidFill>
-                          <a:latin typeface="Calibri"/>
-                        </a:rPr>
-                        <a:t>Domingo a Domingo</a:t>
-                      </a:r>
-                      <a:endParaRPr lang="es-CO" sz="1200" b="0" strike="noStrike" spc="-1">
-                        <a:latin typeface="Arial"/>
-                      </a:endParaRPr>
-                    </a:p>
-                  </a:txBody>
-                  <a:tcPr marL="9360" marR="9360">
-                    <a:lnL w="2880">
-                      <a:solidFill>
-                        <a:srgbClr val="595959"/>
-                      </a:solidFill>
-                    </a:lnL>
-                    <a:lnR w="2880">
-                      <a:solidFill>
-                        <a:srgbClr val="595959"/>
-                      </a:solidFill>
-                    </a:lnR>
-                    <a:lnT w="2880">
-                      <a:solidFill>
-                        <a:srgbClr val="595959"/>
-                      </a:solidFill>
-                    </a:lnT>
-                    <a:lnB w="2880">
-                      <a:solidFill>
-                        <a:srgbClr val="595959"/>
-                      </a:solidFill>
-                    </a:lnB>
-                    <a:noFill/>
-                  </a:tcPr>
-                </a:tc>
-                <a:tc hMerge="1">
-                  <a:txBody>
-                    <a:bodyPr/>
-                    <a:lstStyle/>
-                    <a:p>
-                      <a:endParaRPr lang="es-CO"/>
-                    </a:p>
-                  </a:txBody>
-                  <a:tcPr marL="90000" marR="90000">
-                    <a:solidFill>
-                      <a:srgbClr val="729FCF"/>
-                    </a:solidFill>
-                  </a:tcPr>
-                </a:tc>
-                <a:tc>
-                  <a:txBody>
-                    <a:bodyPr/>
-                    <a:lstStyle/>
-                    <a:p>
-                      <a:pPr>
-                        <a:lnSpc>
-                          <a:spcPct val="100000"/>
-                        </a:lnSpc>
-                      </a:pPr>
-                      <a:r>
-                        <a:rPr lang="es-ES" sz="1600" b="0" strike="noStrike" spc="-1">
-                          <a:solidFill>
-                            <a:srgbClr val="0D0D0D"/>
-                          </a:solidFill>
-                          <a:latin typeface="Calibri"/>
-                        </a:rPr>
-                        <a:t>Días festivos?</a:t>
-                      </a:r>
-                      <a:endParaRPr lang="es-CO" sz="1600" b="0" strike="noStrike" spc="-1">
-                        <a:latin typeface="Arial"/>
-                      </a:endParaRPr>
-                    </a:p>
-                  </a:txBody>
-                  <a:tcPr marL="9360" marR="9360">
-                    <a:lnL w="2880">
-                      <a:solidFill>
-                        <a:srgbClr val="595959"/>
-                      </a:solidFill>
-                    </a:lnL>
-                    <a:lnR w="2880">
-                      <a:solidFill>
-                        <a:srgbClr val="595959"/>
-                      </a:solidFill>
-                    </a:lnR>
-                    <a:lnT w="2880">
-                      <a:solidFill>
-                        <a:srgbClr val="595959"/>
-                      </a:solidFill>
-                    </a:lnT>
-                    <a:lnB w="2880">
-                      <a:solidFill>
-                        <a:srgbClr val="595959"/>
-                      </a:solidFill>
-                    </a:lnB>
-                    <a:solidFill>
-                      <a:srgbClr val="70AD47"/>
-                    </a:solidFill>
-                  </a:tcPr>
-                </a:tc>
-                <a:tc>
-                  <a:txBody>
-                    <a:bodyPr/>
-                    <a:lstStyle/>
-                    <a:p>
-                      <a:pPr>
-                        <a:lnSpc>
-                          <a:spcPct val="100000"/>
-                        </a:lnSpc>
-                      </a:pPr>
-                      <a:r>
-                        <a:rPr lang="es-ES" sz="1400" b="0" strike="noStrike" spc="-1" dirty="0">
-                          <a:solidFill>
-                            <a:srgbClr val="BFBFBF"/>
-                          </a:solidFill>
-                          <a:latin typeface="Calibri"/>
-                        </a:rPr>
-                        <a:t>SI</a:t>
-                      </a:r>
-                      <a:endParaRPr lang="es-CO" sz="1400" b="0" strike="noStrike" spc="-1" dirty="0">
-                        <a:latin typeface="Arial"/>
-                      </a:endParaRPr>
-                    </a:p>
-                  </a:txBody>
-                  <a:tcPr marL="9360" marR="9360">
-                    <a:lnL w="2880">
-                      <a:solidFill>
-                        <a:srgbClr val="595959"/>
-                      </a:solidFill>
-                    </a:lnL>
-                    <a:lnR w="2880">
-                      <a:solidFill>
-                        <a:srgbClr val="595959"/>
-                      </a:solidFill>
-                    </a:lnR>
-                    <a:lnT w="2880">
-                      <a:solidFill>
-                        <a:srgbClr val="595959"/>
-                      </a:solidFill>
-                    </a:lnT>
-                    <a:lnB w="2880">
-                      <a:solidFill>
-                        <a:srgbClr val="595959"/>
-                      </a:solidFill>
-                    </a:lnB>
-                    <a:noFill/>
-                  </a:tcPr>
-                </a:tc>
-                <a:extLst>
-                  <a:ext uri="{0D108BD9-81ED-4DB2-BD59-A6C34878D82A}">
-                    <a16:rowId xmlns:a16="http://schemas.microsoft.com/office/drawing/2014/main" val="10000"/>
-                  </a:ext>
-                </a:extLst>
-              </a:tr>
-              <a:tr h="584280">
-                <a:tc gridSpan="2">
-                  <a:txBody>
-                    <a:bodyPr/>
-                    <a:lstStyle/>
-                    <a:p>
-                      <a:pPr>
-                        <a:lnSpc>
-                          <a:spcPct val="100000"/>
-                        </a:lnSpc>
-                      </a:pPr>
-                      <a:r>
-                        <a:rPr lang="es-ES" sz="1600" b="0" strike="noStrike" spc="-1">
-                          <a:solidFill>
-                            <a:srgbClr val="0D0D0D"/>
-                          </a:solidFill>
-                          <a:latin typeface="Calibri"/>
-                        </a:rPr>
-                        <a:t>Horas Ejecución (hora militar): </a:t>
-                      </a:r>
-                      <a:endParaRPr lang="es-CO" sz="1600" b="0" strike="noStrike" spc="-1">
-                        <a:latin typeface="Arial"/>
-                      </a:endParaRPr>
-                    </a:p>
-                  </a:txBody>
-                  <a:tcPr marL="9360" marR="9360">
-                    <a:lnL w="2880">
-                      <a:solidFill>
-                        <a:srgbClr val="595959"/>
-                      </a:solidFill>
-                    </a:lnL>
-                    <a:lnR w="2880">
-                      <a:solidFill>
-                        <a:srgbClr val="595959"/>
-                      </a:solidFill>
-                    </a:lnR>
-                    <a:lnT w="2880">
-                      <a:solidFill>
-                        <a:srgbClr val="595959"/>
-                      </a:solidFill>
-                    </a:lnT>
-                    <a:lnB w="2880">
-                      <a:solidFill>
-                        <a:srgbClr val="595959"/>
-                      </a:solidFill>
-                    </a:lnB>
-                    <a:solidFill>
-                      <a:srgbClr val="70AD47"/>
-                    </a:solidFill>
-                  </a:tcPr>
-                </a:tc>
-                <a:tc hMerge="1">
-                  <a:txBody>
-                    <a:bodyPr/>
-                    <a:lstStyle/>
-                    <a:p>
-                      <a:endParaRPr lang="es-CO"/>
-                    </a:p>
-                  </a:txBody>
-                  <a:tcPr marL="90000" marR="90000">
-                    <a:solidFill>
-                      <a:srgbClr val="729FCF"/>
-                    </a:solidFill>
-                  </a:tcPr>
-                </a:tc>
-                <a:tc>
-                  <a:txBody>
-                    <a:bodyPr/>
-                    <a:lstStyle/>
-                    <a:p>
-                      <a:pPr>
-                        <a:lnSpc>
-                          <a:spcPct val="100000"/>
-                        </a:lnSpc>
-                      </a:pPr>
-                      <a:r>
-                        <a:rPr lang="es-CO" sz="1800" b="0" strike="noStrike" spc="-1">
-                          <a:latin typeface="Arial"/>
-                        </a:rPr>
-                        <a:t>01</a:t>
-                      </a:r>
-                    </a:p>
-                  </a:txBody>
-                  <a:tcPr marL="9360" marR="9360">
-                    <a:lnL w="2880">
-                      <a:solidFill>
-                        <a:srgbClr val="595959"/>
-                      </a:solidFill>
-                    </a:lnL>
-                    <a:lnR w="2880">
-                      <a:solidFill>
-                        <a:srgbClr val="595959"/>
-                      </a:solidFill>
-                    </a:lnR>
-                    <a:lnT w="2880">
-                      <a:solidFill>
-                        <a:srgbClr val="595959"/>
-                      </a:solidFill>
-                    </a:lnT>
-                    <a:lnB w="2880">
-                      <a:solidFill>
-                        <a:srgbClr val="595959"/>
-                      </a:solidFill>
-                    </a:lnB>
-                    <a:noFill/>
-                  </a:tcPr>
-                </a:tc>
-                <a:tc>
-                  <a:txBody>
-                    <a:bodyPr/>
-                    <a:lstStyle/>
-                    <a:p>
-                      <a:pPr>
-                        <a:lnSpc>
-                          <a:spcPct val="100000"/>
-                        </a:lnSpc>
-                      </a:pPr>
-                      <a:r>
-                        <a:rPr lang="es-ES" sz="1600" b="0" strike="noStrike" spc="-1">
-                          <a:solidFill>
-                            <a:srgbClr val="0D0D0D"/>
-                          </a:solidFill>
-                          <a:latin typeface="Calibri"/>
-                        </a:rPr>
-                        <a:t>Minuto de Ejecución: </a:t>
-                      </a:r>
-                      <a:endParaRPr lang="es-CO" sz="1600" b="0" strike="noStrike" spc="-1">
-                        <a:latin typeface="Arial"/>
-                      </a:endParaRPr>
-                    </a:p>
-                  </a:txBody>
-                  <a:tcPr marL="9360" marR="9360">
-                    <a:lnL w="2880">
-                      <a:solidFill>
-                        <a:srgbClr val="595959"/>
-                      </a:solidFill>
-                    </a:lnL>
-                    <a:lnR w="2880">
-                      <a:solidFill>
-                        <a:srgbClr val="595959"/>
-                      </a:solidFill>
-                    </a:lnR>
-                    <a:lnT w="2880">
-                      <a:solidFill>
-                        <a:srgbClr val="595959"/>
-                      </a:solidFill>
-                    </a:lnT>
-                    <a:lnB w="2880">
-                      <a:solidFill>
-                        <a:srgbClr val="595959"/>
-                      </a:solidFill>
-                    </a:lnB>
-                    <a:solidFill>
-                      <a:srgbClr val="70AD47"/>
-                    </a:solidFill>
-                  </a:tcPr>
-                </a:tc>
-                <a:tc>
-                  <a:txBody>
-                    <a:bodyPr/>
-                    <a:lstStyle/>
-                    <a:p>
-                      <a:pPr>
-                        <a:lnSpc>
-                          <a:spcPct val="100000"/>
-                        </a:lnSpc>
-                      </a:pPr>
-                      <a:r>
-                        <a:rPr lang="es-CO" sz="1800" b="0" strike="noStrike" spc="-1">
-                          <a:latin typeface="Arial"/>
-                        </a:rPr>
-                        <a:t>11</a:t>
-                      </a:r>
-                    </a:p>
-                  </a:txBody>
-                  <a:tcPr marL="9360" marR="9360">
-                    <a:lnL w="2880">
-                      <a:solidFill>
-                        <a:srgbClr val="595959"/>
-                      </a:solidFill>
-                    </a:lnL>
-                    <a:lnR w="2880">
-                      <a:solidFill>
-                        <a:srgbClr val="595959"/>
-                      </a:solidFill>
-                    </a:lnR>
-                    <a:lnT w="2880">
-                      <a:solidFill>
-                        <a:srgbClr val="595959"/>
-                      </a:solidFill>
-                    </a:lnT>
-                    <a:lnB w="2880">
-                      <a:solidFill>
-                        <a:srgbClr val="595959"/>
-                      </a:solidFill>
-                    </a:lnB>
-                    <a:noFill/>
-                  </a:tcPr>
-                </a:tc>
-                <a:extLst>
-                  <a:ext uri="{0D108BD9-81ED-4DB2-BD59-A6C34878D82A}">
-                    <a16:rowId xmlns:a16="http://schemas.microsoft.com/office/drawing/2014/main" val="10001"/>
-                  </a:ext>
-                </a:extLst>
-              </a:tr>
-              <a:tr h="584280">
-                <a:tc gridSpan="2">
-                  <a:txBody>
-                    <a:bodyPr/>
-                    <a:lstStyle/>
-                    <a:p>
-                      <a:pPr>
-                        <a:lnSpc>
-                          <a:spcPct val="100000"/>
-                        </a:lnSpc>
-                      </a:pPr>
-                      <a:r>
-                        <a:rPr lang="es-ES" sz="1600" b="0" strike="noStrike" spc="-1">
-                          <a:solidFill>
-                            <a:srgbClr val="0D0D0D"/>
-                          </a:solidFill>
-                          <a:latin typeface="Calibri"/>
-                        </a:rPr>
-                        <a:t>Cantidad de Ejecuciones al día?</a:t>
-                      </a:r>
-                      <a:endParaRPr lang="es-CO" sz="1600" b="0" strike="noStrike" spc="-1">
-                        <a:latin typeface="Arial"/>
-                      </a:endParaRPr>
-                    </a:p>
-                  </a:txBody>
-                  <a:tcPr marL="9360" marR="9360">
-                    <a:lnL w="2880">
-                      <a:solidFill>
-                        <a:srgbClr val="595959"/>
-                      </a:solidFill>
-                    </a:lnL>
-                    <a:lnR w="2880">
-                      <a:solidFill>
-                        <a:srgbClr val="595959"/>
-                      </a:solidFill>
-                    </a:lnR>
-                    <a:lnT w="2880">
-                      <a:solidFill>
-                        <a:srgbClr val="595959"/>
-                      </a:solidFill>
-                    </a:lnT>
-                    <a:lnB w="2880">
-                      <a:solidFill>
-                        <a:srgbClr val="595959"/>
-                      </a:solidFill>
-                    </a:lnB>
-                    <a:solidFill>
-                      <a:srgbClr val="70AD47"/>
-                    </a:solidFill>
-                  </a:tcPr>
-                </a:tc>
-                <a:tc hMerge="1">
-                  <a:txBody>
-                    <a:bodyPr/>
-                    <a:lstStyle/>
-                    <a:p>
-                      <a:endParaRPr lang="es-CO"/>
-                    </a:p>
-                  </a:txBody>
-                  <a:tcPr marL="90000" marR="90000">
-                    <a:solidFill>
-                      <a:srgbClr val="729FCF"/>
-                    </a:solidFill>
-                  </a:tcPr>
-                </a:tc>
-                <a:tc>
-                  <a:txBody>
-                    <a:bodyPr/>
-                    <a:lstStyle/>
-                    <a:p>
-                      <a:pPr>
-                        <a:lnSpc>
-                          <a:spcPct val="100000"/>
-                        </a:lnSpc>
-                      </a:pPr>
-                      <a:r>
-                        <a:rPr lang="es-CO" sz="1800" b="0" strike="noStrike" spc="-1">
-                          <a:latin typeface="Arial"/>
-                        </a:rPr>
-                        <a:t>1</a:t>
-                      </a:r>
-                    </a:p>
-                  </a:txBody>
-                  <a:tcPr marL="9360" marR="9360">
-                    <a:lnL w="2880">
-                      <a:solidFill>
-                        <a:srgbClr val="595959"/>
-                      </a:solidFill>
-                    </a:lnL>
-                    <a:lnR w="2880">
-                      <a:solidFill>
-                        <a:srgbClr val="595959"/>
-                      </a:solidFill>
-                    </a:lnR>
-                    <a:lnT w="2880">
-                      <a:solidFill>
-                        <a:srgbClr val="595959"/>
-                      </a:solidFill>
-                    </a:lnT>
-                    <a:lnB w="2880">
-                      <a:solidFill>
-                        <a:srgbClr val="595959"/>
-                      </a:solidFill>
-                    </a:lnB>
-                    <a:noFill/>
-                  </a:tcPr>
-                </a:tc>
-                <a:tc>
-                  <a:txBody>
-                    <a:bodyPr/>
-                    <a:lstStyle/>
-                    <a:p>
-                      <a:pPr>
-                        <a:lnSpc>
-                          <a:spcPct val="100000"/>
-                        </a:lnSpc>
-                      </a:pPr>
-                      <a:r>
-                        <a:rPr lang="es-ES" sz="1600" b="0" strike="noStrike" spc="-1">
-                          <a:solidFill>
-                            <a:srgbClr val="0D0D0D"/>
-                          </a:solidFill>
-                          <a:latin typeface="Calibri"/>
-                        </a:rPr>
-                        <a:t>Para cada Ejecución se genera archivo?</a:t>
-                      </a:r>
-                      <a:endParaRPr lang="es-CO" sz="1600" b="0" strike="noStrike" spc="-1">
-                        <a:latin typeface="Arial"/>
-                      </a:endParaRPr>
-                    </a:p>
-                  </a:txBody>
-                  <a:tcPr marL="9360" marR="9360">
-                    <a:lnL w="2880">
-                      <a:solidFill>
-                        <a:srgbClr val="595959"/>
-                      </a:solidFill>
-                    </a:lnL>
-                    <a:lnR w="2880">
-                      <a:solidFill>
-                        <a:srgbClr val="595959"/>
-                      </a:solidFill>
-                    </a:lnR>
-                    <a:lnT w="2880">
-                      <a:solidFill>
-                        <a:srgbClr val="595959"/>
-                      </a:solidFill>
-                    </a:lnT>
-                    <a:lnB w="2880">
-                      <a:solidFill>
-                        <a:srgbClr val="595959"/>
-                      </a:solidFill>
-                    </a:lnB>
-                    <a:solidFill>
-                      <a:srgbClr val="70AD47"/>
-                    </a:solidFill>
-                  </a:tcPr>
-                </a:tc>
-                <a:tc>
-                  <a:txBody>
-                    <a:bodyPr/>
-                    <a:lstStyle/>
-                    <a:p>
-                      <a:pPr>
-                        <a:lnSpc>
-                          <a:spcPct val="100000"/>
-                        </a:lnSpc>
-                      </a:pPr>
-                      <a:r>
-                        <a:rPr lang="es-ES" sz="1400" b="0" strike="noStrike" spc="-1" dirty="0">
-                          <a:solidFill>
-                            <a:srgbClr val="BFBFBF"/>
-                          </a:solidFill>
-                          <a:latin typeface="Calibri"/>
-                        </a:rPr>
-                        <a:t>SI</a:t>
-                      </a:r>
-                      <a:endParaRPr lang="es-CO" sz="1400" b="0" strike="noStrike" spc="-1" dirty="0">
-                        <a:latin typeface="Arial"/>
-                      </a:endParaRPr>
-                    </a:p>
-                  </a:txBody>
-                  <a:tcPr marL="9360" marR="9360">
-                    <a:lnL w="2880">
-                      <a:solidFill>
-                        <a:srgbClr val="595959"/>
-                      </a:solidFill>
-                    </a:lnL>
-                    <a:lnR w="2880">
-                      <a:solidFill>
-                        <a:srgbClr val="595959"/>
-                      </a:solidFill>
-                    </a:lnR>
-                    <a:lnT w="2880">
-                      <a:solidFill>
-                        <a:srgbClr val="595959"/>
-                      </a:solidFill>
-                    </a:lnT>
-                    <a:lnB w="2880">
-                      <a:solidFill>
-                        <a:srgbClr val="595959"/>
-                      </a:solidFill>
-                    </a:lnB>
-                    <a:noFill/>
-                  </a:tcPr>
-                </a:tc>
-                <a:extLst>
-                  <a:ext uri="{0D108BD9-81ED-4DB2-BD59-A6C34878D82A}">
-                    <a16:rowId xmlns:a16="http://schemas.microsoft.com/office/drawing/2014/main" val="10002"/>
-                  </a:ext>
-                </a:extLst>
-              </a:tr>
-              <a:tr h="584280">
-                <a:tc gridSpan="2">
-                  <a:txBody>
-                    <a:bodyPr/>
-                    <a:lstStyle/>
-                    <a:p>
-                      <a:pPr>
-                        <a:lnSpc>
-                          <a:spcPct val="100000"/>
-                        </a:lnSpc>
-                      </a:pPr>
-                      <a:r>
-                        <a:rPr lang="es-ES" sz="1600" b="0" strike="noStrike" spc="-1">
-                          <a:solidFill>
-                            <a:srgbClr val="0D0D0D"/>
-                          </a:solidFill>
-                          <a:latin typeface="Calibri"/>
-                        </a:rPr>
-                        <a:t>Se debe monitorear todas las Ejecuciones?</a:t>
-                      </a:r>
-                      <a:endParaRPr lang="es-CO" sz="1600" b="0" strike="noStrike" spc="-1">
-                        <a:latin typeface="Arial"/>
-                      </a:endParaRPr>
-                    </a:p>
-                  </a:txBody>
-                  <a:tcPr marL="9360" marR="9360">
-                    <a:lnL w="2880">
-                      <a:solidFill>
-                        <a:srgbClr val="595959"/>
-                      </a:solidFill>
-                    </a:lnL>
-                    <a:lnR w="2880">
-                      <a:solidFill>
-                        <a:srgbClr val="595959"/>
-                      </a:solidFill>
-                    </a:lnR>
-                    <a:lnT w="2880">
-                      <a:solidFill>
-                        <a:srgbClr val="595959"/>
-                      </a:solidFill>
-                    </a:lnT>
-                    <a:lnB w="2880">
-                      <a:solidFill>
-                        <a:srgbClr val="595959"/>
-                      </a:solidFill>
-                    </a:lnB>
-                    <a:solidFill>
-                      <a:srgbClr val="70AD47"/>
-                    </a:solidFill>
-                  </a:tcPr>
-                </a:tc>
-                <a:tc hMerge="1">
-                  <a:txBody>
-                    <a:bodyPr/>
-                    <a:lstStyle/>
-                    <a:p>
-                      <a:endParaRPr lang="es-CO"/>
-                    </a:p>
-                  </a:txBody>
-                  <a:tcPr marL="90000" marR="90000">
-                    <a:solidFill>
-                      <a:srgbClr val="729FCF"/>
-                    </a:solidFill>
-                  </a:tcPr>
-                </a:tc>
-                <a:tc>
-                  <a:txBody>
-                    <a:bodyPr/>
-                    <a:lstStyle/>
-                    <a:p>
-                      <a:pPr>
-                        <a:lnSpc>
-                          <a:spcPct val="100000"/>
-                        </a:lnSpc>
-                      </a:pPr>
-                      <a:r>
-                        <a:rPr lang="es-ES" sz="1400" b="0" strike="noStrike" spc="-1">
-                          <a:solidFill>
-                            <a:srgbClr val="000000"/>
-                          </a:solidFill>
-                          <a:latin typeface="Calibri"/>
-                        </a:rPr>
-                        <a:t>No</a:t>
-                      </a:r>
-                      <a:endParaRPr lang="es-CO" sz="1400" b="0" strike="noStrike" spc="-1">
-                        <a:latin typeface="Arial"/>
-                      </a:endParaRPr>
-                    </a:p>
-                  </a:txBody>
-                  <a:tcPr marL="9360" marR="9360">
-                    <a:lnL w="2880">
-                      <a:solidFill>
-                        <a:srgbClr val="595959"/>
-                      </a:solidFill>
-                    </a:lnL>
-                    <a:lnR w="2880">
-                      <a:solidFill>
-                        <a:srgbClr val="595959"/>
-                      </a:solidFill>
-                    </a:lnR>
-                    <a:lnT w="2880">
-                      <a:solidFill>
-                        <a:srgbClr val="595959"/>
-                      </a:solidFill>
-                    </a:lnT>
-                    <a:lnB w="2880">
-                      <a:solidFill>
-                        <a:srgbClr val="595959"/>
-                      </a:solidFill>
-                    </a:lnB>
-                    <a:noFill/>
-                  </a:tcPr>
-                </a:tc>
-                <a:tc>
-                  <a:txBody>
-                    <a:bodyPr/>
-                    <a:lstStyle/>
-                    <a:p>
-                      <a:pPr>
-                        <a:lnSpc>
-                          <a:spcPct val="100000"/>
-                        </a:lnSpc>
-                      </a:pPr>
-                      <a:r>
-                        <a:rPr lang="es-ES" sz="1800" b="0" strike="noStrike" spc="-1">
-                          <a:solidFill>
-                            <a:srgbClr val="0D0D0D"/>
-                          </a:solidFill>
-                          <a:latin typeface="Calibri"/>
-                        </a:rPr>
-                        <a:t>Criticidad del Flujo?</a:t>
-                      </a:r>
-                      <a:endParaRPr lang="es-CO" sz="1800" b="0" strike="noStrike" spc="-1">
-                        <a:latin typeface="Arial"/>
-                      </a:endParaRPr>
-                    </a:p>
-                  </a:txBody>
-                  <a:tcPr marL="9360" marR="9360">
-                    <a:lnL w="2880">
-                      <a:solidFill>
-                        <a:srgbClr val="595959"/>
-                      </a:solidFill>
-                    </a:lnL>
-                    <a:lnR w="2880">
-                      <a:solidFill>
-                        <a:srgbClr val="595959"/>
-                      </a:solidFill>
-                    </a:lnR>
-                    <a:lnT w="2880">
-                      <a:solidFill>
-                        <a:srgbClr val="595959"/>
-                      </a:solidFill>
-                    </a:lnT>
-                    <a:lnB w="2880">
-                      <a:solidFill>
-                        <a:srgbClr val="595959"/>
-                      </a:solidFill>
-                    </a:lnB>
-                    <a:solidFill>
-                      <a:srgbClr val="70AD47"/>
-                    </a:solidFill>
-                  </a:tcPr>
-                </a:tc>
-                <a:tc>
-                  <a:txBody>
-                    <a:bodyPr/>
-                    <a:lstStyle/>
-                    <a:p>
-                      <a:pPr>
-                        <a:lnSpc>
-                          <a:spcPct val="100000"/>
-                        </a:lnSpc>
-                      </a:pPr>
-                      <a:r>
-                        <a:rPr lang="es-ES" sz="1200" b="0" strike="noStrike" spc="-1" dirty="0">
-                          <a:solidFill>
-                            <a:srgbClr val="000000"/>
-                          </a:solidFill>
-                          <a:latin typeface="Verdana"/>
-                        </a:rPr>
-                        <a:t>Media</a:t>
-                      </a:r>
-                      <a:endParaRPr lang="es-CO" sz="1200" b="0" strike="noStrike" spc="-1" dirty="0">
-                        <a:latin typeface="Arial"/>
-                      </a:endParaRPr>
-                    </a:p>
-                  </a:txBody>
-                  <a:tcPr marL="9360" marR="9360">
-                    <a:lnL w="2880">
-                      <a:solidFill>
-                        <a:srgbClr val="595959"/>
-                      </a:solidFill>
-                    </a:lnL>
-                    <a:lnR w="2880">
-                      <a:solidFill>
-                        <a:srgbClr val="595959"/>
-                      </a:solidFill>
-                    </a:lnR>
-                    <a:lnT w="2880">
-                      <a:solidFill>
-                        <a:srgbClr val="595959"/>
-                      </a:solidFill>
-                    </a:lnT>
-                    <a:lnB w="2880">
-                      <a:solidFill>
-                        <a:srgbClr val="595959"/>
-                      </a:solidFill>
-                    </a:lnB>
-                    <a:noFill/>
-                  </a:tcPr>
-                </a:tc>
-                <a:extLst>
-                  <a:ext uri="{0D108BD9-81ED-4DB2-BD59-A6C34878D82A}">
-                    <a16:rowId xmlns:a16="http://schemas.microsoft.com/office/drawing/2014/main" val="10003"/>
-                  </a:ext>
-                </a:extLst>
-              </a:tr>
-              <a:tr h="585360">
-                <a:tc gridSpan="2">
-                  <a:txBody>
-                    <a:bodyPr/>
-                    <a:lstStyle/>
-                    <a:p>
-                      <a:pPr>
-                        <a:lnSpc>
-                          <a:spcPct val="100000"/>
-                        </a:lnSpc>
-                      </a:pPr>
-                      <a:r>
-                        <a:rPr lang="es-ES" sz="1600" b="0" strike="noStrike" spc="-1">
-                          <a:solidFill>
-                            <a:srgbClr val="0D0D0D"/>
-                          </a:solidFill>
-                          <a:latin typeface="Calibri"/>
-                        </a:rPr>
-                        <a:t>Observaciones: </a:t>
-                      </a:r>
-                      <a:endParaRPr lang="es-CO" sz="1600" b="0" strike="noStrike" spc="-1">
-                        <a:latin typeface="Arial"/>
-                      </a:endParaRPr>
-                    </a:p>
-                  </a:txBody>
-                  <a:tcPr marL="9360" marR="9360">
-                    <a:lnL w="2880">
-                      <a:solidFill>
-                        <a:srgbClr val="595959"/>
-                      </a:solidFill>
-                    </a:lnL>
-                    <a:lnR w="2880">
-                      <a:solidFill>
-                        <a:srgbClr val="595959"/>
-                      </a:solidFill>
-                    </a:lnR>
-                    <a:lnT w="2880">
-                      <a:solidFill>
-                        <a:srgbClr val="595959"/>
-                      </a:solidFill>
-                    </a:lnT>
-                    <a:lnB w="2880">
-                      <a:solidFill>
-                        <a:srgbClr val="595959"/>
-                      </a:solidFill>
-                    </a:lnB>
-                    <a:solidFill>
-                      <a:srgbClr val="70AD47"/>
-                    </a:solidFill>
-                  </a:tcPr>
-                </a:tc>
-                <a:tc hMerge="1">
-                  <a:txBody>
-                    <a:bodyPr/>
-                    <a:lstStyle/>
-                    <a:p>
-                      <a:endParaRPr lang="es-CO"/>
-                    </a:p>
-                  </a:txBody>
-                  <a:tcPr marL="90000" marR="90000">
-                    <a:solidFill>
-                      <a:srgbClr val="729FCF"/>
-                    </a:solidFill>
-                  </a:tcPr>
-                </a:tc>
-                <a:tc gridSpan="3">
-                  <a:txBody>
-                    <a:bodyPr/>
-                    <a:lstStyle/>
-                    <a:p>
-                      <a:endParaRPr lang="es-CO" dirty="0"/>
-                    </a:p>
-                  </a:txBody>
-                  <a:tcPr marL="9360" marR="9360">
-                    <a:lnL w="2880">
-                      <a:solidFill>
-                        <a:srgbClr val="595959"/>
-                      </a:solidFill>
-                    </a:lnL>
-                    <a:lnR w="2880">
-                      <a:solidFill>
-                        <a:srgbClr val="595959"/>
-                      </a:solidFill>
-                    </a:lnR>
-                    <a:lnT w="2880">
-                      <a:solidFill>
-                        <a:srgbClr val="595959"/>
-                      </a:solidFill>
-                    </a:lnT>
-                    <a:lnB w="2880">
-                      <a:solidFill>
-                        <a:srgbClr val="595959"/>
-                      </a:solidFill>
-                    </a:lnB>
-                    <a:noFill/>
-                  </a:tcPr>
-                </a:tc>
-                <a:tc hMerge="1">
-                  <a:txBody>
-                    <a:bodyPr/>
-                    <a:lstStyle/>
-                    <a:p>
-                      <a:endParaRPr lang="es-CO"/>
-                    </a:p>
-                  </a:txBody>
-                  <a:tcPr marL="90000" marR="90000">
-                    <a:solidFill>
-                      <a:srgbClr val="729FCF"/>
-                    </a:solidFill>
-                  </a:tcPr>
-                </a:tc>
-                <a:tc hMerge="1">
-                  <a:txBody>
-                    <a:bodyPr/>
-                    <a:lstStyle/>
-                    <a:p>
-                      <a:endParaRPr lang="es-CO"/>
-                    </a:p>
-                  </a:txBody>
-                  <a:tcPr marL="90000" marR="90000">
-                    <a:solidFill>
-                      <a:srgbClr val="729FCF"/>
-                    </a:solidFill>
-                  </a:tcPr>
-                </a:tc>
-                <a:extLst>
-                  <a:ext uri="{0D108BD9-81ED-4DB2-BD59-A6C34878D82A}">
-                    <a16:rowId xmlns:a16="http://schemas.microsoft.com/office/drawing/2014/main" val="10004"/>
-                  </a:ext>
-                </a:extLst>
-              </a:tr>
-            </a:tbl>
-          </a:graphicData>
-        </a:graphic>
-      </p:graphicFrame>
       <p:sp>
         <p:nvSpPr>
-          <p:cNvPr id="197" name="CustomShape 2"/>
+          <p:cNvPr id="210" name="CustomShape 1"/>
           <p:cNvSpPr/>
           <p:nvPr/>
         </p:nvSpPr>
         <p:spPr>
           <a:xfrm>
-            <a:off x="547182" y="457200"/>
-            <a:ext cx="6644160" cy="455760"/>
+            <a:off x="337320" y="493200"/>
+            <a:ext cx="6643440" cy="455400"/>
           </a:xfrm>
           <a:prstGeom prst="rect">
             <a:avLst/>
@@ -22552,22 +21885,49 @@
           </a:bodyPr>
           <a:lstStyle/>
           <a:p>
-            <a:pPr>
+            <a:pPr marL="0" marR="0" lvl="0" indent="0" algn="l" defTabSz="914400" rtl="0" eaLnBrk="1" fontAlgn="auto" latinLnBrk="0" hangingPunct="1">
               <a:lnSpc>
                 <a:spcPct val="100000"/>
               </a:lnSpc>
+              <a:spcBef>
+                <a:spcPts val="0"/>
+              </a:spcBef>
+              <a:spcAft>
+                <a:spcPts val="0"/>
+              </a:spcAft>
+              <a:buClrTx/>
+              <a:buSzTx/>
+              <a:buFontTx/>
+              <a:buNone/>
+              <a:tabLst/>
+              <a:defRPr/>
             </a:pPr>
             <a:r>
-              <a:rPr lang="es-ES" sz="2400" b="1" strike="noStrike" spc="-1" dirty="0">
+              <a:rPr kumimoji="0" lang="es-ES" sz="2400" b="1" i="0" u="none" strike="noStrike" kern="1200" cap="none" spc="-1" normalizeH="0" baseline="0" noProof="0">
+                <a:ln>
+                  <a:noFill/>
+                </a:ln>
                 <a:solidFill>
                   <a:srgbClr val="3E3E3E"/>
                 </a:solidFill>
+                <a:effectLst/>
+                <a:uLnTx/>
+                <a:uFillTx/>
                 <a:latin typeface="Verdana"/>
                 <a:ea typeface="Verdana"/>
               </a:rPr>
               <a:t>EJECUCION DEL FLUJO Y MONITOREO</a:t>
             </a:r>
-            <a:endParaRPr lang="es-CO" sz="2400" b="0" strike="noStrike" spc="-1" dirty="0">
+            <a:endParaRPr kumimoji="0" lang="es-CO" sz="2400" b="0" i="0" u="none" strike="noStrike" kern="1200" cap="none" spc="-1" normalizeH="0" baseline="0" noProof="0">
+              <a:ln>
+                <a:noFill/>
+              </a:ln>
+              <a:solidFill>
+                <a:prstClr val="black"/>
+              </a:solidFill>
+              <a:effectLst/>
+              <a:uLnTx/>
+              <a:uFillTx/>
               <a:latin typeface="Arial"/>
             </a:endParaRPr>
           </a:p>
@@ -22575,14 +21935,14 @@
       </p:sp>
       <p:sp>
         <p:nvSpPr>
-          <p:cNvPr id="198" name="CustomShape 3"/>
+          <p:cNvPr id="211" name="CustomShape 2"/>
           <p:cNvSpPr/>
           <p:nvPr/>
         </p:nvSpPr>
         <p:spPr>
           <a:xfrm>
-            <a:off x="6445800" y="4670280"/>
-            <a:ext cx="5440680" cy="638640"/>
+            <a:off x="6558341" y="5007579"/>
+            <a:ext cx="5439960" cy="638280"/>
           </a:xfrm>
           <a:prstGeom prst="rect">
             <a:avLst/>
@@ -22610,42 +21970,128 @@
           </a:bodyPr>
           <a:lstStyle/>
           <a:p>
-            <a:pPr>
+            <a:pPr marL="0" marR="0" lvl="0" indent="0" algn="l" defTabSz="914400" rtl="0" eaLnBrk="1" fontAlgn="auto" latinLnBrk="0" hangingPunct="1">
               <a:lnSpc>
                 <a:spcPct val="100000"/>
               </a:lnSpc>
+              <a:spcBef>
+                <a:spcPts val="0"/>
+              </a:spcBef>
+              <a:spcAft>
+                <a:spcPts val="0"/>
+              </a:spcAft>
+              <a:buClrTx/>
+              <a:buSzTx/>
+              <a:buFontTx/>
+              <a:buNone/>
+              <a:tabLst/>
+              <a:defRPr/>
             </a:pPr>
             <a:r>
-              <a:rPr lang="es-ES" sz="1800" b="0" strike="noStrike" spc="-1">
+              <a:rPr kumimoji="0" lang="es-ES" sz="1800" b="0" i="0" u="none" strike="noStrike" kern="1200" cap="none" spc="-1" normalizeH="0" baseline="0" noProof="0" dirty="0">
+                <a:ln>
+                  <a:noFill/>
+                </a:ln>
                 <a:solidFill>
                   <a:srgbClr val="000000"/>
                 </a:solidFill>
+                <a:effectLst/>
+                <a:uLnTx/>
+                <a:uFillTx/>
                 <a:latin typeface="Verdana"/>
                 <a:ea typeface="DejaVu Sans"/>
               </a:rPr>
               <a:t>Ruta de logs para monitorear:</a:t>
             </a:r>
-            <a:endParaRPr lang="es-CO" sz="1800" b="0" strike="noStrike" spc="-1">
+            <a:endParaRPr kumimoji="0" lang="es-CO" sz="1800" b="0" i="0" u="none" strike="noStrike" kern="1200" cap="none" spc="-1" normalizeH="0" baseline="0" noProof="0" dirty="0">
+              <a:ln>
+                <a:noFill/>
+              </a:ln>
+              <a:solidFill>
+                <a:prstClr val="black"/>
+              </a:solidFill>
+              <a:effectLst/>
+              <a:uLnTx/>
+              <a:uFillTx/>
               <a:latin typeface="Arial"/>
             </a:endParaRPr>
           </a:p>
           <a:p>
-            <a:pPr>
+            <a:pPr marL="0" marR="0" lvl="0" indent="0" algn="l" defTabSz="914400" rtl="0" eaLnBrk="1" fontAlgn="auto" latinLnBrk="0" hangingPunct="1">
               <a:lnSpc>
                 <a:spcPct val="100000"/>
               </a:lnSpc>
+              <a:spcBef>
+                <a:spcPts val="0"/>
+              </a:spcBef>
+              <a:spcAft>
+                <a:spcPts val="0"/>
+              </a:spcAft>
+              <a:buClrTx/>
+              <a:buSzTx/>
+              <a:buFontTx/>
+              <a:buNone/>
+              <a:tabLst/>
+              <a:defRPr/>
             </a:pPr>
             <a:r>
-              <a:rPr lang="es-ES" sz="1800" b="0" strike="noStrike" spc="-1">
+              <a:rPr kumimoji="0" lang="es-ES" sz="1800" b="0" i="0" u="none" strike="noStrike" kern="1200" cap="none" spc="-1" normalizeH="0" baseline="0" noProof="0" dirty="0">
+                <a:ln>
+                  <a:noFill/>
+                </a:ln>
                 <a:solidFill>
                   <a:srgbClr val="000000"/>
                 </a:solidFill>
+                <a:effectLst/>
+                <a:uLnTx/>
+                <a:uFillTx/>
                 <a:latin typeface="Verdana"/>
                 <a:ea typeface="DejaVu Sans"/>
               </a:rPr>
-              <a:t>/gfs/procesos/K7/</a:t>
+              <a:t>/</a:t>
             </a:r>
-            <a:endParaRPr lang="es-CO" sz="1800" b="0" strike="noStrike" spc="-1">
+            <a:r>
+              <a:rPr kumimoji="0" lang="es-ES" sz="1800" b="0" i="0" u="none" strike="noStrike" kern="1200" cap="none" spc="-1" normalizeH="0" baseline="0" noProof="0" dirty="0" err="1">
+                <a:ln>
+                  <a:noFill/>
+                </a:ln>
+                <a:solidFill>
+                  <a:srgbClr val="000000"/>
+                </a:solidFill>
+                <a:effectLst/>
+                <a:uLnTx/>
+                <a:uFillTx/>
+                <a:latin typeface="Verdana"/>
+                <a:ea typeface="DejaVu Sans"/>
+              </a:rPr>
+              <a:t>gfs</a:t>
+            </a:r>
+            <a:r>
+              <a:rPr kumimoji="0" lang="es-ES" sz="1800" b="0" i="0" u="none" strike="noStrike" kern="1200" cap="none" spc="-1" normalizeH="0" baseline="0" noProof="0" dirty="0">
+                <a:ln>
+                  <a:noFill/>
+                </a:ln>
+                <a:solidFill>
+                  <a:srgbClr val="000000"/>
+                </a:solidFill>
+                <a:effectLst/>
+                <a:uLnTx/>
+                <a:uFillTx/>
+                <a:latin typeface="Verdana"/>
+                <a:ea typeface="DejaVu Sans"/>
+              </a:rPr>
+              <a:t>/procesos/K7/</a:t>
+            </a:r>
+            <a:endParaRPr kumimoji="0" lang="es-CO" sz="1800" b="0" i="0" u="none" strike="noStrike" kern="1200" cap="none" spc="-1" normalizeH="0" baseline="0" noProof="0" dirty="0">
+              <a:ln>
+                <a:noFill/>
+              </a:ln>
+              <a:solidFill>
+                <a:prstClr val="black"/>
+              </a:solidFill>
+              <a:effectLst/>
+              <a:uLnTx/>
+              <a:uFillTx/>
               <a:latin typeface="Arial"/>
             </a:endParaRPr>
           </a:p>
@@ -22653,14 +22099,14 @@
       </p:sp>
       <p:sp>
         <p:nvSpPr>
-          <p:cNvPr id="199" name="CustomShape 4"/>
+          <p:cNvPr id="212" name="CustomShape 3"/>
           <p:cNvSpPr/>
           <p:nvPr/>
         </p:nvSpPr>
         <p:spPr>
           <a:xfrm>
-            <a:off x="659520" y="4736520"/>
-            <a:ext cx="4756320" cy="1187280"/>
+            <a:off x="561046" y="4989420"/>
+            <a:ext cx="4755600" cy="1186920"/>
           </a:xfrm>
           <a:prstGeom prst="rect">
             <a:avLst/>
@@ -22688,87 +22134,3454 @@
           </a:bodyPr>
           <a:lstStyle/>
           <a:p>
-            <a:pPr>
+            <a:pPr marL="0" marR="0" lvl="0" indent="0" algn="l" defTabSz="914400" rtl="0" eaLnBrk="1" fontAlgn="auto" latinLnBrk="0" hangingPunct="1">
               <a:lnSpc>
                 <a:spcPct val="100000"/>
               </a:lnSpc>
+              <a:spcBef>
+                <a:spcPts val="0"/>
+              </a:spcBef>
+              <a:spcAft>
+                <a:spcPts val="0"/>
+              </a:spcAft>
+              <a:buClrTx/>
+              <a:buSzTx/>
+              <a:buFontTx/>
+              <a:buNone/>
+              <a:tabLst/>
+              <a:defRPr/>
             </a:pPr>
             <a:r>
-              <a:rPr lang="es-ES" sz="1800" b="0" strike="noStrike" spc="-1">
+              <a:rPr kumimoji="0" lang="es-ES" sz="1800" b="0" i="0" u="none" strike="noStrike" kern="1200" cap="none" spc="-1" normalizeH="0" baseline="0" noProof="0" dirty="0">
+                <a:ln>
+                  <a:noFill/>
+                </a:ln>
                 <a:solidFill>
                   <a:srgbClr val="000000"/>
                 </a:solidFill>
+                <a:effectLst/>
+                <a:uLnTx/>
+                <a:uFillTx/>
                 <a:latin typeface="Verdana"/>
                 <a:ea typeface="DejaVu Sans"/>
               </a:rPr>
               <a:t>Criticidad</a:t>
             </a:r>
-            <a:endParaRPr lang="es-CO" sz="1800" b="0" strike="noStrike" spc="-1">
+            <a:endParaRPr kumimoji="0" lang="es-CO" sz="1800" b="0" i="0" u="none" strike="noStrike" kern="1200" cap="none" spc="-1" normalizeH="0" baseline="0" noProof="0" dirty="0">
+              <a:ln>
+                <a:noFill/>
+              </a:ln>
+              <a:solidFill>
+                <a:prstClr val="black"/>
+              </a:solidFill>
+              <a:effectLst/>
+              <a:uLnTx/>
+              <a:uFillTx/>
               <a:latin typeface="Arial"/>
             </a:endParaRPr>
           </a:p>
           <a:p>
-            <a:pPr>
+            <a:pPr marL="0" marR="0" lvl="0" indent="0" algn="l" defTabSz="914400" rtl="0" eaLnBrk="1" fontAlgn="auto" latinLnBrk="0" hangingPunct="1">
               <a:lnSpc>
                 <a:spcPct val="100000"/>
               </a:lnSpc>
+              <a:spcBef>
+                <a:spcPts val="0"/>
+              </a:spcBef>
+              <a:spcAft>
+                <a:spcPts val="0"/>
+              </a:spcAft>
+              <a:buClrTx/>
+              <a:buSzTx/>
+              <a:buFontTx/>
+              <a:buNone/>
+              <a:tabLst/>
+              <a:defRPr/>
             </a:pPr>
             <a:r>
-              <a:rPr lang="es-ES" sz="1800" b="0" strike="noStrike" spc="-1">
+              <a:rPr kumimoji="0" lang="es-ES" sz="1800" b="0" i="0" u="none" strike="noStrike" kern="1200" cap="none" spc="-1" normalizeH="0" baseline="0" noProof="0" dirty="0">
+                <a:ln>
+                  <a:noFill/>
+                </a:ln>
                 <a:solidFill>
                   <a:srgbClr val="000000"/>
                 </a:solidFill>
+                <a:effectLst/>
+                <a:uLnTx/>
+                <a:uFillTx/>
                 <a:latin typeface="Verdana"/>
                 <a:ea typeface="DejaVu Sans"/>
               </a:rPr>
               <a:t>Alta: Cada ejecución se monitorea.</a:t>
             </a:r>
-            <a:endParaRPr lang="es-CO" sz="1800" b="0" strike="noStrike" spc="-1">
+            <a:endParaRPr kumimoji="0" lang="es-CO" sz="1800" b="0" i="0" u="none" strike="noStrike" kern="1200" cap="none" spc="-1" normalizeH="0" baseline="0" noProof="0" dirty="0">
+              <a:ln>
+                <a:noFill/>
+              </a:ln>
+              <a:solidFill>
+                <a:prstClr val="black"/>
+              </a:solidFill>
+              <a:effectLst/>
+              <a:uLnTx/>
+              <a:uFillTx/>
               <a:latin typeface="Arial"/>
             </a:endParaRPr>
           </a:p>
           <a:p>
-            <a:pPr>
+            <a:pPr marL="0" marR="0" lvl="0" indent="0" algn="l" defTabSz="914400" rtl="0" eaLnBrk="1" fontAlgn="auto" latinLnBrk="0" hangingPunct="1">
               <a:lnSpc>
                 <a:spcPct val="100000"/>
               </a:lnSpc>
+              <a:spcBef>
+                <a:spcPts val="0"/>
+              </a:spcBef>
+              <a:spcAft>
+                <a:spcPts val="0"/>
+              </a:spcAft>
+              <a:buClrTx/>
+              <a:buSzTx/>
+              <a:buFontTx/>
+              <a:buNone/>
+              <a:tabLst/>
+              <a:defRPr/>
             </a:pPr>
             <a:r>
-              <a:rPr lang="es-ES" sz="1800" b="0" strike="noStrike" spc="-1">
+              <a:rPr kumimoji="0" lang="es-ES" sz="1800" b="0" i="0" u="none" strike="noStrike" kern="1200" cap="none" spc="-1" normalizeH="0" baseline="0" noProof="0" dirty="0">
+                <a:ln>
+                  <a:noFill/>
+                </a:ln>
                 <a:solidFill>
                   <a:srgbClr val="000000"/>
                 </a:solidFill>
+                <a:effectLst/>
+                <a:uLnTx/>
+                <a:uFillTx/>
                 <a:latin typeface="Verdana"/>
                 <a:ea typeface="DejaVu Sans"/>
               </a:rPr>
               <a:t>Media: el 70% de las ejecuciones.</a:t>
             </a:r>
-            <a:endParaRPr lang="es-CO" sz="1800" b="0" strike="noStrike" spc="-1">
+            <a:endParaRPr kumimoji="0" lang="es-CO" sz="1800" b="0" i="0" u="none" strike="noStrike" kern="1200" cap="none" spc="-1" normalizeH="0" baseline="0" noProof="0" dirty="0">
+              <a:ln>
+                <a:noFill/>
+              </a:ln>
+              <a:solidFill>
+                <a:prstClr val="black"/>
+              </a:solidFill>
+              <a:effectLst/>
+              <a:uLnTx/>
+              <a:uFillTx/>
               <a:latin typeface="Arial"/>
             </a:endParaRPr>
           </a:p>
           <a:p>
-            <a:pPr>
+            <a:pPr marL="0" marR="0" lvl="0" indent="0" algn="l" defTabSz="914400" rtl="0" eaLnBrk="1" fontAlgn="auto" latinLnBrk="0" hangingPunct="1">
               <a:lnSpc>
                 <a:spcPct val="100000"/>
               </a:lnSpc>
+              <a:spcBef>
+                <a:spcPts val="0"/>
+              </a:spcBef>
+              <a:spcAft>
+                <a:spcPts val="0"/>
+              </a:spcAft>
+              <a:buClrTx/>
+              <a:buSzTx/>
+              <a:buFontTx/>
+              <a:buNone/>
+              <a:tabLst/>
+              <a:defRPr/>
             </a:pPr>
             <a:r>
-              <a:rPr lang="es-ES" sz="1800" b="0" strike="noStrike" spc="-1">
+              <a:rPr kumimoji="0" lang="es-ES" sz="1800" b="0" i="0" u="none" strike="noStrike" kern="1200" cap="none" spc="-1" normalizeH="0" baseline="0" noProof="0" dirty="0">
+                <a:ln>
+                  <a:noFill/>
+                </a:ln>
                 <a:solidFill>
                   <a:srgbClr val="000000"/>
                 </a:solidFill>
+                <a:effectLst/>
+                <a:uLnTx/>
+                <a:uFillTx/>
                 <a:latin typeface="Verdana"/>
                 <a:ea typeface="DejaVu Sans"/>
               </a:rPr>
               <a:t>Baja: 1 Ejecución al día correctamente.</a:t>
             </a:r>
-            <a:endParaRPr lang="es-CO" sz="1800" b="0" strike="noStrike" spc="-1">
+            <a:endParaRPr kumimoji="0" lang="es-CO" sz="1800" b="0" i="0" u="none" strike="noStrike" kern="1200" cap="none" spc="-1" normalizeH="0" baseline="0" noProof="0" dirty="0">
+              <a:ln>
+                <a:noFill/>
+              </a:ln>
+              <a:solidFill>
+                <a:prstClr val="black"/>
+              </a:solidFill>
+              <a:effectLst/>
+              <a:uLnTx/>
+              <a:uFillTx/>
               <a:latin typeface="Arial"/>
             </a:endParaRPr>
           </a:p>
         </p:txBody>
       </p:sp>
+      <p:graphicFrame>
+        <p:nvGraphicFramePr>
+          <p:cNvPr id="213" name="Table 4"/>
+          <p:cNvGraphicFramePr/>
+          <p:nvPr>
+            <p:extLst>
+              <p:ext uri="{D42A27DB-BD31-4B8C-83A1-F6EECF244321}">
+                <p14:modId xmlns:p14="http://schemas.microsoft.com/office/powerpoint/2010/main" val="3632894087"/>
+              </p:ext>
+            </p:extLst>
+          </p:nvPr>
+        </p:nvGraphicFramePr>
+        <p:xfrm>
+          <a:off x="192974" y="948601"/>
+          <a:ext cx="11489040" cy="4044278"/>
+        </p:xfrm>
+        <a:graphic>
+          <a:graphicData uri="http://schemas.openxmlformats.org/drawingml/2006/table">
+            <a:tbl>
+              <a:tblPr/>
+              <a:tblGrid>
+                <a:gridCol w="3963240">
+                  <a:extLst>
+                    <a:ext uri="{9D8B030D-6E8A-4147-A177-3AD203B41FA5}">
+                      <a16:colId xmlns:a16="http://schemas.microsoft.com/office/drawing/2014/main" val="20000"/>
+                    </a:ext>
+                  </a:extLst>
+                </a:gridCol>
+                <a:gridCol w="1143000">
+                  <a:extLst>
+                    <a:ext uri="{9D8B030D-6E8A-4147-A177-3AD203B41FA5}">
+                      <a16:colId xmlns:a16="http://schemas.microsoft.com/office/drawing/2014/main" val="20001"/>
+                    </a:ext>
+                  </a:extLst>
+                </a:gridCol>
+                <a:gridCol w="1006920">
+                  <a:extLst>
+                    <a:ext uri="{9D8B030D-6E8A-4147-A177-3AD203B41FA5}">
+                      <a16:colId xmlns:a16="http://schemas.microsoft.com/office/drawing/2014/main" val="20002"/>
+                    </a:ext>
+                  </a:extLst>
+                </a:gridCol>
+                <a:gridCol w="1170360">
+                  <a:extLst>
+                    <a:ext uri="{9D8B030D-6E8A-4147-A177-3AD203B41FA5}">
+                      <a16:colId xmlns:a16="http://schemas.microsoft.com/office/drawing/2014/main" val="20003"/>
+                    </a:ext>
+                  </a:extLst>
+                </a:gridCol>
+                <a:gridCol w="1197360">
+                  <a:extLst>
+                    <a:ext uri="{9D8B030D-6E8A-4147-A177-3AD203B41FA5}">
+                      <a16:colId xmlns:a16="http://schemas.microsoft.com/office/drawing/2014/main" val="20004"/>
+                    </a:ext>
+                  </a:extLst>
+                </a:gridCol>
+                <a:gridCol w="1769040">
+                  <a:extLst>
+                    <a:ext uri="{9D8B030D-6E8A-4147-A177-3AD203B41FA5}">
+                      <a16:colId xmlns:a16="http://schemas.microsoft.com/office/drawing/2014/main" val="20005"/>
+                    </a:ext>
+                  </a:extLst>
+                </a:gridCol>
+                <a:gridCol w="1239120">
+                  <a:extLst>
+                    <a:ext uri="{9D8B030D-6E8A-4147-A177-3AD203B41FA5}">
+                      <a16:colId xmlns:a16="http://schemas.microsoft.com/office/drawing/2014/main" val="20006"/>
+                    </a:ext>
+                  </a:extLst>
+                </a:gridCol>
+              </a:tblGrid>
+              <a:tr h="852981">
+                <a:tc>
+                  <a:txBody>
+                    <a:bodyPr/>
+                    <a:lstStyle/>
+                    <a:p>
+                      <a:pPr algn="ctr">
+                        <a:lnSpc>
+                          <a:spcPct val="100000"/>
+                        </a:lnSpc>
+                      </a:pPr>
+                      <a:r>
+                        <a:rPr lang="es-CO" sz="1800" b="0" strike="noStrike" spc="-1">
+                          <a:latin typeface="Arial"/>
+                        </a:rPr>
+                        <a:t>Nombre</a:t>
+                      </a:r>
+                    </a:p>
+                  </a:txBody>
+                  <a:tcPr marL="90000" marR="90000">
+                    <a:lnL w="720">
+                      <a:solidFill>
+                        <a:srgbClr val="FFFFFF"/>
+                      </a:solidFill>
+                    </a:lnL>
+                    <a:lnR w="720">
+                      <a:solidFill>
+                        <a:srgbClr val="FFFFFF"/>
+                      </a:solidFill>
+                    </a:lnR>
+                    <a:lnT w="720">
+                      <a:solidFill>
+                        <a:srgbClr val="FFFFFF"/>
+                      </a:solidFill>
+                    </a:lnT>
+                    <a:lnB w="720" cap="flat" cmpd="sng" algn="ctr">
+                      <a:solidFill>
+                        <a:srgbClr val="FFFFFF"/>
+                      </a:solidFill>
+                      <a:prstDash val="solid"/>
+                      <a:round/>
+                      <a:headEnd type="none" w="med" len="med"/>
+                      <a:tailEnd type="none" w="med" len="med"/>
+                    </a:lnB>
+                    <a:solidFill>
+                      <a:srgbClr val="B3B3B3"/>
+                    </a:solidFill>
+                  </a:tcPr>
+                </a:tc>
+                <a:tc>
+                  <a:txBody>
+                    <a:bodyPr/>
+                    <a:lstStyle/>
+                    <a:p>
+                      <a:pPr algn="ctr">
+                        <a:lnSpc>
+                          <a:spcPct val="100000"/>
+                        </a:lnSpc>
+                      </a:pPr>
+                      <a:r>
+                        <a:rPr lang="es-CO" sz="1800" b="0" strike="noStrike" spc="-1" dirty="0" err="1">
+                          <a:latin typeface="Arial"/>
+                        </a:rPr>
+                        <a:t>Dias</a:t>
+                      </a:r>
+                      <a:r>
+                        <a:rPr lang="es-CO" sz="1800" b="0" strike="noStrike" spc="-1" dirty="0">
+                          <a:latin typeface="Arial"/>
+                        </a:rPr>
+                        <a:t> de </a:t>
+                      </a:r>
+                      <a:r>
+                        <a:rPr lang="es-CO" sz="1800" b="0" strike="noStrike" spc="-1" dirty="0" err="1">
+                          <a:latin typeface="Arial"/>
+                        </a:rPr>
+                        <a:t>ejecucion</a:t>
+                      </a:r>
+                      <a:endParaRPr lang="es-CO" sz="1800" b="0" strike="noStrike" spc="-1" dirty="0">
+                        <a:latin typeface="Arial"/>
+                      </a:endParaRPr>
+                    </a:p>
+                  </a:txBody>
+                  <a:tcPr marL="90000" marR="90000">
+                    <a:lnL w="720">
+                      <a:solidFill>
+                        <a:srgbClr val="FFFFFF"/>
+                      </a:solidFill>
+                    </a:lnL>
+                    <a:lnR w="720">
+                      <a:solidFill>
+                        <a:srgbClr val="FFFFFF"/>
+                      </a:solidFill>
+                    </a:lnR>
+                    <a:lnT w="720">
+                      <a:solidFill>
+                        <a:srgbClr val="FFFFFF"/>
+                      </a:solidFill>
+                    </a:lnT>
+                    <a:lnB w="720" cap="flat" cmpd="sng" algn="ctr">
+                      <a:solidFill>
+                        <a:srgbClr val="FFFFFF"/>
+                      </a:solidFill>
+                      <a:prstDash val="solid"/>
+                      <a:round/>
+                      <a:headEnd type="none" w="med" len="med"/>
+                      <a:tailEnd type="none" w="med" len="med"/>
+                    </a:lnB>
+                    <a:solidFill>
+                      <a:srgbClr val="B3B3B3"/>
+                    </a:solidFill>
+                  </a:tcPr>
+                </a:tc>
+                <a:tc>
+                  <a:txBody>
+                    <a:bodyPr/>
+                    <a:lstStyle/>
+                    <a:p>
+                      <a:pPr algn="ctr">
+                        <a:lnSpc>
+                          <a:spcPct val="100000"/>
+                        </a:lnSpc>
+                      </a:pPr>
+                      <a:r>
+                        <a:rPr lang="es-CO" sz="1800" b="0" strike="noStrike" spc="-1">
+                          <a:latin typeface="Arial"/>
+                        </a:rPr>
+                        <a:t>Dias festivos?</a:t>
+                      </a:r>
+                    </a:p>
+                  </a:txBody>
+                  <a:tcPr marL="90000" marR="90000">
+                    <a:lnL w="720">
+                      <a:solidFill>
+                        <a:srgbClr val="FFFFFF"/>
+                      </a:solidFill>
+                    </a:lnL>
+                    <a:lnR w="720">
+                      <a:solidFill>
+                        <a:srgbClr val="FFFFFF"/>
+                      </a:solidFill>
+                    </a:lnR>
+                    <a:lnT w="720">
+                      <a:solidFill>
+                        <a:srgbClr val="FFFFFF"/>
+                      </a:solidFill>
+                    </a:lnT>
+                    <a:lnB w="720" cap="flat" cmpd="sng" algn="ctr">
+                      <a:solidFill>
+                        <a:srgbClr val="FFFFFF"/>
+                      </a:solidFill>
+                      <a:prstDash val="solid"/>
+                      <a:round/>
+                      <a:headEnd type="none" w="med" len="med"/>
+                      <a:tailEnd type="none" w="med" len="med"/>
+                    </a:lnB>
+                    <a:solidFill>
+                      <a:srgbClr val="B3B3B3"/>
+                    </a:solidFill>
+                  </a:tcPr>
+                </a:tc>
+                <a:tc>
+                  <a:txBody>
+                    <a:bodyPr/>
+                    <a:lstStyle/>
+                    <a:p>
+                      <a:pPr algn="ctr">
+                        <a:lnSpc>
+                          <a:spcPct val="100000"/>
+                        </a:lnSpc>
+                      </a:pPr>
+                      <a:r>
+                        <a:rPr lang="es-CO" sz="1800" b="0" strike="noStrike" spc="-1">
+                          <a:latin typeface="Arial"/>
+                        </a:rPr>
+                        <a:t> Hora de ejecucion</a:t>
+                      </a:r>
+                    </a:p>
+                  </a:txBody>
+                  <a:tcPr marL="90000" marR="90000">
+                    <a:lnL w="720">
+                      <a:solidFill>
+                        <a:srgbClr val="FFFFFF"/>
+                      </a:solidFill>
+                    </a:lnL>
+                    <a:lnR w="720">
+                      <a:solidFill>
+                        <a:srgbClr val="FFFFFF"/>
+                      </a:solidFill>
+                    </a:lnR>
+                    <a:lnT w="720">
+                      <a:solidFill>
+                        <a:srgbClr val="FFFFFF"/>
+                      </a:solidFill>
+                    </a:lnT>
+                    <a:lnB w="720" cap="flat" cmpd="sng" algn="ctr">
+                      <a:solidFill>
+                        <a:srgbClr val="FFFFFF"/>
+                      </a:solidFill>
+                      <a:prstDash val="solid"/>
+                      <a:round/>
+                      <a:headEnd type="none" w="med" len="med"/>
+                      <a:tailEnd type="none" w="med" len="med"/>
+                    </a:lnB>
+                    <a:solidFill>
+                      <a:srgbClr val="B3B3B3"/>
+                    </a:solidFill>
+                  </a:tcPr>
+                </a:tc>
+                <a:tc>
+                  <a:txBody>
+                    <a:bodyPr/>
+                    <a:lstStyle/>
+                    <a:p>
+                      <a:pPr algn="ctr">
+                        <a:lnSpc>
+                          <a:spcPct val="100000"/>
+                        </a:lnSpc>
+                      </a:pPr>
+                      <a:r>
+                        <a:rPr lang="es-CO" sz="1800" b="0" strike="noStrike" spc="-1">
+                          <a:latin typeface="Arial"/>
+                        </a:rPr>
+                        <a:t>Minuto de ejecucion</a:t>
+                      </a:r>
+                    </a:p>
+                  </a:txBody>
+                  <a:tcPr marL="90000" marR="90000">
+                    <a:lnL w="720">
+                      <a:solidFill>
+                        <a:srgbClr val="FFFFFF"/>
+                      </a:solidFill>
+                    </a:lnL>
+                    <a:lnR w="720">
+                      <a:solidFill>
+                        <a:srgbClr val="FFFFFF"/>
+                      </a:solidFill>
+                    </a:lnR>
+                    <a:lnT w="720">
+                      <a:solidFill>
+                        <a:srgbClr val="FFFFFF"/>
+                      </a:solidFill>
+                    </a:lnT>
+                    <a:lnB w="720" cap="flat" cmpd="sng" algn="ctr">
+                      <a:solidFill>
+                        <a:srgbClr val="FFFFFF"/>
+                      </a:solidFill>
+                      <a:prstDash val="solid"/>
+                      <a:round/>
+                      <a:headEnd type="none" w="med" len="med"/>
+                      <a:tailEnd type="none" w="med" len="med"/>
+                    </a:lnB>
+                    <a:solidFill>
+                      <a:srgbClr val="B3B3B3"/>
+                    </a:solidFill>
+                  </a:tcPr>
+                </a:tc>
+                <a:tc>
+                  <a:txBody>
+                    <a:bodyPr/>
+                    <a:lstStyle/>
+                    <a:p>
+                      <a:pPr algn="ctr">
+                        <a:lnSpc>
+                          <a:spcPct val="100000"/>
+                        </a:lnSpc>
+                      </a:pPr>
+                      <a:r>
+                        <a:rPr lang="es-CO" sz="1800" b="0" strike="noStrike" spc="-1">
+                          <a:latin typeface="Arial"/>
+                        </a:rPr>
+                        <a:t>Cantidad de ejecuciones al dia</a:t>
+                      </a:r>
+                    </a:p>
+                  </a:txBody>
+                  <a:tcPr marL="90000" marR="90000">
+                    <a:lnL w="720">
+                      <a:solidFill>
+                        <a:srgbClr val="FFFFFF"/>
+                      </a:solidFill>
+                    </a:lnL>
+                    <a:lnR w="720">
+                      <a:solidFill>
+                        <a:srgbClr val="FFFFFF"/>
+                      </a:solidFill>
+                    </a:lnR>
+                    <a:lnT w="720">
+                      <a:solidFill>
+                        <a:srgbClr val="FFFFFF"/>
+                      </a:solidFill>
+                    </a:lnT>
+                    <a:lnB w="720" cap="flat" cmpd="sng" algn="ctr">
+                      <a:solidFill>
+                        <a:srgbClr val="FFFFFF"/>
+                      </a:solidFill>
+                      <a:prstDash val="solid"/>
+                      <a:round/>
+                      <a:headEnd type="none" w="med" len="med"/>
+                      <a:tailEnd type="none" w="med" len="med"/>
+                    </a:lnB>
+                    <a:solidFill>
+                      <a:srgbClr val="B3B3B3"/>
+                    </a:solidFill>
+                  </a:tcPr>
+                </a:tc>
+                <a:tc>
+                  <a:txBody>
+                    <a:bodyPr/>
+                    <a:lstStyle/>
+                    <a:p>
+                      <a:pPr algn="ctr">
+                        <a:lnSpc>
+                          <a:spcPct val="100000"/>
+                        </a:lnSpc>
+                      </a:pPr>
+                      <a:r>
+                        <a:rPr lang="es-CO" sz="1800" b="0" strike="noStrike" spc="-1">
+                          <a:latin typeface="Arial"/>
+                        </a:rPr>
+                        <a:t>Criticidad</a:t>
+                      </a:r>
+                    </a:p>
+                  </a:txBody>
+                  <a:tcPr marL="90000" marR="90000">
+                    <a:lnL w="720">
+                      <a:solidFill>
+                        <a:srgbClr val="FFFFFF"/>
+                      </a:solidFill>
+                    </a:lnL>
+                    <a:lnR w="720">
+                      <a:solidFill>
+                        <a:srgbClr val="FFFFFF"/>
+                      </a:solidFill>
+                    </a:lnR>
+                    <a:lnT w="720">
+                      <a:solidFill>
+                        <a:srgbClr val="FFFFFF"/>
+                      </a:solidFill>
+                    </a:lnT>
+                    <a:lnB w="720" cap="flat" cmpd="sng" algn="ctr">
+                      <a:solidFill>
+                        <a:srgbClr val="FFFFFF"/>
+                      </a:solidFill>
+                      <a:prstDash val="solid"/>
+                      <a:round/>
+                      <a:headEnd type="none" w="med" len="med"/>
+                      <a:tailEnd type="none" w="med" len="med"/>
+                    </a:lnB>
+                    <a:solidFill>
+                      <a:srgbClr val="B3B3B3"/>
+                    </a:solidFill>
+                  </a:tcPr>
+                </a:tc>
+                <a:extLst>
+                  <a:ext uri="{0D108BD9-81ED-4DB2-BD59-A6C34878D82A}">
+                    <a16:rowId xmlns:a16="http://schemas.microsoft.com/office/drawing/2014/main" val="10000"/>
+                  </a:ext>
+                </a:extLst>
+              </a:tr>
+              <a:tr h="369625">
+                <a:tc>
+                  <a:txBody>
+                    <a:bodyPr/>
+                    <a:lstStyle/>
+                    <a:p>
+                      <a:pPr>
+                        <a:lnSpc>
+                          <a:spcPct val="100000"/>
+                        </a:lnSpc>
+                      </a:pPr>
+                      <a:r>
+                        <a:rPr lang="es-ES" sz="1000" b="0" strike="noStrike" spc="-1" dirty="0">
+                          <a:solidFill>
+                            <a:srgbClr val="808080"/>
+                          </a:solidFill>
+                          <a:latin typeface="Verdana"/>
+                          <a:ea typeface="+mn-ea"/>
+                        </a:rPr>
+                        <a:t>RQ35314_Archivos_DetConciliadas_S3_Banco</a:t>
+                      </a:r>
+                    </a:p>
+                    <a:p>
+                      <a:pPr>
+                        <a:lnSpc>
+                          <a:spcPct val="100000"/>
+                        </a:lnSpc>
+                      </a:pPr>
+                      <a:endParaRPr lang="es-ES" sz="1000" b="0" strike="noStrike" spc="-1" dirty="0">
+                        <a:solidFill>
+                          <a:srgbClr val="808080"/>
+                        </a:solidFill>
+                        <a:latin typeface="Verdana"/>
+                        <a:ea typeface="+mn-ea"/>
+                      </a:endParaRPr>
+                    </a:p>
+                  </a:txBody>
+                  <a:tcPr marL="90000" marR="90000">
+                    <a:lnL w="720">
+                      <a:solidFill>
+                        <a:srgbClr val="FFFFFF"/>
+                      </a:solidFill>
+                    </a:lnL>
+                    <a:lnR w="720">
+                      <a:solidFill>
+                        <a:srgbClr val="FFFFFF"/>
+                      </a:solidFill>
+                    </a:lnR>
+                    <a:lnT w="720">
+                      <a:solidFill>
+                        <a:srgbClr val="FFFFFF"/>
+                      </a:solidFill>
+                    </a:lnT>
+                    <a:lnB w="720">
+                      <a:solidFill>
+                        <a:srgbClr val="FFFFFF"/>
+                      </a:solidFill>
+                    </a:lnB>
+                    <a:solidFill>
+                      <a:srgbClr val="CCCCCC"/>
+                    </a:solidFill>
+                  </a:tcPr>
+                </a:tc>
+                <a:tc>
+                  <a:txBody>
+                    <a:bodyPr/>
+                    <a:lstStyle/>
+                    <a:p>
+                      <a:pPr>
+                        <a:lnSpc>
+                          <a:spcPct val="100000"/>
+                        </a:lnSpc>
+                      </a:pPr>
+                      <a:r>
+                        <a:rPr lang="es-CO" sz="1000" b="0" strike="noStrike" spc="-1" dirty="0">
+                          <a:latin typeface="Arial"/>
+                        </a:rPr>
+                        <a:t>Lunes-viernes</a:t>
+                      </a:r>
+                    </a:p>
+                  </a:txBody>
+                  <a:tcPr marL="90000" marR="90000">
+                    <a:lnL w="720">
+                      <a:solidFill>
+                        <a:srgbClr val="FFFFFF"/>
+                      </a:solidFill>
+                    </a:lnL>
+                    <a:lnR w="720">
+                      <a:solidFill>
+                        <a:srgbClr val="FFFFFF"/>
+                      </a:solidFill>
+                    </a:lnR>
+                    <a:lnT w="720">
+                      <a:solidFill>
+                        <a:srgbClr val="FFFFFF"/>
+                      </a:solidFill>
+                    </a:lnT>
+                    <a:lnB w="720" cap="flat" cmpd="sng" algn="ctr">
+                      <a:solidFill>
+                        <a:srgbClr val="FFFFFF"/>
+                      </a:solidFill>
+                      <a:prstDash val="solid"/>
+                      <a:round/>
+                      <a:headEnd type="none" w="med" len="med"/>
+                      <a:tailEnd type="none" w="med" len="med"/>
+                    </a:lnB>
+                    <a:solidFill>
+                      <a:srgbClr val="CCCCCC"/>
+                    </a:solidFill>
+                  </a:tcPr>
+                </a:tc>
+                <a:tc>
+                  <a:txBody>
+                    <a:bodyPr/>
+                    <a:lstStyle/>
+                    <a:p>
+                      <a:r>
+                        <a:rPr lang="es-CO" sz="1000" dirty="0"/>
+                        <a:t>Si</a:t>
+                      </a:r>
+                    </a:p>
+                  </a:txBody>
+                  <a:tcPr marL="90000" marR="90000">
+                    <a:lnL w="720">
+                      <a:solidFill>
+                        <a:srgbClr val="FFFFFF"/>
+                      </a:solidFill>
+                    </a:lnL>
+                    <a:lnR w="720">
+                      <a:solidFill>
+                        <a:srgbClr val="FFFFFF"/>
+                      </a:solidFill>
+                    </a:lnR>
+                    <a:lnT w="720">
+                      <a:solidFill>
+                        <a:srgbClr val="FFFFFF"/>
+                      </a:solidFill>
+                    </a:lnT>
+                    <a:lnB w="720" cap="flat" cmpd="sng" algn="ctr">
+                      <a:solidFill>
+                        <a:srgbClr val="FFFFFF"/>
+                      </a:solidFill>
+                      <a:prstDash val="solid"/>
+                      <a:round/>
+                      <a:headEnd type="none" w="med" len="med"/>
+                      <a:tailEnd type="none" w="med" len="med"/>
+                    </a:lnB>
+                    <a:solidFill>
+                      <a:srgbClr val="CCCCCC"/>
+                    </a:solidFill>
+                  </a:tcPr>
+                </a:tc>
+                <a:tc>
+                  <a:txBody>
+                    <a:bodyPr/>
+                    <a:lstStyle/>
+                    <a:p>
+                      <a:pPr>
+                        <a:lnSpc>
+                          <a:spcPct val="100000"/>
+                        </a:lnSpc>
+                      </a:pPr>
+                      <a:r>
+                        <a:rPr lang="es-CO" sz="1000" b="0" strike="noStrike" spc="-1" dirty="0">
+                          <a:latin typeface="Arial"/>
+                        </a:rPr>
+                        <a:t>13</a:t>
+                      </a:r>
+                    </a:p>
+                  </a:txBody>
+                  <a:tcPr marL="90000" marR="90000">
+                    <a:lnL w="720">
+                      <a:solidFill>
+                        <a:srgbClr val="FFFFFF"/>
+                      </a:solidFill>
+                    </a:lnL>
+                    <a:lnR w="720">
+                      <a:solidFill>
+                        <a:srgbClr val="FFFFFF"/>
+                      </a:solidFill>
+                    </a:lnR>
+                    <a:lnT w="720">
+                      <a:solidFill>
+                        <a:srgbClr val="FFFFFF"/>
+                      </a:solidFill>
+                    </a:lnT>
+                    <a:lnB w="720" cap="flat" cmpd="sng" algn="ctr">
+                      <a:solidFill>
+                        <a:srgbClr val="FFFFFF"/>
+                      </a:solidFill>
+                      <a:prstDash val="solid"/>
+                      <a:round/>
+                      <a:headEnd type="none" w="med" len="med"/>
+                      <a:tailEnd type="none" w="med" len="med"/>
+                    </a:lnB>
+                    <a:solidFill>
+                      <a:srgbClr val="CCCCCC"/>
+                    </a:solidFill>
+                  </a:tcPr>
+                </a:tc>
+                <a:tc>
+                  <a:txBody>
+                    <a:bodyPr/>
+                    <a:lstStyle/>
+                    <a:p>
+                      <a:pPr>
+                        <a:lnSpc>
+                          <a:spcPct val="100000"/>
+                        </a:lnSpc>
+                      </a:pPr>
+                      <a:r>
+                        <a:rPr lang="es-CO" sz="1000" b="0" strike="noStrike" spc="-1" dirty="0">
+                          <a:latin typeface="Arial"/>
+                        </a:rPr>
+                        <a:t>15</a:t>
+                      </a:r>
+                    </a:p>
+                  </a:txBody>
+                  <a:tcPr marL="90000" marR="90000">
+                    <a:lnL w="720">
+                      <a:solidFill>
+                        <a:srgbClr val="FFFFFF"/>
+                      </a:solidFill>
+                    </a:lnL>
+                    <a:lnR w="720">
+                      <a:solidFill>
+                        <a:srgbClr val="FFFFFF"/>
+                      </a:solidFill>
+                    </a:lnR>
+                    <a:lnT w="720">
+                      <a:solidFill>
+                        <a:srgbClr val="FFFFFF"/>
+                      </a:solidFill>
+                    </a:lnT>
+                    <a:lnB w="720" cap="flat" cmpd="sng" algn="ctr">
+                      <a:solidFill>
+                        <a:srgbClr val="FFFFFF"/>
+                      </a:solidFill>
+                      <a:prstDash val="solid"/>
+                      <a:round/>
+                      <a:headEnd type="none" w="med" len="med"/>
+                      <a:tailEnd type="none" w="med" len="med"/>
+                    </a:lnB>
+                    <a:solidFill>
+                      <a:srgbClr val="CCCCCC"/>
+                    </a:solidFill>
+                  </a:tcPr>
+                </a:tc>
+                <a:tc>
+                  <a:txBody>
+                    <a:bodyPr/>
+                    <a:lstStyle/>
+                    <a:p>
+                      <a:pPr>
+                        <a:lnSpc>
+                          <a:spcPct val="100000"/>
+                        </a:lnSpc>
+                      </a:pPr>
+                      <a:r>
+                        <a:rPr lang="es-CO" sz="1000" b="0" strike="noStrike" spc="-1" dirty="0">
+                          <a:latin typeface="Arial"/>
+                        </a:rPr>
+                        <a:t>1</a:t>
+                      </a:r>
+                    </a:p>
+                  </a:txBody>
+                  <a:tcPr marL="90000" marR="90000">
+                    <a:lnL w="720">
+                      <a:solidFill>
+                        <a:srgbClr val="FFFFFF"/>
+                      </a:solidFill>
+                    </a:lnL>
+                    <a:lnR w="720">
+                      <a:solidFill>
+                        <a:srgbClr val="FFFFFF"/>
+                      </a:solidFill>
+                    </a:lnR>
+                    <a:lnT w="720">
+                      <a:solidFill>
+                        <a:srgbClr val="FFFFFF"/>
+                      </a:solidFill>
+                    </a:lnT>
+                    <a:lnB w="720" cap="flat" cmpd="sng" algn="ctr">
+                      <a:solidFill>
+                        <a:srgbClr val="FFFFFF"/>
+                      </a:solidFill>
+                      <a:prstDash val="solid"/>
+                      <a:round/>
+                      <a:headEnd type="none" w="med" len="med"/>
+                      <a:tailEnd type="none" w="med" len="med"/>
+                    </a:lnB>
+                    <a:solidFill>
+                      <a:srgbClr val="CCCCCC"/>
+                    </a:solidFill>
+                  </a:tcPr>
+                </a:tc>
+                <a:tc>
+                  <a:txBody>
+                    <a:bodyPr/>
+                    <a:lstStyle/>
+                    <a:p>
+                      <a:pPr>
+                        <a:lnSpc>
+                          <a:spcPct val="100000"/>
+                        </a:lnSpc>
+                      </a:pPr>
+                      <a:r>
+                        <a:rPr lang="es-CO" sz="1000" b="0" strike="noStrike" spc="-1" dirty="0">
+                          <a:latin typeface="Arial"/>
+                        </a:rPr>
+                        <a:t>Media</a:t>
+                      </a:r>
+                    </a:p>
+                  </a:txBody>
+                  <a:tcPr marL="90000" marR="90000">
+                    <a:lnL w="720">
+                      <a:solidFill>
+                        <a:srgbClr val="FFFFFF"/>
+                      </a:solidFill>
+                    </a:lnL>
+                    <a:lnR w="720">
+                      <a:solidFill>
+                        <a:srgbClr val="FFFFFF"/>
+                      </a:solidFill>
+                    </a:lnR>
+                    <a:lnT w="720">
+                      <a:solidFill>
+                        <a:srgbClr val="FFFFFF"/>
+                      </a:solidFill>
+                    </a:lnT>
+                    <a:lnB w="720" cap="flat" cmpd="sng" algn="ctr">
+                      <a:solidFill>
+                        <a:srgbClr val="FFFFFF"/>
+                      </a:solidFill>
+                      <a:prstDash val="solid"/>
+                      <a:round/>
+                      <a:headEnd type="none" w="med" len="med"/>
+                      <a:tailEnd type="none" w="med" len="med"/>
+                    </a:lnB>
+                    <a:solidFill>
+                      <a:srgbClr val="CCCCCC"/>
+                    </a:solidFill>
+                  </a:tcPr>
+                </a:tc>
+                <a:extLst>
+                  <a:ext uri="{0D108BD9-81ED-4DB2-BD59-A6C34878D82A}">
+                    <a16:rowId xmlns:a16="http://schemas.microsoft.com/office/drawing/2014/main" val="10001"/>
+                  </a:ext>
+                </a:extLst>
+              </a:tr>
+              <a:tr h="227462">
+                <a:tc>
+                  <a:txBody>
+                    <a:bodyPr/>
+                    <a:lstStyle/>
+                    <a:p>
+                      <a:pPr>
+                        <a:lnSpc>
+                          <a:spcPct val="100000"/>
+                        </a:lnSpc>
+                      </a:pPr>
+                      <a:r>
+                        <a:rPr lang="es-ES" sz="1000" b="0" strike="noStrike" spc="-1" dirty="0">
+                          <a:solidFill>
+                            <a:srgbClr val="808080"/>
+                          </a:solidFill>
+                          <a:latin typeface="Verdana"/>
+                          <a:ea typeface="+mn-ea"/>
+                        </a:rPr>
+                        <a:t>RQ35314_Archivos_DetDifDale_S3_Banco</a:t>
+                      </a:r>
+                      <a:endParaRPr lang="es-CO" sz="1000" b="0" strike="noStrike" spc="-1" dirty="0">
+                        <a:latin typeface="Arial"/>
+                      </a:endParaRPr>
+                    </a:p>
+                  </a:txBody>
+                  <a:tcPr marL="90000" marR="90000">
+                    <a:lnL w="720">
+                      <a:solidFill>
+                        <a:srgbClr val="FFFFFF"/>
+                      </a:solidFill>
+                    </a:lnL>
+                    <a:lnR w="720" cap="flat" cmpd="sng" algn="ctr">
+                      <a:solidFill>
+                        <a:srgbClr val="FFFFFF"/>
+                      </a:solidFill>
+                      <a:prstDash val="solid"/>
+                      <a:round/>
+                      <a:headEnd type="none" w="med" len="med"/>
+                      <a:tailEnd type="none" w="med" len="med"/>
+                    </a:lnR>
+                    <a:lnT w="720" cap="flat" cmpd="sng" algn="ctr">
+                      <a:solidFill>
+                        <a:srgbClr val="FFFFFF"/>
+                      </a:solidFill>
+                      <a:prstDash val="solid"/>
+                      <a:round/>
+                      <a:headEnd type="none" w="med" len="med"/>
+                      <a:tailEnd type="none" w="med" len="med"/>
+                    </a:lnT>
+                    <a:lnB w="720">
+                      <a:solidFill>
+                        <a:srgbClr val="FFFFFF"/>
+                      </a:solidFill>
+                    </a:lnB>
+                    <a:solidFill>
+                      <a:srgbClr val="E6E6E6"/>
+                    </a:solidFill>
+                  </a:tcPr>
+                </a:tc>
+                <a:tc>
+                  <a:txBody>
+                    <a:bodyPr/>
+                    <a:lstStyle/>
+                    <a:p>
+                      <a:pPr>
+                        <a:lnSpc>
+                          <a:spcPct val="100000"/>
+                        </a:lnSpc>
+                      </a:pPr>
+                      <a:r>
+                        <a:rPr lang="es-CO" sz="1000" b="0" strike="noStrike" spc="-1" dirty="0">
+                          <a:latin typeface="Arial"/>
+                        </a:rPr>
+                        <a:t>Lunes-viernes</a:t>
+                      </a:r>
+                    </a:p>
+                  </a:txBody>
+                  <a:tcPr marL="90000" marR="90000">
+                    <a:lnL w="720">
+                      <a:solidFill>
+                        <a:srgbClr val="FFFFFF"/>
+                      </a:solidFill>
+                    </a:lnL>
+                    <a:lnR w="720">
+                      <a:solidFill>
+                        <a:srgbClr val="FFFFFF"/>
+                      </a:solidFill>
+                    </a:lnR>
+                    <a:lnT w="720" cap="flat" cmpd="sng" algn="ctr">
+                      <a:solidFill>
+                        <a:srgbClr val="FFFFFF"/>
+                      </a:solidFill>
+                      <a:prstDash val="solid"/>
+                      <a:round/>
+                      <a:headEnd type="none" w="med" len="med"/>
+                      <a:tailEnd type="none" w="med" len="med"/>
+                    </a:lnT>
+                    <a:lnB w="720" cap="flat" cmpd="sng" algn="ctr">
+                      <a:solidFill>
+                        <a:srgbClr val="FFFFFF"/>
+                      </a:solidFill>
+                      <a:prstDash val="solid"/>
+                      <a:round/>
+                      <a:headEnd type="none" w="med" len="med"/>
+                      <a:tailEnd type="none" w="med" len="med"/>
+                    </a:lnB>
+                    <a:solidFill>
+                      <a:srgbClr val="E6E6E6"/>
+                    </a:solidFill>
+                  </a:tcPr>
+                </a:tc>
+                <a:tc>
+                  <a:txBody>
+                    <a:bodyPr/>
+                    <a:lstStyle/>
+                    <a:p>
+                      <a:r>
+                        <a:rPr lang="es-CO" sz="1000" dirty="0"/>
+                        <a:t>Si</a:t>
+                      </a:r>
+                    </a:p>
+                  </a:txBody>
+                  <a:tcPr marL="90000" marR="90000">
+                    <a:lnL w="720">
+                      <a:solidFill>
+                        <a:srgbClr val="FFFFFF"/>
+                      </a:solidFill>
+                    </a:lnL>
+                    <a:lnR w="720">
+                      <a:solidFill>
+                        <a:srgbClr val="FFFFFF"/>
+                      </a:solidFill>
+                    </a:lnR>
+                    <a:lnT w="720" cap="flat" cmpd="sng" algn="ctr">
+                      <a:solidFill>
+                        <a:srgbClr val="FFFFFF"/>
+                      </a:solidFill>
+                      <a:prstDash val="solid"/>
+                      <a:round/>
+                      <a:headEnd type="none" w="med" len="med"/>
+                      <a:tailEnd type="none" w="med" len="med"/>
+                    </a:lnT>
+                    <a:lnB w="720" cap="flat" cmpd="sng" algn="ctr">
+                      <a:solidFill>
+                        <a:srgbClr val="FFFFFF"/>
+                      </a:solidFill>
+                      <a:prstDash val="solid"/>
+                      <a:round/>
+                      <a:headEnd type="none" w="med" len="med"/>
+                      <a:tailEnd type="none" w="med" len="med"/>
+                    </a:lnB>
+                    <a:solidFill>
+                      <a:srgbClr val="E6E6E6"/>
+                    </a:solidFill>
+                  </a:tcPr>
+                </a:tc>
+                <a:tc>
+                  <a:txBody>
+                    <a:bodyPr/>
+                    <a:lstStyle/>
+                    <a:p>
+                      <a:pPr>
+                        <a:lnSpc>
+                          <a:spcPct val="100000"/>
+                        </a:lnSpc>
+                      </a:pPr>
+                      <a:r>
+                        <a:rPr lang="es-CO" sz="1000" b="0" strike="noStrike" spc="-1" dirty="0">
+                          <a:latin typeface="Arial"/>
+                        </a:rPr>
+                        <a:t>13</a:t>
+                      </a:r>
+                    </a:p>
+                  </a:txBody>
+                  <a:tcPr marL="90000" marR="90000">
+                    <a:lnL w="720">
+                      <a:solidFill>
+                        <a:srgbClr val="FFFFFF"/>
+                      </a:solidFill>
+                    </a:lnL>
+                    <a:lnR w="720">
+                      <a:solidFill>
+                        <a:srgbClr val="FFFFFF"/>
+                      </a:solidFill>
+                    </a:lnR>
+                    <a:lnT w="720" cap="flat" cmpd="sng" algn="ctr">
+                      <a:solidFill>
+                        <a:srgbClr val="FFFFFF"/>
+                      </a:solidFill>
+                      <a:prstDash val="solid"/>
+                      <a:round/>
+                      <a:headEnd type="none" w="med" len="med"/>
+                      <a:tailEnd type="none" w="med" len="med"/>
+                    </a:lnT>
+                    <a:lnB w="720" cap="flat" cmpd="sng" algn="ctr">
+                      <a:solidFill>
+                        <a:srgbClr val="FFFFFF"/>
+                      </a:solidFill>
+                      <a:prstDash val="solid"/>
+                      <a:round/>
+                      <a:headEnd type="none" w="med" len="med"/>
+                      <a:tailEnd type="none" w="med" len="med"/>
+                    </a:lnB>
+                    <a:solidFill>
+                      <a:srgbClr val="E6E6E6"/>
+                    </a:solidFill>
+                  </a:tcPr>
+                </a:tc>
+                <a:tc>
+                  <a:txBody>
+                    <a:bodyPr/>
+                    <a:lstStyle/>
+                    <a:p>
+                      <a:pPr>
+                        <a:lnSpc>
+                          <a:spcPct val="100000"/>
+                        </a:lnSpc>
+                      </a:pPr>
+                      <a:r>
+                        <a:rPr lang="es-CO" sz="1000" b="0" strike="noStrike" spc="-1" dirty="0">
+                          <a:latin typeface="Arial"/>
+                        </a:rPr>
+                        <a:t>15</a:t>
+                      </a:r>
+                    </a:p>
+                  </a:txBody>
+                  <a:tcPr marL="90000" marR="90000">
+                    <a:lnL w="720">
+                      <a:solidFill>
+                        <a:srgbClr val="FFFFFF"/>
+                      </a:solidFill>
+                    </a:lnL>
+                    <a:lnR w="720">
+                      <a:solidFill>
+                        <a:srgbClr val="FFFFFF"/>
+                      </a:solidFill>
+                    </a:lnR>
+                    <a:lnT w="720" cap="flat" cmpd="sng" algn="ctr">
+                      <a:solidFill>
+                        <a:srgbClr val="FFFFFF"/>
+                      </a:solidFill>
+                      <a:prstDash val="solid"/>
+                      <a:round/>
+                      <a:headEnd type="none" w="med" len="med"/>
+                      <a:tailEnd type="none" w="med" len="med"/>
+                    </a:lnT>
+                    <a:lnB w="720" cap="flat" cmpd="sng" algn="ctr">
+                      <a:solidFill>
+                        <a:srgbClr val="FFFFFF"/>
+                      </a:solidFill>
+                      <a:prstDash val="solid"/>
+                      <a:round/>
+                      <a:headEnd type="none" w="med" len="med"/>
+                      <a:tailEnd type="none" w="med" len="med"/>
+                    </a:lnB>
+                    <a:solidFill>
+                      <a:srgbClr val="E6E6E6"/>
+                    </a:solidFill>
+                  </a:tcPr>
+                </a:tc>
+                <a:tc>
+                  <a:txBody>
+                    <a:bodyPr/>
+                    <a:lstStyle/>
+                    <a:p>
+                      <a:pPr>
+                        <a:lnSpc>
+                          <a:spcPct val="100000"/>
+                        </a:lnSpc>
+                      </a:pPr>
+                      <a:r>
+                        <a:rPr lang="es-CO" sz="1000" b="0" strike="noStrike" spc="-1" dirty="0">
+                          <a:latin typeface="Arial"/>
+                        </a:rPr>
+                        <a:t>1</a:t>
+                      </a:r>
+                    </a:p>
+                  </a:txBody>
+                  <a:tcPr marL="90000" marR="90000">
+                    <a:lnL w="720">
+                      <a:solidFill>
+                        <a:srgbClr val="FFFFFF"/>
+                      </a:solidFill>
+                    </a:lnL>
+                    <a:lnR w="720">
+                      <a:solidFill>
+                        <a:srgbClr val="FFFFFF"/>
+                      </a:solidFill>
+                    </a:lnR>
+                    <a:lnT w="720" cap="flat" cmpd="sng" algn="ctr">
+                      <a:solidFill>
+                        <a:srgbClr val="FFFFFF"/>
+                      </a:solidFill>
+                      <a:prstDash val="solid"/>
+                      <a:round/>
+                      <a:headEnd type="none" w="med" len="med"/>
+                      <a:tailEnd type="none" w="med" len="med"/>
+                    </a:lnT>
+                    <a:lnB w="720" cap="flat" cmpd="sng" algn="ctr">
+                      <a:solidFill>
+                        <a:srgbClr val="FFFFFF"/>
+                      </a:solidFill>
+                      <a:prstDash val="solid"/>
+                      <a:round/>
+                      <a:headEnd type="none" w="med" len="med"/>
+                      <a:tailEnd type="none" w="med" len="med"/>
+                    </a:lnB>
+                    <a:solidFill>
+                      <a:srgbClr val="E6E6E6"/>
+                    </a:solidFill>
+                  </a:tcPr>
+                </a:tc>
+                <a:tc>
+                  <a:txBody>
+                    <a:bodyPr/>
+                    <a:lstStyle/>
+                    <a:p>
+                      <a:pPr>
+                        <a:lnSpc>
+                          <a:spcPct val="100000"/>
+                        </a:lnSpc>
+                      </a:pPr>
+                      <a:r>
+                        <a:rPr lang="es-CO" sz="1000" b="0" strike="noStrike" spc="-1" dirty="0">
+                          <a:latin typeface="Arial"/>
+                        </a:rPr>
+                        <a:t>Media</a:t>
+                      </a:r>
+                    </a:p>
+                  </a:txBody>
+                  <a:tcPr marL="90000" marR="90000">
+                    <a:lnL w="720">
+                      <a:solidFill>
+                        <a:srgbClr val="FFFFFF"/>
+                      </a:solidFill>
+                    </a:lnL>
+                    <a:lnR w="720">
+                      <a:solidFill>
+                        <a:srgbClr val="FFFFFF"/>
+                      </a:solidFill>
+                    </a:lnR>
+                    <a:lnT w="720" cap="flat" cmpd="sng" algn="ctr">
+                      <a:solidFill>
+                        <a:srgbClr val="FFFFFF"/>
+                      </a:solidFill>
+                      <a:prstDash val="solid"/>
+                      <a:round/>
+                      <a:headEnd type="none" w="med" len="med"/>
+                      <a:tailEnd type="none" w="med" len="med"/>
+                    </a:lnT>
+                    <a:lnB w="720" cap="flat" cmpd="sng" algn="ctr">
+                      <a:solidFill>
+                        <a:srgbClr val="FFFFFF"/>
+                      </a:solidFill>
+                      <a:prstDash val="solid"/>
+                      <a:round/>
+                      <a:headEnd type="none" w="med" len="med"/>
+                      <a:tailEnd type="none" w="med" len="med"/>
+                    </a:lnB>
+                    <a:solidFill>
+                      <a:srgbClr val="E6E6E6"/>
+                    </a:solidFill>
+                  </a:tcPr>
+                </a:tc>
+                <a:extLst>
+                  <a:ext uri="{0D108BD9-81ED-4DB2-BD59-A6C34878D82A}">
+                    <a16:rowId xmlns:a16="http://schemas.microsoft.com/office/drawing/2014/main" val="10002"/>
+                  </a:ext>
+                </a:extLst>
+              </a:tr>
+              <a:tr h="227462">
+                <a:tc>
+                  <a:txBody>
+                    <a:bodyPr/>
+                    <a:lstStyle/>
+                    <a:p>
+                      <a:pPr>
+                        <a:lnSpc>
+                          <a:spcPct val="100000"/>
+                        </a:lnSpc>
+                      </a:pPr>
+                      <a:r>
+                        <a:rPr lang="es-ES" sz="1000" b="0" strike="noStrike" spc="-1" dirty="0">
+                          <a:solidFill>
+                            <a:srgbClr val="808080"/>
+                          </a:solidFill>
+                          <a:latin typeface="Verdana"/>
+                          <a:ea typeface="+mn-ea"/>
+                        </a:rPr>
+                        <a:t>RQ35314_Archivos_DetDifVisa_S3_Banco</a:t>
+                      </a:r>
+                      <a:endParaRPr lang="es-CO" sz="1000" b="0" strike="noStrike" spc="-1" dirty="0">
+                        <a:latin typeface="Arial"/>
+                      </a:endParaRPr>
+                    </a:p>
+                  </a:txBody>
+                  <a:tcPr marL="90000" marR="90000">
+                    <a:lnL w="720">
+                      <a:solidFill>
+                        <a:srgbClr val="FFFFFF"/>
+                      </a:solidFill>
+                    </a:lnL>
+                    <a:lnR w="720" cap="flat" cmpd="sng" algn="ctr">
+                      <a:solidFill>
+                        <a:srgbClr val="FFFFFF"/>
+                      </a:solidFill>
+                      <a:prstDash val="solid"/>
+                      <a:round/>
+                      <a:headEnd type="none" w="med" len="med"/>
+                      <a:tailEnd type="none" w="med" len="med"/>
+                    </a:lnR>
+                    <a:lnT w="720" cap="flat" cmpd="sng" algn="ctr">
+                      <a:solidFill>
+                        <a:srgbClr val="FFFFFF"/>
+                      </a:solidFill>
+                      <a:prstDash val="solid"/>
+                      <a:round/>
+                      <a:headEnd type="none" w="med" len="med"/>
+                      <a:tailEnd type="none" w="med" len="med"/>
+                    </a:lnT>
+                    <a:lnB w="720">
+                      <a:solidFill>
+                        <a:srgbClr val="FFFFFF"/>
+                      </a:solidFill>
+                    </a:lnB>
+                    <a:solidFill>
+                      <a:srgbClr val="E6E6E6"/>
+                    </a:solidFill>
+                  </a:tcPr>
+                </a:tc>
+                <a:tc>
+                  <a:txBody>
+                    <a:bodyPr/>
+                    <a:lstStyle/>
+                    <a:p>
+                      <a:pPr>
+                        <a:lnSpc>
+                          <a:spcPct val="100000"/>
+                        </a:lnSpc>
+                      </a:pPr>
+                      <a:r>
+                        <a:rPr lang="es-CO" sz="1000" b="0" strike="noStrike" spc="-1" dirty="0">
+                          <a:latin typeface="Arial"/>
+                        </a:rPr>
+                        <a:t>Lunes-viernes</a:t>
+                      </a:r>
+                    </a:p>
+                  </a:txBody>
+                  <a:tcPr marL="90000" marR="90000">
+                    <a:lnL w="720" cap="flat" cmpd="sng" algn="ctr">
+                      <a:solidFill>
+                        <a:srgbClr val="FFFFFF"/>
+                      </a:solidFill>
+                      <a:prstDash val="solid"/>
+                      <a:round/>
+                      <a:headEnd type="none" w="med" len="med"/>
+                      <a:tailEnd type="none" w="med" len="med"/>
+                    </a:lnL>
+                    <a:lnR w="720" cap="flat" cmpd="sng" algn="ctr">
+                      <a:solidFill>
+                        <a:srgbClr val="FFFFFF"/>
+                      </a:solidFill>
+                      <a:prstDash val="solid"/>
+                      <a:round/>
+                      <a:headEnd type="none" w="med" len="med"/>
+                      <a:tailEnd type="none" w="med" len="med"/>
+                    </a:lnR>
+                    <a:lnT w="720" cap="flat" cmpd="sng" algn="ctr">
+                      <a:solidFill>
+                        <a:srgbClr val="FFFFFF"/>
+                      </a:solidFill>
+                      <a:prstDash val="solid"/>
+                      <a:round/>
+                      <a:headEnd type="none" w="med" len="med"/>
+                      <a:tailEnd type="none" w="med" len="med"/>
+                    </a:lnT>
+                    <a:lnB w="720" cap="flat" cmpd="sng" algn="ctr">
+                      <a:solidFill>
+                        <a:srgbClr val="FFFFFF"/>
+                      </a:solidFill>
+                      <a:prstDash val="solid"/>
+                      <a:round/>
+                      <a:headEnd type="none" w="med" len="med"/>
+                      <a:tailEnd type="none" w="med" len="med"/>
+                    </a:lnB>
+                    <a:solidFill>
+                      <a:srgbClr val="E6E6E6"/>
+                    </a:solidFill>
+                  </a:tcPr>
+                </a:tc>
+                <a:tc>
+                  <a:txBody>
+                    <a:bodyPr/>
+                    <a:lstStyle/>
+                    <a:p>
+                      <a:r>
+                        <a:rPr lang="es-CO" sz="1000" dirty="0"/>
+                        <a:t>Si</a:t>
+                      </a:r>
+                    </a:p>
+                  </a:txBody>
+                  <a:tcPr marL="90000" marR="90000">
+                    <a:lnL w="720" cap="flat" cmpd="sng" algn="ctr">
+                      <a:solidFill>
+                        <a:srgbClr val="FFFFFF"/>
+                      </a:solidFill>
+                      <a:prstDash val="solid"/>
+                      <a:round/>
+                      <a:headEnd type="none" w="med" len="med"/>
+                      <a:tailEnd type="none" w="med" len="med"/>
+                    </a:lnL>
+                    <a:lnR w="720" cap="flat" cmpd="sng" algn="ctr">
+                      <a:solidFill>
+                        <a:srgbClr val="FFFFFF"/>
+                      </a:solidFill>
+                      <a:prstDash val="solid"/>
+                      <a:round/>
+                      <a:headEnd type="none" w="med" len="med"/>
+                      <a:tailEnd type="none" w="med" len="med"/>
+                    </a:lnR>
+                    <a:lnT w="720" cap="flat" cmpd="sng" algn="ctr">
+                      <a:solidFill>
+                        <a:srgbClr val="FFFFFF"/>
+                      </a:solidFill>
+                      <a:prstDash val="solid"/>
+                      <a:round/>
+                      <a:headEnd type="none" w="med" len="med"/>
+                      <a:tailEnd type="none" w="med" len="med"/>
+                    </a:lnT>
+                    <a:lnB w="720" cap="flat" cmpd="sng" algn="ctr">
+                      <a:solidFill>
+                        <a:srgbClr val="FFFFFF"/>
+                      </a:solidFill>
+                      <a:prstDash val="solid"/>
+                      <a:round/>
+                      <a:headEnd type="none" w="med" len="med"/>
+                      <a:tailEnd type="none" w="med" len="med"/>
+                    </a:lnB>
+                    <a:solidFill>
+                      <a:srgbClr val="E6E6E6"/>
+                    </a:solidFill>
+                  </a:tcPr>
+                </a:tc>
+                <a:tc>
+                  <a:txBody>
+                    <a:bodyPr/>
+                    <a:lstStyle/>
+                    <a:p>
+                      <a:pPr>
+                        <a:lnSpc>
+                          <a:spcPct val="100000"/>
+                        </a:lnSpc>
+                      </a:pPr>
+                      <a:r>
+                        <a:rPr lang="es-CO" sz="1000" b="0" strike="noStrike" spc="-1" dirty="0">
+                          <a:latin typeface="Arial"/>
+                        </a:rPr>
+                        <a:t>13</a:t>
+                      </a:r>
+                    </a:p>
+                  </a:txBody>
+                  <a:tcPr marL="90000" marR="90000">
+                    <a:lnL w="720" cap="flat" cmpd="sng" algn="ctr">
+                      <a:solidFill>
+                        <a:srgbClr val="FFFFFF"/>
+                      </a:solidFill>
+                      <a:prstDash val="solid"/>
+                      <a:round/>
+                      <a:headEnd type="none" w="med" len="med"/>
+                      <a:tailEnd type="none" w="med" len="med"/>
+                    </a:lnL>
+                    <a:lnR w="720" cap="flat" cmpd="sng" algn="ctr">
+                      <a:solidFill>
+                        <a:srgbClr val="FFFFFF"/>
+                      </a:solidFill>
+                      <a:prstDash val="solid"/>
+                      <a:round/>
+                      <a:headEnd type="none" w="med" len="med"/>
+                      <a:tailEnd type="none" w="med" len="med"/>
+                    </a:lnR>
+                    <a:lnT w="720" cap="flat" cmpd="sng" algn="ctr">
+                      <a:solidFill>
+                        <a:srgbClr val="FFFFFF"/>
+                      </a:solidFill>
+                      <a:prstDash val="solid"/>
+                      <a:round/>
+                      <a:headEnd type="none" w="med" len="med"/>
+                      <a:tailEnd type="none" w="med" len="med"/>
+                    </a:lnT>
+                    <a:lnB w="720" cap="flat" cmpd="sng" algn="ctr">
+                      <a:solidFill>
+                        <a:srgbClr val="FFFFFF"/>
+                      </a:solidFill>
+                      <a:prstDash val="solid"/>
+                      <a:round/>
+                      <a:headEnd type="none" w="med" len="med"/>
+                      <a:tailEnd type="none" w="med" len="med"/>
+                    </a:lnB>
+                    <a:solidFill>
+                      <a:srgbClr val="E6E6E6"/>
+                    </a:solidFill>
+                  </a:tcPr>
+                </a:tc>
+                <a:tc>
+                  <a:txBody>
+                    <a:bodyPr/>
+                    <a:lstStyle/>
+                    <a:p>
+                      <a:pPr>
+                        <a:lnSpc>
+                          <a:spcPct val="100000"/>
+                        </a:lnSpc>
+                      </a:pPr>
+                      <a:r>
+                        <a:rPr lang="es-CO" sz="1000" b="0" strike="noStrike" spc="-1" dirty="0">
+                          <a:latin typeface="Arial"/>
+                        </a:rPr>
+                        <a:t>15</a:t>
+                      </a:r>
+                    </a:p>
+                  </a:txBody>
+                  <a:tcPr marL="90000" marR="90000">
+                    <a:lnL w="720" cap="flat" cmpd="sng" algn="ctr">
+                      <a:solidFill>
+                        <a:srgbClr val="FFFFFF"/>
+                      </a:solidFill>
+                      <a:prstDash val="solid"/>
+                      <a:round/>
+                      <a:headEnd type="none" w="med" len="med"/>
+                      <a:tailEnd type="none" w="med" len="med"/>
+                    </a:lnL>
+                    <a:lnR w="720" cap="flat" cmpd="sng" algn="ctr">
+                      <a:solidFill>
+                        <a:srgbClr val="FFFFFF"/>
+                      </a:solidFill>
+                      <a:prstDash val="solid"/>
+                      <a:round/>
+                      <a:headEnd type="none" w="med" len="med"/>
+                      <a:tailEnd type="none" w="med" len="med"/>
+                    </a:lnR>
+                    <a:lnT w="720" cap="flat" cmpd="sng" algn="ctr">
+                      <a:solidFill>
+                        <a:srgbClr val="FFFFFF"/>
+                      </a:solidFill>
+                      <a:prstDash val="solid"/>
+                      <a:round/>
+                      <a:headEnd type="none" w="med" len="med"/>
+                      <a:tailEnd type="none" w="med" len="med"/>
+                    </a:lnT>
+                    <a:lnB w="720" cap="flat" cmpd="sng" algn="ctr">
+                      <a:solidFill>
+                        <a:srgbClr val="FFFFFF"/>
+                      </a:solidFill>
+                      <a:prstDash val="solid"/>
+                      <a:round/>
+                      <a:headEnd type="none" w="med" len="med"/>
+                      <a:tailEnd type="none" w="med" len="med"/>
+                    </a:lnB>
+                    <a:solidFill>
+                      <a:srgbClr val="E6E6E6"/>
+                    </a:solidFill>
+                  </a:tcPr>
+                </a:tc>
+                <a:tc>
+                  <a:txBody>
+                    <a:bodyPr/>
+                    <a:lstStyle/>
+                    <a:p>
+                      <a:pPr>
+                        <a:lnSpc>
+                          <a:spcPct val="100000"/>
+                        </a:lnSpc>
+                      </a:pPr>
+                      <a:r>
+                        <a:rPr lang="es-CO" sz="1000" b="0" strike="noStrike" spc="-1" dirty="0">
+                          <a:latin typeface="Arial"/>
+                        </a:rPr>
+                        <a:t>1</a:t>
+                      </a:r>
+                    </a:p>
+                  </a:txBody>
+                  <a:tcPr marL="90000" marR="90000">
+                    <a:lnL w="720" cap="flat" cmpd="sng" algn="ctr">
+                      <a:solidFill>
+                        <a:srgbClr val="FFFFFF"/>
+                      </a:solidFill>
+                      <a:prstDash val="solid"/>
+                      <a:round/>
+                      <a:headEnd type="none" w="med" len="med"/>
+                      <a:tailEnd type="none" w="med" len="med"/>
+                    </a:lnL>
+                    <a:lnR w="720" cap="flat" cmpd="sng" algn="ctr">
+                      <a:solidFill>
+                        <a:srgbClr val="FFFFFF"/>
+                      </a:solidFill>
+                      <a:prstDash val="solid"/>
+                      <a:round/>
+                      <a:headEnd type="none" w="med" len="med"/>
+                      <a:tailEnd type="none" w="med" len="med"/>
+                    </a:lnR>
+                    <a:lnT w="720" cap="flat" cmpd="sng" algn="ctr">
+                      <a:solidFill>
+                        <a:srgbClr val="FFFFFF"/>
+                      </a:solidFill>
+                      <a:prstDash val="solid"/>
+                      <a:round/>
+                      <a:headEnd type="none" w="med" len="med"/>
+                      <a:tailEnd type="none" w="med" len="med"/>
+                    </a:lnT>
+                    <a:lnB w="720" cap="flat" cmpd="sng" algn="ctr">
+                      <a:solidFill>
+                        <a:srgbClr val="FFFFFF"/>
+                      </a:solidFill>
+                      <a:prstDash val="solid"/>
+                      <a:round/>
+                      <a:headEnd type="none" w="med" len="med"/>
+                      <a:tailEnd type="none" w="med" len="med"/>
+                    </a:lnB>
+                    <a:solidFill>
+                      <a:srgbClr val="E6E6E6"/>
+                    </a:solidFill>
+                  </a:tcPr>
+                </a:tc>
+                <a:tc>
+                  <a:txBody>
+                    <a:bodyPr/>
+                    <a:lstStyle/>
+                    <a:p>
+                      <a:pPr>
+                        <a:lnSpc>
+                          <a:spcPct val="100000"/>
+                        </a:lnSpc>
+                      </a:pPr>
+                      <a:r>
+                        <a:rPr lang="es-CO" sz="1000" b="0" strike="noStrike" spc="-1" dirty="0">
+                          <a:latin typeface="Arial"/>
+                        </a:rPr>
+                        <a:t>Media</a:t>
+                      </a:r>
+                    </a:p>
+                  </a:txBody>
+                  <a:tcPr marL="90000" marR="90000">
+                    <a:lnL w="720" cap="flat" cmpd="sng" algn="ctr">
+                      <a:solidFill>
+                        <a:srgbClr val="FFFFFF"/>
+                      </a:solidFill>
+                      <a:prstDash val="solid"/>
+                      <a:round/>
+                      <a:headEnd type="none" w="med" len="med"/>
+                      <a:tailEnd type="none" w="med" len="med"/>
+                    </a:lnL>
+                    <a:lnR w="720">
+                      <a:solidFill>
+                        <a:srgbClr val="FFFFFF"/>
+                      </a:solidFill>
+                    </a:lnR>
+                    <a:lnT w="720" cap="flat" cmpd="sng" algn="ctr">
+                      <a:solidFill>
+                        <a:srgbClr val="FFFFFF"/>
+                      </a:solidFill>
+                      <a:prstDash val="solid"/>
+                      <a:round/>
+                      <a:headEnd type="none" w="med" len="med"/>
+                      <a:tailEnd type="none" w="med" len="med"/>
+                    </a:lnT>
+                    <a:lnB w="720" cap="flat" cmpd="sng" algn="ctr">
+                      <a:solidFill>
+                        <a:srgbClr val="FFFFFF"/>
+                      </a:solidFill>
+                      <a:prstDash val="solid"/>
+                      <a:round/>
+                      <a:headEnd type="none" w="med" len="med"/>
+                      <a:tailEnd type="none" w="med" len="med"/>
+                    </a:lnB>
+                    <a:solidFill>
+                      <a:srgbClr val="E6E6E6"/>
+                    </a:solidFill>
+                  </a:tcPr>
+                </a:tc>
+                <a:extLst>
+                  <a:ext uri="{0D108BD9-81ED-4DB2-BD59-A6C34878D82A}">
+                    <a16:rowId xmlns:a16="http://schemas.microsoft.com/office/drawing/2014/main" val="10004"/>
+                  </a:ext>
+                </a:extLst>
+              </a:tr>
+              <a:tr h="511789">
+                <a:tc>
+                  <a:txBody>
+                    <a:bodyPr/>
+                    <a:lstStyle/>
+                    <a:p>
+                      <a:pPr>
+                        <a:lnSpc>
+                          <a:spcPct val="100000"/>
+                        </a:lnSpc>
+                      </a:pPr>
+                      <a:r>
+                        <a:rPr lang="es-ES" sz="1000" b="0" strike="noStrike" spc="-1" dirty="0">
+                          <a:solidFill>
+                            <a:srgbClr val="808080"/>
+                          </a:solidFill>
+                          <a:latin typeface="Verdana"/>
+                          <a:ea typeface="+mn-ea"/>
+                        </a:rPr>
+                        <a:t>RQ35314_Archivos_EP747_S3_Banco</a:t>
+                      </a:r>
+                    </a:p>
+                    <a:p>
+                      <a:pPr>
+                        <a:lnSpc>
+                          <a:spcPct val="100000"/>
+                        </a:lnSpc>
+                      </a:pPr>
+                      <a:endParaRPr lang="es-ES" sz="1000" b="0" strike="noStrike" spc="-1" dirty="0">
+                        <a:solidFill>
+                          <a:srgbClr val="808080"/>
+                        </a:solidFill>
+                        <a:latin typeface="Verdana"/>
+                        <a:ea typeface="+mn-ea"/>
+                      </a:endParaRPr>
+                    </a:p>
+                    <a:p>
+                      <a:pPr>
+                        <a:lnSpc>
+                          <a:spcPct val="100000"/>
+                        </a:lnSpc>
+                      </a:pPr>
+                      <a:endParaRPr lang="es-CO" sz="1000" b="0" strike="noStrike" spc="-1" dirty="0">
+                        <a:latin typeface="Arial"/>
+                      </a:endParaRPr>
+                    </a:p>
+                  </a:txBody>
+                  <a:tcPr marL="90000" marR="90000">
+                    <a:lnL w="720">
+                      <a:solidFill>
+                        <a:srgbClr val="FFFFFF"/>
+                      </a:solidFill>
+                    </a:lnL>
+                    <a:lnR w="720" cap="flat" cmpd="sng" algn="ctr">
+                      <a:solidFill>
+                        <a:srgbClr val="FFFFFF"/>
+                      </a:solidFill>
+                      <a:prstDash val="solid"/>
+                      <a:round/>
+                      <a:headEnd type="none" w="med" len="med"/>
+                      <a:tailEnd type="none" w="med" len="med"/>
+                    </a:lnR>
+                    <a:lnT w="720">
+                      <a:solidFill>
+                        <a:srgbClr val="FFFFFF"/>
+                      </a:solidFill>
+                    </a:lnT>
+                    <a:lnB w="720" cap="flat" cmpd="sng" algn="ctr">
+                      <a:solidFill>
+                        <a:srgbClr val="FFFFFF"/>
+                      </a:solidFill>
+                      <a:prstDash val="solid"/>
+                      <a:round/>
+                      <a:headEnd type="none" w="med" len="med"/>
+                      <a:tailEnd type="none" w="med" len="med"/>
+                    </a:lnB>
+                    <a:solidFill>
+                      <a:srgbClr val="CCCCCC"/>
+                    </a:solidFill>
+                  </a:tcPr>
+                </a:tc>
+                <a:tc>
+                  <a:txBody>
+                    <a:bodyPr/>
+                    <a:lstStyle/>
+                    <a:p>
+                      <a:pPr>
+                        <a:lnSpc>
+                          <a:spcPct val="100000"/>
+                        </a:lnSpc>
+                      </a:pPr>
+                      <a:r>
+                        <a:rPr lang="es-CO" sz="1000" b="0" strike="noStrike" spc="-1" dirty="0">
+                          <a:latin typeface="Arial"/>
+                        </a:rPr>
+                        <a:t>Domingo-Domingo</a:t>
+                      </a:r>
+                    </a:p>
+                  </a:txBody>
+                  <a:tcPr marL="90000" marR="90000">
+                    <a:lnL w="720">
+                      <a:solidFill>
+                        <a:srgbClr val="FFFFFF"/>
+                      </a:solidFill>
+                    </a:lnL>
+                    <a:lnR w="720">
+                      <a:solidFill>
+                        <a:srgbClr val="FFFFFF"/>
+                      </a:solidFill>
+                    </a:lnR>
+                    <a:lnT w="720" cap="flat" cmpd="sng" algn="ctr">
+                      <a:solidFill>
+                        <a:srgbClr val="FFFFFF"/>
+                      </a:solidFill>
+                      <a:prstDash val="solid"/>
+                      <a:round/>
+                      <a:headEnd type="none" w="med" len="med"/>
+                      <a:tailEnd type="none" w="med" len="med"/>
+                    </a:lnT>
+                    <a:lnB w="720" cap="flat" cmpd="sng" algn="ctr">
+                      <a:solidFill>
+                        <a:srgbClr val="FFFFFF"/>
+                      </a:solidFill>
+                      <a:prstDash val="solid"/>
+                      <a:round/>
+                      <a:headEnd type="none" w="med" len="med"/>
+                      <a:tailEnd type="none" w="med" len="med"/>
+                    </a:lnB>
+                    <a:solidFill>
+                      <a:srgbClr val="CCCCCC"/>
+                    </a:solidFill>
+                  </a:tcPr>
+                </a:tc>
+                <a:tc>
+                  <a:txBody>
+                    <a:bodyPr/>
+                    <a:lstStyle/>
+                    <a:p>
+                      <a:r>
+                        <a:rPr lang="es-CO" sz="1000" dirty="0"/>
+                        <a:t>Si</a:t>
+                      </a:r>
+                    </a:p>
+                  </a:txBody>
+                  <a:tcPr marL="90000" marR="90000">
+                    <a:lnL w="720">
+                      <a:solidFill>
+                        <a:srgbClr val="FFFFFF"/>
+                      </a:solidFill>
+                    </a:lnL>
+                    <a:lnR w="720">
+                      <a:solidFill>
+                        <a:srgbClr val="FFFFFF"/>
+                      </a:solidFill>
+                    </a:lnR>
+                    <a:lnT w="720" cap="flat" cmpd="sng" algn="ctr">
+                      <a:solidFill>
+                        <a:srgbClr val="FFFFFF"/>
+                      </a:solidFill>
+                      <a:prstDash val="solid"/>
+                      <a:round/>
+                      <a:headEnd type="none" w="med" len="med"/>
+                      <a:tailEnd type="none" w="med" len="med"/>
+                    </a:lnT>
+                    <a:lnB w="720" cap="flat" cmpd="sng" algn="ctr">
+                      <a:solidFill>
+                        <a:srgbClr val="FFFFFF"/>
+                      </a:solidFill>
+                      <a:prstDash val="solid"/>
+                      <a:round/>
+                      <a:headEnd type="none" w="med" len="med"/>
+                      <a:tailEnd type="none" w="med" len="med"/>
+                    </a:lnB>
+                    <a:solidFill>
+                      <a:srgbClr val="CCCCCC"/>
+                    </a:solidFill>
+                  </a:tcPr>
+                </a:tc>
+                <a:tc>
+                  <a:txBody>
+                    <a:bodyPr/>
+                    <a:lstStyle/>
+                    <a:p>
+                      <a:pPr>
+                        <a:lnSpc>
+                          <a:spcPct val="100000"/>
+                        </a:lnSpc>
+                      </a:pPr>
+                      <a:r>
+                        <a:rPr lang="es-CO" sz="1000" b="0" strike="noStrike" spc="-1" dirty="0">
+                          <a:latin typeface="Arial"/>
+                        </a:rPr>
+                        <a:t>22</a:t>
+                      </a:r>
+                    </a:p>
+                  </a:txBody>
+                  <a:tcPr marL="90000" marR="90000">
+                    <a:lnL w="720">
+                      <a:solidFill>
+                        <a:srgbClr val="FFFFFF"/>
+                      </a:solidFill>
+                    </a:lnL>
+                    <a:lnR w="720">
+                      <a:solidFill>
+                        <a:srgbClr val="FFFFFF"/>
+                      </a:solidFill>
+                    </a:lnR>
+                    <a:lnT w="720" cap="flat" cmpd="sng" algn="ctr">
+                      <a:solidFill>
+                        <a:srgbClr val="FFFFFF"/>
+                      </a:solidFill>
+                      <a:prstDash val="solid"/>
+                      <a:round/>
+                      <a:headEnd type="none" w="med" len="med"/>
+                      <a:tailEnd type="none" w="med" len="med"/>
+                    </a:lnT>
+                    <a:lnB w="720" cap="flat" cmpd="sng" algn="ctr">
+                      <a:solidFill>
+                        <a:srgbClr val="FFFFFF"/>
+                      </a:solidFill>
+                      <a:prstDash val="solid"/>
+                      <a:round/>
+                      <a:headEnd type="none" w="med" len="med"/>
+                      <a:tailEnd type="none" w="med" len="med"/>
+                    </a:lnB>
+                    <a:solidFill>
+                      <a:srgbClr val="CCCCCC"/>
+                    </a:solidFill>
+                  </a:tcPr>
+                </a:tc>
+                <a:tc>
+                  <a:txBody>
+                    <a:bodyPr/>
+                    <a:lstStyle/>
+                    <a:p>
+                      <a:pPr>
+                        <a:lnSpc>
+                          <a:spcPct val="100000"/>
+                        </a:lnSpc>
+                      </a:pPr>
+                      <a:r>
+                        <a:rPr lang="es-CO" sz="1000" b="0" strike="noStrike" spc="-1" dirty="0">
+                          <a:latin typeface="Arial"/>
+                        </a:rPr>
+                        <a:t>45</a:t>
+                      </a:r>
+                    </a:p>
+                  </a:txBody>
+                  <a:tcPr marL="90000" marR="90000">
+                    <a:lnL w="720">
+                      <a:solidFill>
+                        <a:srgbClr val="FFFFFF"/>
+                      </a:solidFill>
+                    </a:lnL>
+                    <a:lnR w="720">
+                      <a:solidFill>
+                        <a:srgbClr val="FFFFFF"/>
+                      </a:solidFill>
+                    </a:lnR>
+                    <a:lnT w="720" cap="flat" cmpd="sng" algn="ctr">
+                      <a:solidFill>
+                        <a:srgbClr val="FFFFFF"/>
+                      </a:solidFill>
+                      <a:prstDash val="solid"/>
+                      <a:round/>
+                      <a:headEnd type="none" w="med" len="med"/>
+                      <a:tailEnd type="none" w="med" len="med"/>
+                    </a:lnT>
+                    <a:lnB w="720" cap="flat" cmpd="sng" algn="ctr">
+                      <a:solidFill>
+                        <a:srgbClr val="FFFFFF"/>
+                      </a:solidFill>
+                      <a:prstDash val="solid"/>
+                      <a:round/>
+                      <a:headEnd type="none" w="med" len="med"/>
+                      <a:tailEnd type="none" w="med" len="med"/>
+                    </a:lnB>
+                    <a:solidFill>
+                      <a:srgbClr val="CCCCCC"/>
+                    </a:solidFill>
+                  </a:tcPr>
+                </a:tc>
+                <a:tc>
+                  <a:txBody>
+                    <a:bodyPr/>
+                    <a:lstStyle/>
+                    <a:p>
+                      <a:pPr>
+                        <a:lnSpc>
+                          <a:spcPct val="100000"/>
+                        </a:lnSpc>
+                      </a:pPr>
+                      <a:r>
+                        <a:rPr lang="es-CO" sz="1000" b="0" strike="noStrike" spc="-1" dirty="0">
+                          <a:latin typeface="Arial"/>
+                        </a:rPr>
+                        <a:t>1</a:t>
+                      </a:r>
+                    </a:p>
+                  </a:txBody>
+                  <a:tcPr marL="90000" marR="90000">
+                    <a:lnL w="720">
+                      <a:solidFill>
+                        <a:srgbClr val="FFFFFF"/>
+                      </a:solidFill>
+                    </a:lnL>
+                    <a:lnR w="720">
+                      <a:solidFill>
+                        <a:srgbClr val="FFFFFF"/>
+                      </a:solidFill>
+                    </a:lnR>
+                    <a:lnT w="720" cap="flat" cmpd="sng" algn="ctr">
+                      <a:solidFill>
+                        <a:srgbClr val="FFFFFF"/>
+                      </a:solidFill>
+                      <a:prstDash val="solid"/>
+                      <a:round/>
+                      <a:headEnd type="none" w="med" len="med"/>
+                      <a:tailEnd type="none" w="med" len="med"/>
+                    </a:lnT>
+                    <a:lnB w="720" cap="flat" cmpd="sng" algn="ctr">
+                      <a:solidFill>
+                        <a:srgbClr val="FFFFFF"/>
+                      </a:solidFill>
+                      <a:prstDash val="solid"/>
+                      <a:round/>
+                      <a:headEnd type="none" w="med" len="med"/>
+                      <a:tailEnd type="none" w="med" len="med"/>
+                    </a:lnB>
+                    <a:solidFill>
+                      <a:srgbClr val="CCCCCC"/>
+                    </a:solidFill>
+                  </a:tcPr>
+                </a:tc>
+                <a:tc>
+                  <a:txBody>
+                    <a:bodyPr/>
+                    <a:lstStyle/>
+                    <a:p>
+                      <a:pPr>
+                        <a:lnSpc>
+                          <a:spcPct val="100000"/>
+                        </a:lnSpc>
+                      </a:pPr>
+                      <a:r>
+                        <a:rPr lang="es-CO" sz="1000" b="0" strike="noStrike" spc="-1" dirty="0">
+                          <a:latin typeface="Arial"/>
+                        </a:rPr>
+                        <a:t>Media</a:t>
+                      </a:r>
+                    </a:p>
+                    <a:p>
+                      <a:pPr>
+                        <a:lnSpc>
+                          <a:spcPct val="100000"/>
+                        </a:lnSpc>
+                      </a:pPr>
+                      <a:endParaRPr lang="es-CO" sz="1000" b="0" strike="noStrike" spc="-1" dirty="0">
+                        <a:latin typeface="Arial"/>
+                      </a:endParaRPr>
+                    </a:p>
+                    <a:p>
+                      <a:pPr>
+                        <a:lnSpc>
+                          <a:spcPct val="100000"/>
+                        </a:lnSpc>
+                      </a:pPr>
+                      <a:endParaRPr lang="es-CO" sz="1000" b="0" strike="noStrike" spc="-1" dirty="0">
+                        <a:latin typeface="Arial"/>
+                      </a:endParaRPr>
+                    </a:p>
+                  </a:txBody>
+                  <a:tcPr marL="90000" marR="90000">
+                    <a:lnL w="720">
+                      <a:solidFill>
+                        <a:srgbClr val="FFFFFF"/>
+                      </a:solidFill>
+                    </a:lnL>
+                    <a:lnR w="720">
+                      <a:solidFill>
+                        <a:srgbClr val="FFFFFF"/>
+                      </a:solidFill>
+                    </a:lnR>
+                    <a:lnT w="720" cap="flat" cmpd="sng" algn="ctr">
+                      <a:solidFill>
+                        <a:srgbClr val="FFFFFF"/>
+                      </a:solidFill>
+                      <a:prstDash val="solid"/>
+                      <a:round/>
+                      <a:headEnd type="none" w="med" len="med"/>
+                      <a:tailEnd type="none" w="med" len="med"/>
+                    </a:lnT>
+                    <a:lnB w="720" cap="flat" cmpd="sng" algn="ctr">
+                      <a:solidFill>
+                        <a:srgbClr val="FFFFFF"/>
+                      </a:solidFill>
+                      <a:prstDash val="solid"/>
+                      <a:round/>
+                      <a:headEnd type="none" w="med" len="med"/>
+                      <a:tailEnd type="none" w="med" len="med"/>
+                    </a:lnB>
+                    <a:solidFill>
+                      <a:srgbClr val="CCCCCC"/>
+                    </a:solidFill>
+                  </a:tcPr>
+                </a:tc>
+                <a:extLst>
+                  <a:ext uri="{0D108BD9-81ED-4DB2-BD59-A6C34878D82A}">
+                    <a16:rowId xmlns:a16="http://schemas.microsoft.com/office/drawing/2014/main" val="10005"/>
+                  </a:ext>
+                </a:extLst>
+              </a:tr>
+              <a:tr h="511789">
+                <a:tc>
+                  <a:txBody>
+                    <a:bodyPr/>
+                    <a:lstStyle/>
+                    <a:p>
+                      <a:pPr marL="0" marR="0" lvl="0" indent="0" algn="l" defTabSz="914400" rtl="0" eaLnBrk="1" fontAlgn="auto" latinLnBrk="0" hangingPunct="1">
+                        <a:lnSpc>
+                          <a:spcPct val="100000"/>
+                        </a:lnSpc>
+                        <a:spcBef>
+                          <a:spcPts val="0"/>
+                        </a:spcBef>
+                        <a:spcAft>
+                          <a:spcPts val="0"/>
+                        </a:spcAft>
+                        <a:buClrTx/>
+                        <a:buSzTx/>
+                        <a:buFontTx/>
+                        <a:buNone/>
+                        <a:tabLst/>
+                        <a:defRPr/>
+                      </a:pPr>
+                      <a:r>
+                        <a:rPr lang="es-ES" sz="1000" b="0" strike="noStrike" spc="-1" dirty="0">
+                          <a:solidFill>
+                            <a:srgbClr val="808080"/>
+                          </a:solidFill>
+                          <a:latin typeface="Verdana"/>
+                          <a:ea typeface="+mn-ea"/>
+                        </a:rPr>
+                        <a:t>RQ35314_Archivos_PContable_S3_Banco</a:t>
+                      </a:r>
+                    </a:p>
+                    <a:p>
+                      <a:pPr>
+                        <a:lnSpc>
+                          <a:spcPct val="100000"/>
+                        </a:lnSpc>
+                      </a:pPr>
+                      <a:endParaRPr lang="es-CO" sz="1000" b="0" strike="noStrike" spc="-1" dirty="0">
+                        <a:latin typeface="Arial"/>
+                      </a:endParaRPr>
+                    </a:p>
+                    <a:p>
+                      <a:pPr>
+                        <a:lnSpc>
+                          <a:spcPct val="100000"/>
+                        </a:lnSpc>
+                      </a:pPr>
+                      <a:endParaRPr lang="es-CO" sz="1000" b="0" strike="noStrike" spc="-1" dirty="0">
+                        <a:latin typeface="Arial"/>
+                      </a:endParaRPr>
+                    </a:p>
+                  </a:txBody>
+                  <a:tcPr marL="90000" marR="90000">
+                    <a:lnL w="720">
+                      <a:solidFill>
+                        <a:srgbClr val="FFFFFF"/>
+                      </a:solidFill>
+                    </a:lnL>
+                    <a:lnR w="720" cap="flat" cmpd="sng" algn="ctr">
+                      <a:solidFill>
+                        <a:srgbClr val="FFFFFF"/>
+                      </a:solidFill>
+                      <a:prstDash val="solid"/>
+                      <a:round/>
+                      <a:headEnd type="none" w="med" len="med"/>
+                      <a:tailEnd type="none" w="med" len="med"/>
+                    </a:lnR>
+                    <a:lnT w="720">
+                      <a:solidFill>
+                        <a:srgbClr val="FFFFFF"/>
+                      </a:solidFill>
+                    </a:lnT>
+                    <a:lnB w="720" cap="flat" cmpd="sng" algn="ctr">
+                      <a:solidFill>
+                        <a:srgbClr val="FFFFFF"/>
+                      </a:solidFill>
+                      <a:prstDash val="solid"/>
+                      <a:round/>
+                      <a:headEnd type="none" w="med" len="med"/>
+                      <a:tailEnd type="none" w="med" len="med"/>
+                    </a:lnB>
+                    <a:solidFill>
+                      <a:srgbClr val="CCCCCC"/>
+                    </a:solidFill>
+                  </a:tcPr>
+                </a:tc>
+                <a:tc>
+                  <a:txBody>
+                    <a:bodyPr/>
+                    <a:lstStyle/>
+                    <a:p>
+                      <a:pPr>
+                        <a:lnSpc>
+                          <a:spcPct val="100000"/>
+                        </a:lnSpc>
+                      </a:pPr>
+                      <a:r>
+                        <a:rPr lang="es-CO" sz="1000" b="0" strike="noStrike" spc="-1" dirty="0">
+                          <a:latin typeface="Arial"/>
+                        </a:rPr>
+                        <a:t>Lunes-viernes</a:t>
+                      </a:r>
+                    </a:p>
+                  </a:txBody>
+                  <a:tcPr marL="90000" marR="90000">
+                    <a:lnL w="720" cap="flat" cmpd="sng" algn="ctr">
+                      <a:solidFill>
+                        <a:srgbClr val="FFFFFF"/>
+                      </a:solidFill>
+                      <a:prstDash val="solid"/>
+                      <a:round/>
+                      <a:headEnd type="none" w="med" len="med"/>
+                      <a:tailEnd type="none" w="med" len="med"/>
+                    </a:lnL>
+                    <a:lnR w="720" cap="flat" cmpd="sng" algn="ctr">
+                      <a:solidFill>
+                        <a:srgbClr val="FFFFFF"/>
+                      </a:solidFill>
+                      <a:prstDash val="solid"/>
+                      <a:round/>
+                      <a:headEnd type="none" w="med" len="med"/>
+                      <a:tailEnd type="none" w="med" len="med"/>
+                    </a:lnR>
+                    <a:lnT w="720" cap="flat" cmpd="sng" algn="ctr">
+                      <a:solidFill>
+                        <a:srgbClr val="FFFFFF"/>
+                      </a:solidFill>
+                      <a:prstDash val="solid"/>
+                      <a:round/>
+                      <a:headEnd type="none" w="med" len="med"/>
+                      <a:tailEnd type="none" w="med" len="med"/>
+                    </a:lnT>
+                    <a:lnB w="720" cap="flat" cmpd="sng" algn="ctr">
+                      <a:solidFill>
+                        <a:srgbClr val="FFFFFF"/>
+                      </a:solidFill>
+                      <a:prstDash val="solid"/>
+                      <a:round/>
+                      <a:headEnd type="none" w="med" len="med"/>
+                      <a:tailEnd type="none" w="med" len="med"/>
+                    </a:lnB>
+                    <a:solidFill>
+                      <a:srgbClr val="CCCCCC"/>
+                    </a:solidFill>
+                  </a:tcPr>
+                </a:tc>
+                <a:tc>
+                  <a:txBody>
+                    <a:bodyPr/>
+                    <a:lstStyle/>
+                    <a:p>
+                      <a:r>
+                        <a:rPr lang="es-CO" sz="1000" dirty="0"/>
+                        <a:t>Si</a:t>
+                      </a:r>
+                    </a:p>
+                  </a:txBody>
+                  <a:tcPr marL="90000" marR="90000">
+                    <a:lnL w="720" cap="flat" cmpd="sng" algn="ctr">
+                      <a:solidFill>
+                        <a:srgbClr val="FFFFFF"/>
+                      </a:solidFill>
+                      <a:prstDash val="solid"/>
+                      <a:round/>
+                      <a:headEnd type="none" w="med" len="med"/>
+                      <a:tailEnd type="none" w="med" len="med"/>
+                    </a:lnL>
+                    <a:lnR w="720" cap="flat" cmpd="sng" algn="ctr">
+                      <a:solidFill>
+                        <a:srgbClr val="FFFFFF"/>
+                      </a:solidFill>
+                      <a:prstDash val="solid"/>
+                      <a:round/>
+                      <a:headEnd type="none" w="med" len="med"/>
+                      <a:tailEnd type="none" w="med" len="med"/>
+                    </a:lnR>
+                    <a:lnT w="720" cap="flat" cmpd="sng" algn="ctr">
+                      <a:solidFill>
+                        <a:srgbClr val="FFFFFF"/>
+                      </a:solidFill>
+                      <a:prstDash val="solid"/>
+                      <a:round/>
+                      <a:headEnd type="none" w="med" len="med"/>
+                      <a:tailEnd type="none" w="med" len="med"/>
+                    </a:lnT>
+                    <a:lnB w="720" cap="flat" cmpd="sng" algn="ctr">
+                      <a:solidFill>
+                        <a:srgbClr val="FFFFFF"/>
+                      </a:solidFill>
+                      <a:prstDash val="solid"/>
+                      <a:round/>
+                      <a:headEnd type="none" w="med" len="med"/>
+                      <a:tailEnd type="none" w="med" len="med"/>
+                    </a:lnB>
+                    <a:solidFill>
+                      <a:srgbClr val="CCCCCC"/>
+                    </a:solidFill>
+                  </a:tcPr>
+                </a:tc>
+                <a:tc>
+                  <a:txBody>
+                    <a:bodyPr/>
+                    <a:lstStyle/>
+                    <a:p>
+                      <a:pPr>
+                        <a:lnSpc>
+                          <a:spcPct val="100000"/>
+                        </a:lnSpc>
+                      </a:pPr>
+                      <a:r>
+                        <a:rPr lang="es-CO" sz="1000" b="0" strike="noStrike" spc="-1" dirty="0">
+                          <a:latin typeface="Arial"/>
+                        </a:rPr>
+                        <a:t>13</a:t>
+                      </a:r>
+                    </a:p>
+                  </a:txBody>
+                  <a:tcPr marL="90000" marR="90000">
+                    <a:lnL w="720" cap="flat" cmpd="sng" algn="ctr">
+                      <a:solidFill>
+                        <a:srgbClr val="FFFFFF"/>
+                      </a:solidFill>
+                      <a:prstDash val="solid"/>
+                      <a:round/>
+                      <a:headEnd type="none" w="med" len="med"/>
+                      <a:tailEnd type="none" w="med" len="med"/>
+                    </a:lnL>
+                    <a:lnR w="720" cap="flat" cmpd="sng" algn="ctr">
+                      <a:solidFill>
+                        <a:srgbClr val="FFFFFF"/>
+                      </a:solidFill>
+                      <a:prstDash val="solid"/>
+                      <a:round/>
+                      <a:headEnd type="none" w="med" len="med"/>
+                      <a:tailEnd type="none" w="med" len="med"/>
+                    </a:lnR>
+                    <a:lnT w="720" cap="flat" cmpd="sng" algn="ctr">
+                      <a:solidFill>
+                        <a:srgbClr val="FFFFFF"/>
+                      </a:solidFill>
+                      <a:prstDash val="solid"/>
+                      <a:round/>
+                      <a:headEnd type="none" w="med" len="med"/>
+                      <a:tailEnd type="none" w="med" len="med"/>
+                    </a:lnT>
+                    <a:lnB w="720" cap="flat" cmpd="sng" algn="ctr">
+                      <a:solidFill>
+                        <a:srgbClr val="FFFFFF"/>
+                      </a:solidFill>
+                      <a:prstDash val="solid"/>
+                      <a:round/>
+                      <a:headEnd type="none" w="med" len="med"/>
+                      <a:tailEnd type="none" w="med" len="med"/>
+                    </a:lnB>
+                    <a:solidFill>
+                      <a:srgbClr val="CCCCCC"/>
+                    </a:solidFill>
+                  </a:tcPr>
+                </a:tc>
+                <a:tc>
+                  <a:txBody>
+                    <a:bodyPr/>
+                    <a:lstStyle/>
+                    <a:p>
+                      <a:pPr>
+                        <a:lnSpc>
+                          <a:spcPct val="100000"/>
+                        </a:lnSpc>
+                      </a:pPr>
+                      <a:r>
+                        <a:rPr lang="es-CO" sz="1000" b="0" strike="noStrike" spc="-1" dirty="0">
+                          <a:latin typeface="Arial"/>
+                        </a:rPr>
+                        <a:t>15</a:t>
+                      </a:r>
+                    </a:p>
+                  </a:txBody>
+                  <a:tcPr marL="90000" marR="90000">
+                    <a:lnL w="720" cap="flat" cmpd="sng" algn="ctr">
+                      <a:solidFill>
+                        <a:srgbClr val="FFFFFF"/>
+                      </a:solidFill>
+                      <a:prstDash val="solid"/>
+                      <a:round/>
+                      <a:headEnd type="none" w="med" len="med"/>
+                      <a:tailEnd type="none" w="med" len="med"/>
+                    </a:lnL>
+                    <a:lnR w="720" cap="flat" cmpd="sng" algn="ctr">
+                      <a:solidFill>
+                        <a:srgbClr val="FFFFFF"/>
+                      </a:solidFill>
+                      <a:prstDash val="solid"/>
+                      <a:round/>
+                      <a:headEnd type="none" w="med" len="med"/>
+                      <a:tailEnd type="none" w="med" len="med"/>
+                    </a:lnR>
+                    <a:lnT w="720" cap="flat" cmpd="sng" algn="ctr">
+                      <a:solidFill>
+                        <a:srgbClr val="FFFFFF"/>
+                      </a:solidFill>
+                      <a:prstDash val="solid"/>
+                      <a:round/>
+                      <a:headEnd type="none" w="med" len="med"/>
+                      <a:tailEnd type="none" w="med" len="med"/>
+                    </a:lnT>
+                    <a:lnB w="720" cap="flat" cmpd="sng" algn="ctr">
+                      <a:solidFill>
+                        <a:srgbClr val="FFFFFF"/>
+                      </a:solidFill>
+                      <a:prstDash val="solid"/>
+                      <a:round/>
+                      <a:headEnd type="none" w="med" len="med"/>
+                      <a:tailEnd type="none" w="med" len="med"/>
+                    </a:lnB>
+                    <a:solidFill>
+                      <a:srgbClr val="CCCCCC"/>
+                    </a:solidFill>
+                  </a:tcPr>
+                </a:tc>
+                <a:tc>
+                  <a:txBody>
+                    <a:bodyPr/>
+                    <a:lstStyle/>
+                    <a:p>
+                      <a:pPr>
+                        <a:lnSpc>
+                          <a:spcPct val="100000"/>
+                        </a:lnSpc>
+                      </a:pPr>
+                      <a:r>
+                        <a:rPr lang="es-CO" sz="1000" b="0" strike="noStrike" spc="-1" dirty="0">
+                          <a:latin typeface="Arial"/>
+                        </a:rPr>
+                        <a:t>1</a:t>
+                      </a:r>
+                    </a:p>
+                  </a:txBody>
+                  <a:tcPr marL="90000" marR="90000">
+                    <a:lnL w="720" cap="flat" cmpd="sng" algn="ctr">
+                      <a:solidFill>
+                        <a:srgbClr val="FFFFFF"/>
+                      </a:solidFill>
+                      <a:prstDash val="solid"/>
+                      <a:round/>
+                      <a:headEnd type="none" w="med" len="med"/>
+                      <a:tailEnd type="none" w="med" len="med"/>
+                    </a:lnL>
+                    <a:lnR w="720" cap="flat" cmpd="sng" algn="ctr">
+                      <a:solidFill>
+                        <a:srgbClr val="FFFFFF"/>
+                      </a:solidFill>
+                      <a:prstDash val="solid"/>
+                      <a:round/>
+                      <a:headEnd type="none" w="med" len="med"/>
+                      <a:tailEnd type="none" w="med" len="med"/>
+                    </a:lnR>
+                    <a:lnT w="720" cap="flat" cmpd="sng" algn="ctr">
+                      <a:solidFill>
+                        <a:srgbClr val="FFFFFF"/>
+                      </a:solidFill>
+                      <a:prstDash val="solid"/>
+                      <a:round/>
+                      <a:headEnd type="none" w="med" len="med"/>
+                      <a:tailEnd type="none" w="med" len="med"/>
+                    </a:lnT>
+                    <a:lnB w="720" cap="flat" cmpd="sng" algn="ctr">
+                      <a:solidFill>
+                        <a:srgbClr val="FFFFFF"/>
+                      </a:solidFill>
+                      <a:prstDash val="solid"/>
+                      <a:round/>
+                      <a:headEnd type="none" w="med" len="med"/>
+                      <a:tailEnd type="none" w="med" len="med"/>
+                    </a:lnB>
+                    <a:solidFill>
+                      <a:srgbClr val="CCCCCC"/>
+                    </a:solidFill>
+                  </a:tcPr>
+                </a:tc>
+                <a:tc>
+                  <a:txBody>
+                    <a:bodyPr/>
+                    <a:lstStyle/>
+                    <a:p>
+                      <a:pPr>
+                        <a:lnSpc>
+                          <a:spcPct val="100000"/>
+                        </a:lnSpc>
+                      </a:pPr>
+                      <a:r>
+                        <a:rPr lang="es-CO" sz="1000" b="0" strike="noStrike" spc="-1" dirty="0">
+                          <a:latin typeface="Arial"/>
+                        </a:rPr>
+                        <a:t>Media</a:t>
+                      </a:r>
+                    </a:p>
+                    <a:p>
+                      <a:pPr>
+                        <a:lnSpc>
+                          <a:spcPct val="100000"/>
+                        </a:lnSpc>
+                      </a:pPr>
+                      <a:endParaRPr lang="es-CO" sz="1000" b="0" strike="noStrike" spc="-1" dirty="0">
+                        <a:latin typeface="Arial"/>
+                      </a:endParaRPr>
+                    </a:p>
+                  </a:txBody>
+                  <a:tcPr marL="90000" marR="90000">
+                    <a:lnL w="720" cap="flat" cmpd="sng" algn="ctr">
+                      <a:solidFill>
+                        <a:srgbClr val="FFFFFF"/>
+                      </a:solidFill>
+                      <a:prstDash val="solid"/>
+                      <a:round/>
+                      <a:headEnd type="none" w="med" len="med"/>
+                      <a:tailEnd type="none" w="med" len="med"/>
+                    </a:lnL>
+                    <a:lnR w="720">
+                      <a:solidFill>
+                        <a:srgbClr val="FFFFFF"/>
+                      </a:solidFill>
+                    </a:lnR>
+                    <a:lnT w="720" cap="flat" cmpd="sng" algn="ctr">
+                      <a:solidFill>
+                        <a:srgbClr val="FFFFFF"/>
+                      </a:solidFill>
+                      <a:prstDash val="solid"/>
+                      <a:round/>
+                      <a:headEnd type="none" w="med" len="med"/>
+                      <a:tailEnd type="none" w="med" len="med"/>
+                    </a:lnT>
+                    <a:lnB w="720" cap="flat" cmpd="sng" algn="ctr">
+                      <a:solidFill>
+                        <a:srgbClr val="FFFFFF"/>
+                      </a:solidFill>
+                      <a:prstDash val="solid"/>
+                      <a:round/>
+                      <a:headEnd type="none" w="med" len="med"/>
+                      <a:tailEnd type="none" w="med" len="med"/>
+                    </a:lnB>
+                    <a:solidFill>
+                      <a:srgbClr val="CCCCCC"/>
+                    </a:solidFill>
+                  </a:tcPr>
+                </a:tc>
+                <a:extLst>
+                  <a:ext uri="{0D108BD9-81ED-4DB2-BD59-A6C34878D82A}">
+                    <a16:rowId xmlns:a16="http://schemas.microsoft.com/office/drawing/2014/main" val="1922611748"/>
+                  </a:ext>
+                </a:extLst>
+              </a:tr>
+              <a:tr h="375918">
+                <a:tc>
+                  <a:txBody>
+                    <a:bodyPr/>
+                    <a:lstStyle/>
+                    <a:p>
+                      <a:pPr marL="0" marR="0" lvl="0" indent="0" algn="l" defTabSz="914400" rtl="0" eaLnBrk="1" fontAlgn="auto" latinLnBrk="0" hangingPunct="1">
+                        <a:lnSpc>
+                          <a:spcPct val="100000"/>
+                        </a:lnSpc>
+                        <a:spcBef>
+                          <a:spcPts val="0"/>
+                        </a:spcBef>
+                        <a:spcAft>
+                          <a:spcPts val="0"/>
+                        </a:spcAft>
+                        <a:buClrTx/>
+                        <a:buSzTx/>
+                        <a:buFontTx/>
+                        <a:buNone/>
+                        <a:tabLst/>
+                        <a:defRPr/>
+                      </a:pPr>
+                      <a:r>
+                        <a:rPr lang="es-ES" sz="1000" b="0" strike="noStrike" spc="-1" dirty="0">
+                          <a:solidFill>
+                            <a:srgbClr val="808080"/>
+                          </a:solidFill>
+                          <a:latin typeface="Verdana"/>
+                          <a:ea typeface="+mn-ea"/>
+                        </a:rPr>
+                        <a:t>RQ35314_Archivos_ResConciliacion_S3_Banco</a:t>
+                      </a:r>
+                      <a:endParaRPr lang="es-CO" sz="1000" b="0" strike="noStrike" spc="-1" dirty="0">
+                        <a:latin typeface="+mn-lt"/>
+                      </a:endParaRPr>
+                    </a:p>
+                    <a:p>
+                      <a:pPr>
+                        <a:lnSpc>
+                          <a:spcPct val="100000"/>
+                        </a:lnSpc>
+                      </a:pPr>
+                      <a:endParaRPr lang="es-CO" sz="1000" b="0" strike="noStrike" spc="-1" dirty="0">
+                        <a:latin typeface="Arial"/>
+                      </a:endParaRPr>
+                    </a:p>
+                  </a:txBody>
+                  <a:tcPr marL="90000" marR="90000">
+                    <a:lnL w="720">
+                      <a:solidFill>
+                        <a:srgbClr val="FFFFFF"/>
+                      </a:solidFill>
+                    </a:lnL>
+                    <a:lnR w="720" cap="flat" cmpd="sng" algn="ctr">
+                      <a:solidFill>
+                        <a:srgbClr val="FFFFFF"/>
+                      </a:solidFill>
+                      <a:prstDash val="solid"/>
+                      <a:round/>
+                      <a:headEnd type="none" w="med" len="med"/>
+                      <a:tailEnd type="none" w="med" len="med"/>
+                    </a:lnR>
+                    <a:lnT w="720">
+                      <a:solidFill>
+                        <a:srgbClr val="FFFFFF"/>
+                      </a:solidFill>
+                    </a:lnT>
+                    <a:lnB w="720" cap="flat" cmpd="sng" algn="ctr">
+                      <a:solidFill>
+                        <a:srgbClr val="FFFFFF"/>
+                      </a:solidFill>
+                      <a:prstDash val="solid"/>
+                      <a:round/>
+                      <a:headEnd type="none" w="med" len="med"/>
+                      <a:tailEnd type="none" w="med" len="med"/>
+                    </a:lnB>
+                    <a:solidFill>
+                      <a:srgbClr val="CCCCCC"/>
+                    </a:solidFill>
+                  </a:tcPr>
+                </a:tc>
+                <a:tc>
+                  <a:txBody>
+                    <a:bodyPr/>
+                    <a:lstStyle/>
+                    <a:p>
+                      <a:pPr>
+                        <a:lnSpc>
+                          <a:spcPct val="100000"/>
+                        </a:lnSpc>
+                      </a:pPr>
+                      <a:r>
+                        <a:rPr lang="es-CO" sz="1000" b="0" strike="noStrike" spc="-1" dirty="0">
+                          <a:latin typeface="Arial"/>
+                        </a:rPr>
+                        <a:t>Lunes-viernes</a:t>
+                      </a:r>
+                    </a:p>
+                  </a:txBody>
+                  <a:tcPr marL="90000" marR="90000">
+                    <a:lnL w="720" cap="flat" cmpd="sng" algn="ctr">
+                      <a:solidFill>
+                        <a:srgbClr val="FFFFFF"/>
+                      </a:solidFill>
+                      <a:prstDash val="solid"/>
+                      <a:round/>
+                      <a:headEnd type="none" w="med" len="med"/>
+                      <a:tailEnd type="none" w="med" len="med"/>
+                    </a:lnL>
+                    <a:lnR w="720" cap="flat" cmpd="sng" algn="ctr">
+                      <a:solidFill>
+                        <a:srgbClr val="FFFFFF"/>
+                      </a:solidFill>
+                      <a:prstDash val="solid"/>
+                      <a:round/>
+                      <a:headEnd type="none" w="med" len="med"/>
+                      <a:tailEnd type="none" w="med" len="med"/>
+                    </a:lnR>
+                    <a:lnT w="720" cap="flat" cmpd="sng" algn="ctr">
+                      <a:solidFill>
+                        <a:srgbClr val="FFFFFF"/>
+                      </a:solidFill>
+                      <a:prstDash val="solid"/>
+                      <a:round/>
+                      <a:headEnd type="none" w="med" len="med"/>
+                      <a:tailEnd type="none" w="med" len="med"/>
+                    </a:lnT>
+                    <a:lnB w="720" cap="flat" cmpd="sng" algn="ctr">
+                      <a:solidFill>
+                        <a:srgbClr val="FFFFFF"/>
+                      </a:solidFill>
+                      <a:prstDash val="solid"/>
+                      <a:round/>
+                      <a:headEnd type="none" w="med" len="med"/>
+                      <a:tailEnd type="none" w="med" len="med"/>
+                    </a:lnB>
+                    <a:solidFill>
+                      <a:srgbClr val="CCCCCC"/>
+                    </a:solidFill>
+                  </a:tcPr>
+                </a:tc>
+                <a:tc>
+                  <a:txBody>
+                    <a:bodyPr/>
+                    <a:lstStyle/>
+                    <a:p>
+                      <a:r>
+                        <a:rPr lang="es-CO" sz="1000" dirty="0"/>
+                        <a:t>Si</a:t>
+                      </a:r>
+                    </a:p>
+                  </a:txBody>
+                  <a:tcPr marL="90000" marR="90000">
+                    <a:lnL w="720" cap="flat" cmpd="sng" algn="ctr">
+                      <a:solidFill>
+                        <a:srgbClr val="FFFFFF"/>
+                      </a:solidFill>
+                      <a:prstDash val="solid"/>
+                      <a:round/>
+                      <a:headEnd type="none" w="med" len="med"/>
+                      <a:tailEnd type="none" w="med" len="med"/>
+                    </a:lnL>
+                    <a:lnR w="720" cap="flat" cmpd="sng" algn="ctr">
+                      <a:solidFill>
+                        <a:srgbClr val="FFFFFF"/>
+                      </a:solidFill>
+                      <a:prstDash val="solid"/>
+                      <a:round/>
+                      <a:headEnd type="none" w="med" len="med"/>
+                      <a:tailEnd type="none" w="med" len="med"/>
+                    </a:lnR>
+                    <a:lnT w="720" cap="flat" cmpd="sng" algn="ctr">
+                      <a:solidFill>
+                        <a:srgbClr val="FFFFFF"/>
+                      </a:solidFill>
+                      <a:prstDash val="solid"/>
+                      <a:round/>
+                      <a:headEnd type="none" w="med" len="med"/>
+                      <a:tailEnd type="none" w="med" len="med"/>
+                    </a:lnT>
+                    <a:lnB w="720" cap="flat" cmpd="sng" algn="ctr">
+                      <a:solidFill>
+                        <a:srgbClr val="FFFFFF"/>
+                      </a:solidFill>
+                      <a:prstDash val="solid"/>
+                      <a:round/>
+                      <a:headEnd type="none" w="med" len="med"/>
+                      <a:tailEnd type="none" w="med" len="med"/>
+                    </a:lnB>
+                    <a:solidFill>
+                      <a:srgbClr val="CCCCCC"/>
+                    </a:solidFill>
+                  </a:tcPr>
+                </a:tc>
+                <a:tc>
+                  <a:txBody>
+                    <a:bodyPr/>
+                    <a:lstStyle/>
+                    <a:p>
+                      <a:pPr>
+                        <a:lnSpc>
+                          <a:spcPct val="100000"/>
+                        </a:lnSpc>
+                      </a:pPr>
+                      <a:r>
+                        <a:rPr lang="es-CO" sz="1000" b="0" strike="noStrike" spc="-1" dirty="0">
+                          <a:latin typeface="Arial"/>
+                        </a:rPr>
+                        <a:t>13</a:t>
+                      </a:r>
+                    </a:p>
+                  </a:txBody>
+                  <a:tcPr marL="90000" marR="90000">
+                    <a:lnL w="720" cap="flat" cmpd="sng" algn="ctr">
+                      <a:solidFill>
+                        <a:srgbClr val="FFFFFF"/>
+                      </a:solidFill>
+                      <a:prstDash val="solid"/>
+                      <a:round/>
+                      <a:headEnd type="none" w="med" len="med"/>
+                      <a:tailEnd type="none" w="med" len="med"/>
+                    </a:lnL>
+                    <a:lnR w="720" cap="flat" cmpd="sng" algn="ctr">
+                      <a:solidFill>
+                        <a:srgbClr val="FFFFFF"/>
+                      </a:solidFill>
+                      <a:prstDash val="solid"/>
+                      <a:round/>
+                      <a:headEnd type="none" w="med" len="med"/>
+                      <a:tailEnd type="none" w="med" len="med"/>
+                    </a:lnR>
+                    <a:lnT w="720" cap="flat" cmpd="sng" algn="ctr">
+                      <a:solidFill>
+                        <a:srgbClr val="FFFFFF"/>
+                      </a:solidFill>
+                      <a:prstDash val="solid"/>
+                      <a:round/>
+                      <a:headEnd type="none" w="med" len="med"/>
+                      <a:tailEnd type="none" w="med" len="med"/>
+                    </a:lnT>
+                    <a:lnB w="720" cap="flat" cmpd="sng" algn="ctr">
+                      <a:solidFill>
+                        <a:srgbClr val="FFFFFF"/>
+                      </a:solidFill>
+                      <a:prstDash val="solid"/>
+                      <a:round/>
+                      <a:headEnd type="none" w="med" len="med"/>
+                      <a:tailEnd type="none" w="med" len="med"/>
+                    </a:lnB>
+                    <a:solidFill>
+                      <a:srgbClr val="CCCCCC"/>
+                    </a:solidFill>
+                  </a:tcPr>
+                </a:tc>
+                <a:tc>
+                  <a:txBody>
+                    <a:bodyPr/>
+                    <a:lstStyle/>
+                    <a:p>
+                      <a:pPr>
+                        <a:lnSpc>
+                          <a:spcPct val="100000"/>
+                        </a:lnSpc>
+                      </a:pPr>
+                      <a:r>
+                        <a:rPr lang="es-CO" sz="1000" b="0" strike="noStrike" spc="-1" dirty="0">
+                          <a:latin typeface="Arial"/>
+                        </a:rPr>
+                        <a:t>15</a:t>
+                      </a:r>
+                    </a:p>
+                  </a:txBody>
+                  <a:tcPr marL="90000" marR="90000">
+                    <a:lnL w="720" cap="flat" cmpd="sng" algn="ctr">
+                      <a:solidFill>
+                        <a:srgbClr val="FFFFFF"/>
+                      </a:solidFill>
+                      <a:prstDash val="solid"/>
+                      <a:round/>
+                      <a:headEnd type="none" w="med" len="med"/>
+                      <a:tailEnd type="none" w="med" len="med"/>
+                    </a:lnL>
+                    <a:lnR w="720" cap="flat" cmpd="sng" algn="ctr">
+                      <a:solidFill>
+                        <a:srgbClr val="FFFFFF"/>
+                      </a:solidFill>
+                      <a:prstDash val="solid"/>
+                      <a:round/>
+                      <a:headEnd type="none" w="med" len="med"/>
+                      <a:tailEnd type="none" w="med" len="med"/>
+                    </a:lnR>
+                    <a:lnT w="720" cap="flat" cmpd="sng" algn="ctr">
+                      <a:solidFill>
+                        <a:srgbClr val="FFFFFF"/>
+                      </a:solidFill>
+                      <a:prstDash val="solid"/>
+                      <a:round/>
+                      <a:headEnd type="none" w="med" len="med"/>
+                      <a:tailEnd type="none" w="med" len="med"/>
+                    </a:lnT>
+                    <a:lnB w="720" cap="flat" cmpd="sng" algn="ctr">
+                      <a:solidFill>
+                        <a:srgbClr val="FFFFFF"/>
+                      </a:solidFill>
+                      <a:prstDash val="solid"/>
+                      <a:round/>
+                      <a:headEnd type="none" w="med" len="med"/>
+                      <a:tailEnd type="none" w="med" len="med"/>
+                    </a:lnB>
+                    <a:solidFill>
+                      <a:srgbClr val="CCCCCC"/>
+                    </a:solidFill>
+                  </a:tcPr>
+                </a:tc>
+                <a:tc>
+                  <a:txBody>
+                    <a:bodyPr/>
+                    <a:lstStyle/>
+                    <a:p>
+                      <a:pPr>
+                        <a:lnSpc>
+                          <a:spcPct val="100000"/>
+                        </a:lnSpc>
+                      </a:pPr>
+                      <a:r>
+                        <a:rPr lang="es-CO" sz="1000" b="0" strike="noStrike" spc="-1" dirty="0">
+                          <a:latin typeface="Arial"/>
+                        </a:rPr>
+                        <a:t>1</a:t>
+                      </a:r>
+                    </a:p>
+                  </a:txBody>
+                  <a:tcPr marL="90000" marR="90000">
+                    <a:lnL w="720" cap="flat" cmpd="sng" algn="ctr">
+                      <a:solidFill>
+                        <a:srgbClr val="FFFFFF"/>
+                      </a:solidFill>
+                      <a:prstDash val="solid"/>
+                      <a:round/>
+                      <a:headEnd type="none" w="med" len="med"/>
+                      <a:tailEnd type="none" w="med" len="med"/>
+                    </a:lnL>
+                    <a:lnR w="720" cap="flat" cmpd="sng" algn="ctr">
+                      <a:solidFill>
+                        <a:srgbClr val="FFFFFF"/>
+                      </a:solidFill>
+                      <a:prstDash val="solid"/>
+                      <a:round/>
+                      <a:headEnd type="none" w="med" len="med"/>
+                      <a:tailEnd type="none" w="med" len="med"/>
+                    </a:lnR>
+                    <a:lnT w="720" cap="flat" cmpd="sng" algn="ctr">
+                      <a:solidFill>
+                        <a:srgbClr val="FFFFFF"/>
+                      </a:solidFill>
+                      <a:prstDash val="solid"/>
+                      <a:round/>
+                      <a:headEnd type="none" w="med" len="med"/>
+                      <a:tailEnd type="none" w="med" len="med"/>
+                    </a:lnT>
+                    <a:lnB w="720" cap="flat" cmpd="sng" algn="ctr">
+                      <a:solidFill>
+                        <a:srgbClr val="FFFFFF"/>
+                      </a:solidFill>
+                      <a:prstDash val="solid"/>
+                      <a:round/>
+                      <a:headEnd type="none" w="med" len="med"/>
+                      <a:tailEnd type="none" w="med" len="med"/>
+                    </a:lnB>
+                    <a:solidFill>
+                      <a:srgbClr val="CCCCCC"/>
+                    </a:solidFill>
+                  </a:tcPr>
+                </a:tc>
+                <a:tc>
+                  <a:txBody>
+                    <a:bodyPr/>
+                    <a:lstStyle/>
+                    <a:p>
+                      <a:pPr>
+                        <a:lnSpc>
+                          <a:spcPct val="100000"/>
+                        </a:lnSpc>
+                      </a:pPr>
+                      <a:r>
+                        <a:rPr lang="es-CO" sz="1000" b="0" strike="noStrike" spc="-1" dirty="0">
+                          <a:latin typeface="Arial"/>
+                        </a:rPr>
+                        <a:t>Media</a:t>
+                      </a:r>
+                    </a:p>
+                  </a:txBody>
+                  <a:tcPr marL="90000" marR="90000">
+                    <a:lnL w="720" cap="flat" cmpd="sng" algn="ctr">
+                      <a:solidFill>
+                        <a:srgbClr val="FFFFFF"/>
+                      </a:solidFill>
+                      <a:prstDash val="solid"/>
+                      <a:round/>
+                      <a:headEnd type="none" w="med" len="med"/>
+                      <a:tailEnd type="none" w="med" len="med"/>
+                    </a:lnL>
+                    <a:lnR w="720">
+                      <a:solidFill>
+                        <a:srgbClr val="FFFFFF"/>
+                      </a:solidFill>
+                    </a:lnR>
+                    <a:lnT w="720" cap="flat" cmpd="sng" algn="ctr">
+                      <a:solidFill>
+                        <a:srgbClr val="FFFFFF"/>
+                      </a:solidFill>
+                      <a:prstDash val="solid"/>
+                      <a:round/>
+                      <a:headEnd type="none" w="med" len="med"/>
+                      <a:tailEnd type="none" w="med" len="med"/>
+                    </a:lnT>
+                    <a:lnB w="720" cap="flat" cmpd="sng" algn="ctr">
+                      <a:solidFill>
+                        <a:srgbClr val="FFFFFF"/>
+                      </a:solidFill>
+                      <a:prstDash val="solid"/>
+                      <a:round/>
+                      <a:headEnd type="none" w="med" len="med"/>
+                      <a:tailEnd type="none" w="med" len="med"/>
+                    </a:lnB>
+                    <a:solidFill>
+                      <a:srgbClr val="CCCCCC"/>
+                    </a:solidFill>
+                  </a:tcPr>
+                </a:tc>
+                <a:extLst>
+                  <a:ext uri="{0D108BD9-81ED-4DB2-BD59-A6C34878D82A}">
+                    <a16:rowId xmlns:a16="http://schemas.microsoft.com/office/drawing/2014/main" val="2207681543"/>
+                  </a:ext>
+                </a:extLst>
+              </a:tr>
+              <a:tr h="752438">
+                <a:tc>
+                  <a:txBody>
+                    <a:bodyPr/>
+                    <a:lstStyle/>
+                    <a:p>
+                      <a:pPr>
+                        <a:lnSpc>
+                          <a:spcPct val="100000"/>
+                        </a:lnSpc>
+                      </a:pPr>
+                      <a:r>
+                        <a:rPr lang="es-ES" sz="1000" b="0" strike="noStrike" spc="-1" dirty="0">
+                          <a:solidFill>
+                            <a:srgbClr val="808080"/>
+                          </a:solidFill>
+                          <a:latin typeface="Verdana"/>
+                          <a:ea typeface="+mn-ea"/>
+                        </a:rPr>
+                        <a:t>RQ35314_Archivos_ResDiferencias_S3_Banco</a:t>
+                      </a:r>
+                      <a:endParaRPr lang="es-CO" sz="1000" b="0" strike="noStrike" spc="-1" dirty="0">
+                        <a:latin typeface="Arial"/>
+                      </a:endParaRPr>
+                    </a:p>
+                  </a:txBody>
+                  <a:tcPr marL="90000" marR="90000">
+                    <a:lnL w="720">
+                      <a:solidFill>
+                        <a:srgbClr val="FFFFFF"/>
+                      </a:solidFill>
+                    </a:lnL>
+                    <a:lnR w="720" cap="flat" cmpd="sng" algn="ctr">
+                      <a:solidFill>
+                        <a:srgbClr val="FFFFFF"/>
+                      </a:solidFill>
+                      <a:prstDash val="solid"/>
+                      <a:round/>
+                      <a:headEnd type="none" w="med" len="med"/>
+                      <a:tailEnd type="none" w="med" len="med"/>
+                    </a:lnR>
+                    <a:lnT w="720">
+                      <a:solidFill>
+                        <a:srgbClr val="FFFFFF"/>
+                      </a:solidFill>
+                    </a:lnT>
+                    <a:lnB w="720">
+                      <a:solidFill>
+                        <a:srgbClr val="FFFFFF"/>
+                      </a:solidFill>
+                    </a:lnB>
+                    <a:solidFill>
+                      <a:srgbClr val="CCCCCC"/>
+                    </a:solidFill>
+                  </a:tcPr>
+                </a:tc>
+                <a:tc>
+                  <a:txBody>
+                    <a:bodyPr/>
+                    <a:lstStyle/>
+                    <a:p>
+                      <a:pPr>
+                        <a:lnSpc>
+                          <a:spcPct val="100000"/>
+                        </a:lnSpc>
+                      </a:pPr>
+                      <a:r>
+                        <a:rPr lang="es-CO" sz="1000" b="0" strike="noStrike" spc="-1" dirty="0">
+                          <a:latin typeface="Arial"/>
+                        </a:rPr>
+                        <a:t>Lunes-viernes</a:t>
+                      </a:r>
+                    </a:p>
+                  </a:txBody>
+                  <a:tcPr marL="90000" marR="90000">
+                    <a:lnL w="720" cap="flat" cmpd="sng" algn="ctr">
+                      <a:solidFill>
+                        <a:srgbClr val="FFFFFF"/>
+                      </a:solidFill>
+                      <a:prstDash val="solid"/>
+                      <a:round/>
+                      <a:headEnd type="none" w="med" len="med"/>
+                      <a:tailEnd type="none" w="med" len="med"/>
+                    </a:lnL>
+                    <a:lnR w="720" cap="flat" cmpd="sng" algn="ctr">
+                      <a:solidFill>
+                        <a:srgbClr val="FFFFFF"/>
+                      </a:solidFill>
+                      <a:prstDash val="solid"/>
+                      <a:round/>
+                      <a:headEnd type="none" w="med" len="med"/>
+                      <a:tailEnd type="none" w="med" len="med"/>
+                    </a:lnR>
+                    <a:lnT w="720" cap="flat" cmpd="sng" algn="ctr">
+                      <a:solidFill>
+                        <a:srgbClr val="FFFFFF"/>
+                      </a:solidFill>
+                      <a:prstDash val="solid"/>
+                      <a:round/>
+                      <a:headEnd type="none" w="med" len="med"/>
+                      <a:tailEnd type="none" w="med" len="med"/>
+                    </a:lnT>
+                    <a:lnB w="720">
+                      <a:solidFill>
+                        <a:srgbClr val="FFFFFF"/>
+                      </a:solidFill>
+                    </a:lnB>
+                    <a:solidFill>
+                      <a:srgbClr val="CCCCCC"/>
+                    </a:solidFill>
+                  </a:tcPr>
+                </a:tc>
+                <a:tc>
+                  <a:txBody>
+                    <a:bodyPr/>
+                    <a:lstStyle/>
+                    <a:p>
+                      <a:r>
+                        <a:rPr lang="es-CO" sz="1000" dirty="0"/>
+                        <a:t>Si</a:t>
+                      </a:r>
+                    </a:p>
+                  </a:txBody>
+                  <a:tcPr marL="90000" marR="90000">
+                    <a:lnL w="720" cap="flat" cmpd="sng" algn="ctr">
+                      <a:solidFill>
+                        <a:srgbClr val="FFFFFF"/>
+                      </a:solidFill>
+                      <a:prstDash val="solid"/>
+                      <a:round/>
+                      <a:headEnd type="none" w="med" len="med"/>
+                      <a:tailEnd type="none" w="med" len="med"/>
+                    </a:lnL>
+                    <a:lnR w="720" cap="flat" cmpd="sng" algn="ctr">
+                      <a:solidFill>
+                        <a:srgbClr val="FFFFFF"/>
+                      </a:solidFill>
+                      <a:prstDash val="solid"/>
+                      <a:round/>
+                      <a:headEnd type="none" w="med" len="med"/>
+                      <a:tailEnd type="none" w="med" len="med"/>
+                    </a:lnR>
+                    <a:lnT w="720" cap="flat" cmpd="sng" algn="ctr">
+                      <a:solidFill>
+                        <a:srgbClr val="FFFFFF"/>
+                      </a:solidFill>
+                      <a:prstDash val="solid"/>
+                      <a:round/>
+                      <a:headEnd type="none" w="med" len="med"/>
+                      <a:tailEnd type="none" w="med" len="med"/>
+                    </a:lnT>
+                    <a:lnB w="720">
+                      <a:solidFill>
+                        <a:srgbClr val="FFFFFF"/>
+                      </a:solidFill>
+                    </a:lnB>
+                    <a:solidFill>
+                      <a:srgbClr val="CCCCCC"/>
+                    </a:solidFill>
+                  </a:tcPr>
+                </a:tc>
+                <a:tc>
+                  <a:txBody>
+                    <a:bodyPr/>
+                    <a:lstStyle/>
+                    <a:p>
+                      <a:pPr>
+                        <a:lnSpc>
+                          <a:spcPct val="100000"/>
+                        </a:lnSpc>
+                      </a:pPr>
+                      <a:r>
+                        <a:rPr lang="es-CO" sz="1000" b="0" strike="noStrike" spc="-1" dirty="0">
+                          <a:latin typeface="Arial"/>
+                        </a:rPr>
+                        <a:t>13</a:t>
+                      </a:r>
+                    </a:p>
+                  </a:txBody>
+                  <a:tcPr marL="90000" marR="90000">
+                    <a:lnL w="720" cap="flat" cmpd="sng" algn="ctr">
+                      <a:solidFill>
+                        <a:srgbClr val="FFFFFF"/>
+                      </a:solidFill>
+                      <a:prstDash val="solid"/>
+                      <a:round/>
+                      <a:headEnd type="none" w="med" len="med"/>
+                      <a:tailEnd type="none" w="med" len="med"/>
+                    </a:lnL>
+                    <a:lnR w="720" cap="flat" cmpd="sng" algn="ctr">
+                      <a:solidFill>
+                        <a:srgbClr val="FFFFFF"/>
+                      </a:solidFill>
+                      <a:prstDash val="solid"/>
+                      <a:round/>
+                      <a:headEnd type="none" w="med" len="med"/>
+                      <a:tailEnd type="none" w="med" len="med"/>
+                    </a:lnR>
+                    <a:lnT w="720" cap="flat" cmpd="sng" algn="ctr">
+                      <a:solidFill>
+                        <a:srgbClr val="FFFFFF"/>
+                      </a:solidFill>
+                      <a:prstDash val="solid"/>
+                      <a:round/>
+                      <a:headEnd type="none" w="med" len="med"/>
+                      <a:tailEnd type="none" w="med" len="med"/>
+                    </a:lnT>
+                    <a:lnB w="720">
+                      <a:solidFill>
+                        <a:srgbClr val="FFFFFF"/>
+                      </a:solidFill>
+                    </a:lnB>
+                    <a:solidFill>
+                      <a:srgbClr val="CCCCCC"/>
+                    </a:solidFill>
+                  </a:tcPr>
+                </a:tc>
+                <a:tc>
+                  <a:txBody>
+                    <a:bodyPr/>
+                    <a:lstStyle/>
+                    <a:p>
+                      <a:pPr>
+                        <a:lnSpc>
+                          <a:spcPct val="100000"/>
+                        </a:lnSpc>
+                      </a:pPr>
+                      <a:r>
+                        <a:rPr lang="es-CO" sz="1000" b="0" strike="noStrike" spc="-1" dirty="0">
+                          <a:latin typeface="Arial"/>
+                        </a:rPr>
+                        <a:t>15</a:t>
+                      </a:r>
+                    </a:p>
+                  </a:txBody>
+                  <a:tcPr marL="90000" marR="90000">
+                    <a:lnL w="720" cap="flat" cmpd="sng" algn="ctr">
+                      <a:solidFill>
+                        <a:srgbClr val="FFFFFF"/>
+                      </a:solidFill>
+                      <a:prstDash val="solid"/>
+                      <a:round/>
+                      <a:headEnd type="none" w="med" len="med"/>
+                      <a:tailEnd type="none" w="med" len="med"/>
+                    </a:lnL>
+                    <a:lnR w="720" cap="flat" cmpd="sng" algn="ctr">
+                      <a:solidFill>
+                        <a:srgbClr val="FFFFFF"/>
+                      </a:solidFill>
+                      <a:prstDash val="solid"/>
+                      <a:round/>
+                      <a:headEnd type="none" w="med" len="med"/>
+                      <a:tailEnd type="none" w="med" len="med"/>
+                    </a:lnR>
+                    <a:lnT w="720" cap="flat" cmpd="sng" algn="ctr">
+                      <a:solidFill>
+                        <a:srgbClr val="FFFFFF"/>
+                      </a:solidFill>
+                      <a:prstDash val="solid"/>
+                      <a:round/>
+                      <a:headEnd type="none" w="med" len="med"/>
+                      <a:tailEnd type="none" w="med" len="med"/>
+                    </a:lnT>
+                    <a:lnB w="720">
+                      <a:solidFill>
+                        <a:srgbClr val="FFFFFF"/>
+                      </a:solidFill>
+                    </a:lnB>
+                    <a:solidFill>
+                      <a:srgbClr val="CCCCCC"/>
+                    </a:solidFill>
+                  </a:tcPr>
+                </a:tc>
+                <a:tc>
+                  <a:txBody>
+                    <a:bodyPr/>
+                    <a:lstStyle/>
+                    <a:p>
+                      <a:pPr>
+                        <a:lnSpc>
+                          <a:spcPct val="100000"/>
+                        </a:lnSpc>
+                      </a:pPr>
+                      <a:r>
+                        <a:rPr lang="es-CO" sz="1000" b="0" strike="noStrike" spc="-1" dirty="0">
+                          <a:latin typeface="Arial"/>
+                        </a:rPr>
+                        <a:t>1</a:t>
+                      </a:r>
+                    </a:p>
+                  </a:txBody>
+                  <a:tcPr marL="90000" marR="90000">
+                    <a:lnL w="720" cap="flat" cmpd="sng" algn="ctr">
+                      <a:solidFill>
+                        <a:srgbClr val="FFFFFF"/>
+                      </a:solidFill>
+                      <a:prstDash val="solid"/>
+                      <a:round/>
+                      <a:headEnd type="none" w="med" len="med"/>
+                      <a:tailEnd type="none" w="med" len="med"/>
+                    </a:lnL>
+                    <a:lnR w="720" cap="flat" cmpd="sng" algn="ctr">
+                      <a:solidFill>
+                        <a:srgbClr val="FFFFFF"/>
+                      </a:solidFill>
+                      <a:prstDash val="solid"/>
+                      <a:round/>
+                      <a:headEnd type="none" w="med" len="med"/>
+                      <a:tailEnd type="none" w="med" len="med"/>
+                    </a:lnR>
+                    <a:lnT w="720" cap="flat" cmpd="sng" algn="ctr">
+                      <a:solidFill>
+                        <a:srgbClr val="FFFFFF"/>
+                      </a:solidFill>
+                      <a:prstDash val="solid"/>
+                      <a:round/>
+                      <a:headEnd type="none" w="med" len="med"/>
+                      <a:tailEnd type="none" w="med" len="med"/>
+                    </a:lnT>
+                    <a:lnB w="720">
+                      <a:solidFill>
+                        <a:srgbClr val="FFFFFF"/>
+                      </a:solidFill>
+                    </a:lnB>
+                    <a:solidFill>
+                      <a:srgbClr val="CCCCCC"/>
+                    </a:solidFill>
+                  </a:tcPr>
+                </a:tc>
+                <a:tc>
+                  <a:txBody>
+                    <a:bodyPr/>
+                    <a:lstStyle/>
+                    <a:p>
+                      <a:pPr>
+                        <a:lnSpc>
+                          <a:spcPct val="100000"/>
+                        </a:lnSpc>
+                      </a:pPr>
+                      <a:r>
+                        <a:rPr lang="es-CO" sz="1000" b="0" strike="noStrike" spc="-1" dirty="0">
+                          <a:latin typeface="Arial"/>
+                        </a:rPr>
+                        <a:t>Media</a:t>
+                      </a:r>
+                    </a:p>
+                  </a:txBody>
+                  <a:tcPr marL="90000" marR="90000">
+                    <a:lnL w="720" cap="flat" cmpd="sng" algn="ctr">
+                      <a:solidFill>
+                        <a:srgbClr val="FFFFFF"/>
+                      </a:solidFill>
+                      <a:prstDash val="solid"/>
+                      <a:round/>
+                      <a:headEnd type="none" w="med" len="med"/>
+                      <a:tailEnd type="none" w="med" len="med"/>
+                    </a:lnL>
+                    <a:lnR w="720">
+                      <a:solidFill>
+                        <a:srgbClr val="FFFFFF"/>
+                      </a:solidFill>
+                    </a:lnR>
+                    <a:lnT w="720" cap="flat" cmpd="sng" algn="ctr">
+                      <a:solidFill>
+                        <a:srgbClr val="FFFFFF"/>
+                      </a:solidFill>
+                      <a:prstDash val="solid"/>
+                      <a:round/>
+                      <a:headEnd type="none" w="med" len="med"/>
+                      <a:tailEnd type="none" w="med" len="med"/>
+                    </a:lnT>
+                    <a:lnB w="720">
+                      <a:solidFill>
+                        <a:srgbClr val="FFFFFF"/>
+                      </a:solidFill>
+                    </a:lnB>
+                    <a:solidFill>
+                      <a:srgbClr val="CCCCCC"/>
+                    </a:solidFill>
+                  </a:tcPr>
+                </a:tc>
+                <a:extLst>
+                  <a:ext uri="{0D108BD9-81ED-4DB2-BD59-A6C34878D82A}">
+                    <a16:rowId xmlns:a16="http://schemas.microsoft.com/office/drawing/2014/main" val="414990223"/>
+                  </a:ext>
+                </a:extLst>
+              </a:tr>
+            </a:tbl>
+          </a:graphicData>
+        </a:graphic>
+      </p:graphicFrame>
     </p:spTree>
   </p:cSld>
   <p:clrMapOvr>
